--- a/PROGI_2023_Posterized_prezentacija.pptx
+++ b/PROGI_2023_Posterized_prezentacija.pptx
@@ -5,7 +5,7 @@
     <p:sldMasterId id="2147483687" r:id="rId1"/>
   </p:sldMasterIdLst>
   <p:notesMasterIdLst>
-    <p:notesMasterId r:id="rId13"/>
+    <p:notesMasterId r:id="rId14"/>
   </p:notesMasterIdLst>
   <p:sldIdLst>
     <p:sldId id="256" r:id="rId2"/>
@@ -13,12 +13,13 @@
     <p:sldId id="265" r:id="rId4"/>
     <p:sldId id="258" r:id="rId5"/>
     <p:sldId id="259" r:id="rId6"/>
-    <p:sldId id="261" r:id="rId7"/>
-    <p:sldId id="266" r:id="rId8"/>
-    <p:sldId id="260" r:id="rId9"/>
-    <p:sldId id="262" r:id="rId10"/>
-    <p:sldId id="263" r:id="rId11"/>
-    <p:sldId id="264" r:id="rId12"/>
+    <p:sldId id="267" r:id="rId7"/>
+    <p:sldId id="261" r:id="rId8"/>
+    <p:sldId id="266" r:id="rId9"/>
+    <p:sldId id="260" r:id="rId10"/>
+    <p:sldId id="262" r:id="rId11"/>
+    <p:sldId id="263" r:id="rId12"/>
+    <p:sldId id="264" r:id="rId13"/>
   </p:sldIdLst>
   <p:sldSz cx="9144000" cy="6858000" type="screen4x3"/>
   <p:notesSz cx="6858000" cy="9144000"/>
@@ -207,7 +208,7 @@
           <a:p>
             <a:fld id="{A57596D4-CB16-4BAD-83F6-7E8077D61F81}" type="datetimeFigureOut">
               <a:rPr lang="hr-HR" smtClean="0"/>
-              <a:t>19.01.2024.</a:t>
+              <a:t>22.01.2024.</a:t>
             </a:fld>
             <a:endParaRPr lang="hr-HR"/>
           </a:p>
@@ -3904,7 +3905,7 @@
           <a:p>
             <a:fld id="{E46E8F5E-7C26-4DBA-9CDF-6E3092DFB447}" type="datetime1">
               <a:rPr lang="hr-HR" smtClean="0"/>
-              <a:t>19.01.2024.</a:t>
+              <a:t>22.01.2024.</a:t>
             </a:fld>
             <a:endParaRPr lang="hr-HR"/>
           </a:p>
@@ -4130,7 +4131,7 @@
           <a:p>
             <a:fld id="{E46E8F5E-7C26-4DBA-9CDF-6E3092DFB447}" type="datetime1">
               <a:rPr lang="hr-HR" smtClean="0"/>
-              <a:t>19.01.2024.</a:t>
+              <a:t>22.01.2024.</a:t>
             </a:fld>
             <a:endParaRPr lang="hr-HR"/>
           </a:p>
@@ -4706,7 +4707,7 @@
           <a:p>
             <a:r>
               <a:rPr lang="hr-HR" dirty="0"/>
-              <a:t>Naučene lekcije</a:t>
+              <a:t>Organizacija rada</a:t>
             </a:r>
           </a:p>
         </p:txBody>
@@ -4723,35 +4724,185 @@
         </p:nvSpPr>
         <p:spPr/>
         <p:txBody>
-          <a:bodyPr/>
+          <a:bodyPr>
+            <a:normAutofit/>
+          </a:bodyPr>
           <a:lstStyle/>
           <a:p>
-            <a:r>
-              <a:rPr lang="hr-HR" dirty="0"/>
-              <a:t>Što je bilo dobro, a što je moglo bolje</a:t>
-            </a:r>
-          </a:p>
-          <a:p>
-            <a:pPr lvl="1"/>
-            <a:r>
-              <a:rPr lang="hr-HR" dirty="0"/>
-              <a:t>A što se nikako ne bi smjelo ponoviti </a:t>
-            </a:r>
-            <a:r>
-              <a:rPr lang="hr-HR" dirty="0">
-                <a:sym typeface="Wingdings" panose="05000000000000000000" pitchFamily="2" charset="2"/>
-              </a:rPr>
-              <a:t></a:t>
-            </a:r>
-          </a:p>
-          <a:p>
-            <a:pPr lvl="1"/>
-            <a:endParaRPr lang="hr-HR" dirty="0">
-              <a:sym typeface="Wingdings" panose="05000000000000000000" pitchFamily="2" charset="2"/>
-            </a:endParaRPr>
-          </a:p>
-          <a:p>
-            <a:endParaRPr lang="hr-HR" dirty="0"/>
+            <a:pPr>
+              <a:lnSpc>
+                <a:spcPct val="100000"/>
+              </a:lnSpc>
+            </a:pPr>
+            <a:r>
+              <a:rPr lang="hr-HR" sz="2400" dirty="0"/>
+              <a:t>Vremenska linija razvoja (specifikacija, implementacija, ispitivanje, dokumentiranje)</a:t>
+            </a:r>
+          </a:p>
+          <a:p>
+            <a:pPr lvl="1">
+              <a:lnSpc>
+                <a:spcPct val="100000"/>
+              </a:lnSpc>
+            </a:pPr>
+            <a:r>
+              <a:rPr lang="hr-HR" sz="2000" dirty="0"/>
+              <a:t>Poželjan grafički prikaz</a:t>
+            </a:r>
+            <a:endParaRPr lang="en-US" sz="2000" dirty="0"/>
+          </a:p>
+          <a:p>
+            <a:pPr lvl="1">
+              <a:lnSpc>
+                <a:spcPct val="100000"/>
+              </a:lnSpc>
+            </a:pPr>
+            <a:r>
+              <a:rPr lang="en-US" sz="2000" dirty="0" err="1"/>
+              <a:t>Prokomentirati</a:t>
+            </a:r>
+            <a:r>
+              <a:rPr lang="en-US" sz="2000" dirty="0"/>
+              <a:t> </a:t>
+            </a:r>
+            <a:r>
+              <a:rPr lang="en-US" sz="2000" dirty="0" err="1"/>
+              <a:t>kojem</a:t>
+            </a:r>
+            <a:r>
+              <a:rPr lang="en-US" sz="2000" dirty="0"/>
+              <a:t> je SDLC </a:t>
+            </a:r>
+            <a:r>
+              <a:rPr lang="en-US" sz="2000" dirty="0" err="1"/>
+              <a:t>modelu</a:t>
+            </a:r>
+            <a:r>
+              <a:rPr lang="en-US" sz="2000" dirty="0"/>
+              <a:t> </a:t>
+            </a:r>
+            <a:r>
+              <a:rPr lang="en-US" sz="2000" dirty="0" err="1"/>
+              <a:t>Vaš</a:t>
+            </a:r>
+            <a:r>
+              <a:rPr lang="en-US" sz="2000" dirty="0"/>
+              <a:t> </a:t>
+            </a:r>
+            <a:r>
+              <a:rPr lang="en-US" sz="2000" dirty="0" err="1"/>
+              <a:t>proces</a:t>
+            </a:r>
+            <a:r>
+              <a:rPr lang="en-US" sz="2000" dirty="0"/>
+              <a:t> </a:t>
+            </a:r>
+            <a:r>
+              <a:rPr lang="en-US" sz="2000" dirty="0" err="1"/>
+              <a:t>razvoja</a:t>
+            </a:r>
+            <a:r>
+              <a:rPr lang="en-US" sz="2000" dirty="0"/>
+              <a:t> bio </a:t>
+            </a:r>
+            <a:r>
+              <a:rPr lang="en-US" sz="2000" dirty="0" err="1"/>
+              <a:t>najsličniji</a:t>
+            </a:r>
+            <a:r>
+              <a:rPr lang="en-US" sz="2000" dirty="0"/>
+              <a:t> (vodopadni, </a:t>
+            </a:r>
+            <a:r>
+              <a:rPr lang="en-US" sz="2000" dirty="0" err="1"/>
+              <a:t>agilni</a:t>
+            </a:r>
+            <a:r>
+              <a:rPr lang="en-US" sz="2000" dirty="0"/>
+              <a:t>…)</a:t>
+            </a:r>
+            <a:endParaRPr lang="hr-HR" sz="2000" dirty="0"/>
+          </a:p>
+          <a:p>
+            <a:pPr marL="457200" lvl="1" indent="0">
+              <a:lnSpc>
+                <a:spcPct val="100000"/>
+              </a:lnSpc>
+              <a:buNone/>
+            </a:pPr>
+            <a:endParaRPr lang="hr-HR" sz="2000" dirty="0"/>
+          </a:p>
+          <a:p>
+            <a:pPr>
+              <a:lnSpc>
+                <a:spcPct val="100000"/>
+              </a:lnSpc>
+            </a:pPr>
+            <a:r>
+              <a:rPr lang="hr-HR" sz="2400" dirty="0"/>
+              <a:t>Raspodjela posla po članovima tima</a:t>
+            </a:r>
+            <a:endParaRPr lang="en-US" sz="2400" dirty="0"/>
+          </a:p>
+          <a:p>
+            <a:pPr lvl="1">
+              <a:lnSpc>
+                <a:spcPct val="100000"/>
+              </a:lnSpc>
+            </a:pPr>
+            <a:r>
+              <a:rPr lang="en-US" sz="1800" dirty="0" err="1"/>
+              <a:t>Navesti</a:t>
+            </a:r>
+            <a:r>
+              <a:rPr lang="en-US" sz="1800" dirty="0"/>
+              <a:t> </a:t>
+            </a:r>
+            <a:r>
+              <a:rPr lang="en-US" sz="1800" dirty="0" err="1"/>
+              <a:t>približan</a:t>
+            </a:r>
+            <a:r>
+              <a:rPr lang="en-US" sz="1800" dirty="0"/>
+              <a:t> </a:t>
+            </a:r>
+            <a:r>
+              <a:rPr lang="en-US" sz="1800" dirty="0" err="1"/>
+              <a:t>broj</a:t>
+            </a:r>
+            <a:r>
+              <a:rPr lang="en-US" sz="1800" dirty="0"/>
+              <a:t> sati </a:t>
+            </a:r>
+            <a:r>
+              <a:rPr lang="en-US" sz="1800" dirty="0" err="1"/>
+              <a:t>utrošenih</a:t>
+            </a:r>
+            <a:r>
+              <a:rPr lang="en-US" sz="1800" dirty="0"/>
+              <a:t> </a:t>
+            </a:r>
+            <a:r>
+              <a:rPr lang="en-US" sz="1800" dirty="0" err="1"/>
+              <a:t>na</a:t>
+            </a:r>
+            <a:r>
+              <a:rPr lang="en-US" sz="1800" dirty="0"/>
+              <a:t> </a:t>
+            </a:r>
+            <a:r>
+              <a:rPr lang="en-US" sz="1800" dirty="0" err="1"/>
+              <a:t>izradu</a:t>
+            </a:r>
+            <a:r>
+              <a:rPr lang="en-US" sz="1800" dirty="0"/>
+              <a:t> </a:t>
+            </a:r>
+            <a:r>
+              <a:rPr lang="en-US" sz="1800" dirty="0" err="1"/>
+              <a:t>projekta</a:t>
+            </a:r>
+            <a:endParaRPr lang="hr-HR" sz="1800" dirty="0"/>
           </a:p>
         </p:txBody>
       </p:sp>
@@ -4781,7 +4932,7 @@
     </p:spTree>
     <p:extLst>
       <p:ext uri="{BB962C8B-B14F-4D97-AF65-F5344CB8AC3E}">
-        <p14:creationId xmlns:p14="http://schemas.microsoft.com/office/powerpoint/2010/main" val="48259320"/>
+        <p14:creationId xmlns:p14="http://schemas.microsoft.com/office/powerpoint/2010/main" val="4285223946"/>
       </p:ext>
     </p:extLst>
   </p:cSld>
@@ -4824,8 +4975,8 @@
           <a:lstStyle/>
           <a:p>
             <a:r>
-              <a:rPr lang="hr-HR" i="1" dirty="0"/>
-              <a:t>Nekoliko savjeta</a:t>
+              <a:rPr lang="hr-HR" dirty="0"/>
+              <a:t>Naučene lekcije</a:t>
             </a:r>
           </a:p>
         </p:txBody>
@@ -4842,82 +4993,32 @@
         </p:nvSpPr>
         <p:spPr/>
         <p:txBody>
-          <a:bodyPr>
-            <a:normAutofit fontScale="85000" lnSpcReduction="20000"/>
-          </a:bodyPr>
+          <a:bodyPr/>
           <a:lstStyle/>
           <a:p>
             <a:r>
               <a:rPr lang="hr-HR" dirty="0"/>
-              <a:t>Zlatno pravilo dobre prezentacije: </a:t>
+              <a:t>Što je bilo dobro, a što je moglo bolje</a:t>
             </a:r>
           </a:p>
           <a:p>
             <a:pPr lvl="1"/>
             <a:r>
               <a:rPr lang="hr-HR" dirty="0"/>
-              <a:t>na svakom slajdu 6 natuknica s po 6 riječi</a:t>
-            </a:r>
-          </a:p>
-          <a:p>
-            <a:r>
-              <a:rPr lang="hr-HR" dirty="0"/>
-              <a:t>10ak slajdova je sasvim dovoljno – istaknite samo najvažnije činjenice</a:t>
-            </a:r>
-          </a:p>
-          <a:p>
-            <a:r>
-              <a:rPr lang="hr-HR" dirty="0"/>
-              <a:t>Dizajn možete mijenjati po volji, ali ne smije zasjeniti sadržaj (doslovno! - sve mora biti čitko i pregledno)</a:t>
-            </a:r>
-          </a:p>
-          <a:p>
-            <a:r>
-              <a:rPr lang="hr-HR" dirty="0"/>
-              <a:t>Na zadnjem slajdu stavite popis članova grupe s email adresama</a:t>
-            </a:r>
-          </a:p>
-          <a:p>
-            <a:endParaRPr lang="hr-HR" dirty="0"/>
-          </a:p>
-          <a:p>
-            <a:r>
-              <a:rPr lang="hr-HR" dirty="0"/>
-              <a:t>Kod izlaganja na satu:</a:t>
+              <a:t>A što se nikako ne bi smjelo ponoviti </a:t>
+            </a:r>
+            <a:r>
+              <a:rPr lang="hr-HR" dirty="0">
+                <a:sym typeface="Wingdings" panose="05000000000000000000" pitchFamily="2" charset="2"/>
+              </a:rPr>
+              <a:t></a:t>
             </a:r>
           </a:p>
           <a:p>
             <a:pPr lvl="1"/>
-            <a:r>
-              <a:rPr lang="hr-HR" dirty="0"/>
-              <a:t>Pokrenite sve potrebne programe i alate na računalu prije početka Vašeg izlaganja te provjerite kompatibilnost opreme!</a:t>
-            </a:r>
-          </a:p>
-          <a:p>
-            <a:pPr lvl="1"/>
-            <a:r>
-              <a:rPr lang="hr-HR" dirty="0"/>
-              <a:t>Dobro uvježbajte prezentaciju.</a:t>
-            </a:r>
-          </a:p>
-          <a:p>
-            <a:pPr lvl="1"/>
-            <a:r>
-              <a:rPr lang="hr-HR" dirty="0"/>
-              <a:t>Izlaganje traje najviše 15 min i sastoji se od </a:t>
-            </a:r>
-            <a:r>
-              <a:rPr lang="hr-HR" dirty="0" err="1"/>
-              <a:t>ppt</a:t>
-            </a:r>
-            <a:r>
-              <a:rPr lang="hr-HR" dirty="0"/>
-              <a:t> prezentacije, demonstracije rada aplikacije i pitanja iz publike – </a:t>
-            </a:r>
-            <a:r>
-              <a:rPr lang="hr-HR" b="1" dirty="0"/>
-              <a:t>poštujte zadani vremenski okvir!</a:t>
-            </a:r>
+            <a:endParaRPr lang="hr-HR" dirty="0">
+              <a:sym typeface="Wingdings" panose="05000000000000000000" pitchFamily="2" charset="2"/>
+            </a:endParaRPr>
           </a:p>
           <a:p>
             <a:endParaRPr lang="hr-HR" dirty="0"/>
@@ -4942,6 +5043,175 @@
             <a:fld id="{FAA41844-C0CA-4144-9D6C-D993F0C0FAB4}" type="slidenum">
               <a:rPr lang="hr-HR" smtClean="0"/>
               <a:t>11</a:t>
+            </a:fld>
+            <a:endParaRPr lang="hr-HR"/>
+          </a:p>
+        </p:txBody>
+      </p:sp>
+    </p:spTree>
+    <p:extLst>
+      <p:ext uri="{BB962C8B-B14F-4D97-AF65-F5344CB8AC3E}">
+        <p14:creationId xmlns:p14="http://schemas.microsoft.com/office/powerpoint/2010/main" val="48259320"/>
+      </p:ext>
+    </p:extLst>
+  </p:cSld>
+  <p:clrMapOvr>
+    <a:masterClrMapping/>
+  </p:clrMapOvr>
+</p:sld>
+</file>
+
+<file path=ppt/slides/slide12.xml><?xml version="1.0" encoding="utf-8"?>
+<p:sld xmlns:a="http://schemas.openxmlformats.org/drawingml/2006/main" xmlns:r="http://schemas.openxmlformats.org/officeDocument/2006/relationships" xmlns:p="http://schemas.openxmlformats.org/presentationml/2006/main">
+  <p:cSld>
+    <p:spTree>
+      <p:nvGrpSpPr>
+        <p:cNvPr id="1" name=""/>
+        <p:cNvGrpSpPr/>
+        <p:nvPr/>
+      </p:nvGrpSpPr>
+      <p:grpSpPr>
+        <a:xfrm>
+          <a:off x="0" y="0"/>
+          <a:ext cx="0" cy="0"/>
+          <a:chOff x="0" y="0"/>
+          <a:chExt cx="0" cy="0"/>
+        </a:xfrm>
+      </p:grpSpPr>
+      <p:sp>
+        <p:nvSpPr>
+          <p:cNvPr id="2" name="Title 1"/>
+          <p:cNvSpPr>
+            <a:spLocks noGrp="1"/>
+          </p:cNvSpPr>
+          <p:nvPr>
+            <p:ph type="title"/>
+          </p:nvPr>
+        </p:nvSpPr>
+        <p:spPr/>
+        <p:txBody>
+          <a:bodyPr/>
+          <a:lstStyle/>
+          <a:p>
+            <a:r>
+              <a:rPr lang="hr-HR" i="1" dirty="0"/>
+              <a:t>Nekoliko savjeta</a:t>
+            </a:r>
+          </a:p>
+        </p:txBody>
+      </p:sp>
+      <p:sp>
+        <p:nvSpPr>
+          <p:cNvPr id="3" name="Content Placeholder 2"/>
+          <p:cNvSpPr>
+            <a:spLocks noGrp="1"/>
+          </p:cNvSpPr>
+          <p:nvPr>
+            <p:ph idx="1"/>
+          </p:nvPr>
+        </p:nvSpPr>
+        <p:spPr/>
+        <p:txBody>
+          <a:bodyPr>
+            <a:normAutofit fontScale="85000" lnSpcReduction="20000"/>
+          </a:bodyPr>
+          <a:lstStyle/>
+          <a:p>
+            <a:r>
+              <a:rPr lang="hr-HR" dirty="0"/>
+              <a:t>Zlatno pravilo dobre prezentacije: </a:t>
+            </a:r>
+          </a:p>
+          <a:p>
+            <a:pPr lvl="1"/>
+            <a:r>
+              <a:rPr lang="hr-HR" dirty="0"/>
+              <a:t>na svakom slajdu 6 natuknica s po 6 riječi</a:t>
+            </a:r>
+          </a:p>
+          <a:p>
+            <a:r>
+              <a:rPr lang="hr-HR" dirty="0"/>
+              <a:t>10ak slajdova je sasvim dovoljno – istaknite samo najvažnije činjenice</a:t>
+            </a:r>
+          </a:p>
+          <a:p>
+            <a:r>
+              <a:rPr lang="hr-HR" dirty="0"/>
+              <a:t>Dizajn možete mijenjati po volji, ali ne smije zasjeniti sadržaj (doslovno! - sve mora biti čitko i pregledno)</a:t>
+            </a:r>
+          </a:p>
+          <a:p>
+            <a:r>
+              <a:rPr lang="hr-HR" dirty="0"/>
+              <a:t>Na zadnjem slajdu stavite popis članova grupe s email adresama</a:t>
+            </a:r>
+          </a:p>
+          <a:p>
+            <a:endParaRPr lang="hr-HR" dirty="0"/>
+          </a:p>
+          <a:p>
+            <a:r>
+              <a:rPr lang="hr-HR" dirty="0"/>
+              <a:t>Kod izlaganja na satu:</a:t>
+            </a:r>
+          </a:p>
+          <a:p>
+            <a:pPr lvl="1"/>
+            <a:r>
+              <a:rPr lang="hr-HR" dirty="0"/>
+              <a:t>Pokrenite sve potrebne programe i alate na računalu prije početka Vašeg izlaganja te provjerite kompatibilnost opreme!</a:t>
+            </a:r>
+          </a:p>
+          <a:p>
+            <a:pPr lvl="1"/>
+            <a:r>
+              <a:rPr lang="hr-HR" dirty="0"/>
+              <a:t>Dobro uvježbajte prezentaciju.</a:t>
+            </a:r>
+          </a:p>
+          <a:p>
+            <a:pPr lvl="1"/>
+            <a:r>
+              <a:rPr lang="hr-HR" dirty="0"/>
+              <a:t>Izlaganje traje najviše 15 min i sastoji se od </a:t>
+            </a:r>
+            <a:r>
+              <a:rPr lang="hr-HR" dirty="0" err="1"/>
+              <a:t>ppt</a:t>
+            </a:r>
+            <a:r>
+              <a:rPr lang="hr-HR" dirty="0"/>
+              <a:t> prezentacije, demonstracije rada aplikacije i pitanja iz publike – </a:t>
+            </a:r>
+            <a:r>
+              <a:rPr lang="hr-HR" b="1" dirty="0"/>
+              <a:t>poštujte zadani vremenski okvir!</a:t>
+            </a:r>
+          </a:p>
+          <a:p>
+            <a:endParaRPr lang="hr-HR" dirty="0"/>
+          </a:p>
+        </p:txBody>
+      </p:sp>
+      <p:sp>
+        <p:nvSpPr>
+          <p:cNvPr id="4" name="Slide Number Placeholder 3"/>
+          <p:cNvSpPr>
+            <a:spLocks noGrp="1"/>
+          </p:cNvSpPr>
+          <p:nvPr>
+            <p:ph type="sldNum" sz="quarter" idx="12"/>
+          </p:nvPr>
+        </p:nvSpPr>
+        <p:spPr/>
+        <p:txBody>
+          <a:bodyPr/>
+          <a:lstStyle/>
+          <a:p>
+            <a:fld id="{FAA41844-C0CA-4144-9D6C-D993F0C0FAB4}" type="slidenum">
+              <a:rPr lang="hr-HR" smtClean="0"/>
+              <a:t>12</a:t>
             </a:fld>
             <a:endParaRPr lang="hr-HR"/>
           </a:p>
@@ -5630,7 +5900,7 @@
           <a:p>
             <a:r>
               <a:rPr lang="hr-HR" dirty="0"/>
-              <a:t>Pregled zahtjeva</a:t>
+              <a:t>Pregled funkcionalnih zahtjeva</a:t>
             </a:r>
           </a:p>
         </p:txBody>
@@ -5658,90 +5928,9 @@
               </a:lnSpc>
             </a:pPr>
             <a:r>
-              <a:rPr lang="en-US" sz="2400" dirty="0" err="1"/>
-              <a:t>Pregled</a:t>
-            </a:r>
-            <a:r>
               <a:rPr lang="hr-HR" sz="2400" dirty="0"/>
-              <a:t> glavnih funkcionalnih zahtjeva (1 slajd)</a:t>
-            </a:r>
-            <a:endParaRPr lang="en-US" sz="2400" dirty="0"/>
-          </a:p>
-          <a:p>
-            <a:pPr lvl="1">
-              <a:lnSpc>
-                <a:spcPct val="100000"/>
-              </a:lnSpc>
-            </a:pPr>
-            <a:r>
-              <a:rPr lang="en-US" sz="2000" dirty="0" err="1"/>
-              <a:t>Prikazati</a:t>
-            </a:r>
-            <a:r>
-              <a:rPr lang="en-US" sz="2000" dirty="0"/>
-              <a:t> </a:t>
-            </a:r>
-            <a:r>
-              <a:rPr lang="en-US" sz="2000" dirty="0" err="1"/>
-              <a:t>glavne</a:t>
-            </a:r>
-            <a:r>
-              <a:rPr lang="en-US" sz="2000" dirty="0"/>
-              <a:t> </a:t>
-            </a:r>
-            <a:r>
-              <a:rPr lang="en-US" sz="2000" dirty="0" err="1"/>
-              <a:t>aktore</a:t>
-            </a:r>
-            <a:r>
-              <a:rPr lang="en-US" sz="2000" dirty="0"/>
-              <a:t> </a:t>
-            </a:r>
-            <a:r>
-              <a:rPr lang="en-US" sz="2000" dirty="0" err="1"/>
-              <a:t>i</a:t>
-            </a:r>
-            <a:r>
-              <a:rPr lang="en-US" sz="2000" dirty="0"/>
-              <a:t> </a:t>
-            </a:r>
-            <a:r>
-              <a:rPr lang="en-US" sz="2000" dirty="0" err="1"/>
-              <a:t>funkcionalnosti</a:t>
-            </a:r>
-            <a:r>
-              <a:rPr lang="en-US" sz="2000" dirty="0"/>
-              <a:t> </a:t>
-            </a:r>
-            <a:r>
-              <a:rPr lang="en-US" sz="2000" dirty="0" err="1"/>
-              <a:t>korištenjem</a:t>
-            </a:r>
-            <a:r>
-              <a:rPr lang="en-US" sz="2000" dirty="0"/>
-              <a:t> UML </a:t>
-            </a:r>
-            <a:r>
-              <a:rPr lang="en-US" sz="2000" dirty="0" err="1"/>
-              <a:t>dijagrama</a:t>
-            </a:r>
-            <a:r>
-              <a:rPr lang="en-US" sz="2000" dirty="0"/>
-              <a:t> </a:t>
-            </a:r>
-            <a:r>
-              <a:rPr lang="en-US" sz="2000" dirty="0" err="1"/>
-              <a:t>obrazaca</a:t>
-            </a:r>
-            <a:r>
-              <a:rPr lang="en-US" sz="2000" dirty="0"/>
-              <a:t> </a:t>
-            </a:r>
-            <a:r>
-              <a:rPr lang="en-US" sz="2000" dirty="0" err="1"/>
-              <a:t>uporabe</a:t>
-            </a:r>
-            <a:endParaRPr lang="hr-HR" sz="2000" dirty="0"/>
+              <a:t>stvaranje konferencije, podaci(lokacija, vrijeme održavanja)</a:t>
+            </a:r>
           </a:p>
           <a:p>
             <a:pPr>
@@ -5751,7 +5940,26 @@
             </a:pPr>
             <a:r>
               <a:rPr lang="hr-HR" sz="2400" dirty="0"/>
-              <a:t>Nefunkcionalni i zahtjevi domene primjene (1 slajd)</a:t>
+              <a:t>dodavanje autora, radova, pokrovitelja i fotografija</a:t>
+            </a:r>
+          </a:p>
+          <a:p>
+            <a:pPr>
+              <a:lnSpc>
+                <a:spcPct val="100000"/>
+              </a:lnSpc>
+            </a:pPr>
+            <a:r>
+              <a:rPr lang="hr-HR" sz="2400" dirty="0"/>
+              <a:t>pregled radova i galerije, </a:t>
+            </a:r>
+            <a:r>
+              <a:rPr lang="hr-HR" sz="2400" dirty="0" err="1"/>
+              <a:t>videoprijenos</a:t>
+            </a:r>
+            <a:r>
+              <a:rPr lang="hr-HR" sz="2400" dirty="0"/>
+              <a:t> te glasanje za rad</a:t>
             </a:r>
           </a:p>
         </p:txBody>
@@ -5779,6 +5987,66 @@
           </a:p>
         </p:txBody>
       </p:sp>
+      <p:pic>
+        <p:nvPicPr>
+          <p:cNvPr id="5" name="Picture 4">
+            <a:extLst>
+              <a:ext uri="{FF2B5EF4-FFF2-40B4-BE49-F238E27FC236}">
+                <a16:creationId xmlns:a16="http://schemas.microsoft.com/office/drawing/2014/main" id="{C035F434-94C2-BB25-43D5-6E3228FE251E}"/>
+              </a:ext>
+            </a:extLst>
+          </p:cNvPr>
+          <p:cNvPicPr>
+            <a:picLocks noChangeAspect="1"/>
+          </p:cNvPicPr>
+          <p:nvPr/>
+        </p:nvPicPr>
+        <p:blipFill>
+          <a:blip r:embed="rId2"/>
+          <a:stretch>
+            <a:fillRect/>
+          </a:stretch>
+        </p:blipFill>
+        <p:spPr>
+          <a:xfrm>
+            <a:off x="1371298" y="3397436"/>
+            <a:ext cx="3091597" cy="3282356"/>
+          </a:xfrm>
+          <a:prstGeom prst="rect">
+            <a:avLst/>
+          </a:prstGeom>
+        </p:spPr>
+      </p:pic>
+      <p:pic>
+        <p:nvPicPr>
+          <p:cNvPr id="6" name="Picture 5">
+            <a:extLst>
+              <a:ext uri="{FF2B5EF4-FFF2-40B4-BE49-F238E27FC236}">
+                <a16:creationId xmlns:a16="http://schemas.microsoft.com/office/drawing/2014/main" id="{41672D98-4429-2130-02C4-153352E6684E}"/>
+              </a:ext>
+            </a:extLst>
+          </p:cNvPr>
+          <p:cNvPicPr>
+            <a:picLocks noChangeAspect="1"/>
+          </p:cNvPicPr>
+          <p:nvPr/>
+        </p:nvPicPr>
+        <p:blipFill>
+          <a:blip r:embed="rId3"/>
+          <a:stretch>
+            <a:fillRect/>
+          </a:stretch>
+        </p:blipFill>
+        <p:spPr>
+          <a:xfrm>
+            <a:off x="4597920" y="3429000"/>
+            <a:ext cx="3316720" cy="3337068"/>
+          </a:xfrm>
+          <a:prstGeom prst="rect">
+            <a:avLst/>
+          </a:prstGeom>
+        </p:spPr>
+      </p:pic>
     </p:spTree>
     <p:extLst>
       <p:ext uri="{BB962C8B-B14F-4D97-AF65-F5344CB8AC3E}">
@@ -5797,7 +6065,13 @@
   <p:cSld>
     <p:spTree>
       <p:nvGrpSpPr>
-        <p:cNvPr id="1" name=""/>
+        <p:cNvPr id="1" name="">
+          <a:extLst>
+            <a:ext uri="{FF2B5EF4-FFF2-40B4-BE49-F238E27FC236}">
+              <a16:creationId xmlns:a16="http://schemas.microsoft.com/office/drawing/2014/main" id="{E9817FB6-BF35-230D-423C-CE35DA17A2E2}"/>
+            </a:ext>
+          </a:extLst>
+        </p:cNvPr>
         <p:cNvGrpSpPr/>
         <p:nvPr/>
       </p:nvGrpSpPr>
@@ -5811,7 +6085,13 @@
       </p:grpSpPr>
       <p:sp>
         <p:nvSpPr>
-          <p:cNvPr id="2" name="Title 1"/>
+          <p:cNvPr id="2" name="Title 1">
+            <a:extLst>
+              <a:ext uri="{FF2B5EF4-FFF2-40B4-BE49-F238E27FC236}">
+                <a16:creationId xmlns:a16="http://schemas.microsoft.com/office/drawing/2014/main" id="{E890A107-8319-2E03-57A2-EF7478B4BC4C}"/>
+              </a:ext>
+            </a:extLst>
+          </p:cNvPr>
           <p:cNvSpPr>
             <a:spLocks noGrp="1"/>
           </p:cNvSpPr>
@@ -5826,14 +6106,28 @@
           <a:p>
             <a:r>
               <a:rPr lang="hr-HR" dirty="0"/>
-              <a:t>Arhitektura sustava</a:t>
-            </a:r>
-          </a:p>
-        </p:txBody>
-      </p:sp>
-      <p:sp>
-        <p:nvSpPr>
-          <p:cNvPr id="3" name="Content Placeholder 2"/>
+              <a:t>Pregled </a:t>
+            </a:r>
+            <a:r>
+              <a:rPr lang="hr-HR" dirty="0" err="1"/>
+              <a:t>nefunkc</a:t>
+            </a:r>
+            <a:r>
+              <a:rPr lang="hr-HR" dirty="0"/>
+              <a:t>. zahtjeva</a:t>
+            </a:r>
+          </a:p>
+        </p:txBody>
+      </p:sp>
+      <p:sp>
+        <p:nvSpPr>
+          <p:cNvPr id="3" name="Content Placeholder 2">
+            <a:extLst>
+              <a:ext uri="{FF2B5EF4-FFF2-40B4-BE49-F238E27FC236}">
+                <a16:creationId xmlns:a16="http://schemas.microsoft.com/office/drawing/2014/main" id="{AC9C72A9-E4E8-230C-CF22-7B7E2065CCDE}"/>
+              </a:ext>
+            </a:extLst>
+          </p:cNvPr>
           <p:cNvSpPr>
             <a:spLocks noGrp="1"/>
           </p:cNvSpPr>
@@ -5853,164 +6147,19 @@
                 <a:spcPct val="100000"/>
               </a:lnSpc>
             </a:pPr>
-            <a:r>
-              <a:rPr lang="hr-HR" sz="2400" dirty="0"/>
-              <a:t>Na visokoj razini apstrakcije</a:t>
-            </a:r>
-          </a:p>
-          <a:p>
-            <a:pPr>
-              <a:lnSpc>
-                <a:spcPct val="100000"/>
-              </a:lnSpc>
-            </a:pPr>
-            <a:r>
-              <a:rPr lang="en-US" sz="2400" dirty="0" err="1"/>
-              <a:t>Koristiti</a:t>
-            </a:r>
-            <a:r>
-              <a:rPr lang="en-US" sz="2400" dirty="0"/>
-              <a:t> </a:t>
-            </a:r>
-            <a:r>
-              <a:rPr lang="en-US" sz="2400" dirty="0" err="1"/>
-              <a:t>prikaz</a:t>
-            </a:r>
-            <a:r>
-              <a:rPr lang="en-US" sz="2400" dirty="0"/>
-              <a:t> UML </a:t>
-            </a:r>
-            <a:r>
-              <a:rPr lang="en-US" sz="2400" dirty="0" err="1"/>
-              <a:t>dijagramima</a:t>
-            </a:r>
-            <a:r>
-              <a:rPr lang="en-US" sz="2400" dirty="0"/>
-              <a:t> </a:t>
-            </a:r>
-            <a:r>
-              <a:rPr lang="en-US" sz="2400" dirty="0" err="1"/>
-              <a:t>razreda</a:t>
-            </a:r>
-            <a:r>
-              <a:rPr lang="en-US" sz="2400" dirty="0"/>
-              <a:t>, </a:t>
-            </a:r>
-            <a:r>
-              <a:rPr lang="en-US" sz="2400" dirty="0" err="1"/>
-              <a:t>komponenti</a:t>
-            </a:r>
-            <a:r>
-              <a:rPr lang="en-US" sz="2400" dirty="0"/>
-              <a:t> </a:t>
-            </a:r>
-            <a:r>
-              <a:rPr lang="en-US" sz="2400" dirty="0" err="1"/>
-              <a:t>i</a:t>
-            </a:r>
-            <a:r>
-              <a:rPr lang="en-US" sz="2400" dirty="0"/>
-              <a:t> </a:t>
-            </a:r>
-            <a:r>
-              <a:rPr lang="en-US" sz="2400" dirty="0" err="1"/>
-              <a:t>razmještaja</a:t>
-            </a:r>
-            <a:endParaRPr lang="en-US" sz="2400" dirty="0"/>
-          </a:p>
-          <a:p>
-            <a:pPr lvl="1">
-              <a:lnSpc>
-                <a:spcPct val="100000"/>
-              </a:lnSpc>
-            </a:pPr>
-            <a:r>
-              <a:rPr lang="en-US" sz="1800" dirty="0" err="1"/>
-              <a:t>prikazati</a:t>
-            </a:r>
-            <a:r>
-              <a:rPr lang="en-US" sz="1800" dirty="0"/>
-              <a:t> </a:t>
-            </a:r>
-            <a:r>
-              <a:rPr lang="en-US" sz="1800" dirty="0" err="1"/>
-              <a:t>samo</a:t>
-            </a:r>
-            <a:r>
-              <a:rPr lang="en-US" sz="1800" dirty="0"/>
-              <a:t> </a:t>
-            </a:r>
-            <a:r>
-              <a:rPr lang="en-US" sz="1800" dirty="0" err="1"/>
-              <a:t>najvažnije</a:t>
-            </a:r>
-            <a:r>
-              <a:rPr lang="en-US" sz="1800" dirty="0"/>
-              <a:t> </a:t>
-            </a:r>
-            <a:r>
-              <a:rPr lang="en-US" sz="1800" dirty="0" err="1"/>
-              <a:t>dijelove</a:t>
-            </a:r>
-            <a:r>
-              <a:rPr lang="en-US" sz="1800" dirty="0"/>
-              <a:t> </a:t>
-            </a:r>
-            <a:r>
-              <a:rPr lang="en-US" sz="1800" dirty="0" err="1"/>
-              <a:t>sustava</a:t>
-            </a:r>
-            <a:endParaRPr lang="en-US" sz="1800" dirty="0"/>
-          </a:p>
-          <a:p>
-            <a:pPr lvl="1">
-              <a:lnSpc>
-                <a:spcPct val="100000"/>
-              </a:lnSpc>
-            </a:pPr>
-            <a:r>
-              <a:rPr lang="en-US" sz="1800" dirty="0" err="1"/>
-              <a:t>pripaziti</a:t>
-            </a:r>
-            <a:r>
-              <a:rPr lang="en-US" sz="1800" dirty="0"/>
-              <a:t> </a:t>
-            </a:r>
-            <a:r>
-              <a:rPr lang="en-US" sz="1800" dirty="0" err="1"/>
-              <a:t>na</a:t>
-            </a:r>
-            <a:r>
-              <a:rPr lang="en-US" sz="1800" dirty="0"/>
-              <a:t> </a:t>
-            </a:r>
-            <a:r>
-              <a:rPr lang="en-US" sz="1800" dirty="0" err="1"/>
-              <a:t>preglednost</a:t>
-            </a:r>
-            <a:r>
-              <a:rPr lang="en-US" sz="1800" dirty="0"/>
-              <a:t> </a:t>
-            </a:r>
-            <a:r>
-              <a:rPr lang="en-US" sz="1800" dirty="0" err="1"/>
-              <a:t>i</a:t>
-            </a:r>
-            <a:r>
-              <a:rPr lang="en-US" sz="1800" dirty="0"/>
-              <a:t> </a:t>
-            </a:r>
-            <a:r>
-              <a:rPr lang="en-US" sz="1800" dirty="0" err="1"/>
-              <a:t>čitljivost</a:t>
-            </a:r>
-            <a:endParaRPr lang="hr-HR" sz="1800" dirty="0"/>
-          </a:p>
-        </p:txBody>
-      </p:sp>
-      <p:sp>
-        <p:nvSpPr>
-          <p:cNvPr id="4" name="Slide Number Placeholder 3"/>
+            <a:endParaRPr lang="hr-HR" sz="2400" dirty="0"/>
+          </a:p>
+        </p:txBody>
+      </p:sp>
+      <p:sp>
+        <p:nvSpPr>
+          <p:cNvPr id="4" name="Slide Number Placeholder 3">
+            <a:extLst>
+              <a:ext uri="{FF2B5EF4-FFF2-40B4-BE49-F238E27FC236}">
+                <a16:creationId xmlns:a16="http://schemas.microsoft.com/office/drawing/2014/main" id="{32BBB920-065B-8BD7-87D1-11AF0D49D627}"/>
+              </a:ext>
+            </a:extLst>
+          </p:cNvPr>
           <p:cNvSpPr>
             <a:spLocks noGrp="1"/>
           </p:cNvSpPr>
@@ -6034,7 +6183,7 @@
     </p:spTree>
     <p:extLst>
       <p:ext uri="{BB962C8B-B14F-4D97-AF65-F5344CB8AC3E}">
-        <p14:creationId xmlns:p14="http://schemas.microsoft.com/office/powerpoint/2010/main" val="3657354464"/>
+        <p14:creationId xmlns:p14="http://schemas.microsoft.com/office/powerpoint/2010/main" val="738851514"/>
       </p:ext>
     </p:extLst>
   </p:cSld>
@@ -6063,13 +6212,7 @@
       </p:grpSpPr>
       <p:sp>
         <p:nvSpPr>
-          <p:cNvPr id="2" name="Title 1">
-            <a:extLst>
-              <a:ext uri="{FF2B5EF4-FFF2-40B4-BE49-F238E27FC236}">
-                <a16:creationId xmlns:a16="http://schemas.microsoft.com/office/drawing/2014/main" id="{61F1D6A6-3DEC-3CF5-6D13-0C9594E31FDF}"/>
-              </a:ext>
-            </a:extLst>
-          </p:cNvPr>
+          <p:cNvPr id="2" name="Title 1"/>
           <p:cNvSpPr>
             <a:spLocks noGrp="1"/>
           </p:cNvSpPr>
@@ -6083,30 +6226,15 @@
           <a:lstStyle/>
           <a:p>
             <a:r>
-              <a:rPr lang="en-US" dirty="0" err="1"/>
-              <a:t>Ispitivanje</a:t>
-            </a:r>
-            <a:r>
-              <a:rPr lang="en-US" dirty="0"/>
-              <a:t> </a:t>
-            </a:r>
-            <a:r>
-              <a:rPr lang="en-US" dirty="0" err="1"/>
-              <a:t>sustava</a:t>
-            </a:r>
-            <a:endParaRPr lang="hr-HR" dirty="0"/>
-          </a:p>
-        </p:txBody>
-      </p:sp>
-      <p:sp>
-        <p:nvSpPr>
-          <p:cNvPr id="3" name="Content Placeholder 2">
-            <a:extLst>
-              <a:ext uri="{FF2B5EF4-FFF2-40B4-BE49-F238E27FC236}">
-                <a16:creationId xmlns:a16="http://schemas.microsoft.com/office/drawing/2014/main" id="{02F64D2A-F329-9FC3-5364-705A6F505467}"/>
-              </a:ext>
-            </a:extLst>
-          </p:cNvPr>
+              <a:rPr lang="hr-HR" dirty="0"/>
+              <a:t>Arhitektura sustava</a:t>
+            </a:r>
+          </a:p>
+        </p:txBody>
+      </p:sp>
+      <p:sp>
+        <p:nvSpPr>
+          <p:cNvPr id="3" name="Content Placeholder 2"/>
           <p:cNvSpPr>
             <a:spLocks noGrp="1"/>
           </p:cNvSpPr>
@@ -6116,7 +6244,9 @@
         </p:nvSpPr>
         <p:spPr/>
         <p:txBody>
-          <a:bodyPr/>
+          <a:bodyPr>
+            <a:normAutofit/>
+          </a:bodyPr>
           <a:lstStyle/>
           <a:p>
             <a:pPr>
@@ -6125,18 +6255,9 @@
               </a:lnSpc>
             </a:pPr>
             <a:r>
-              <a:rPr lang="en-US" sz="2400" dirty="0" err="1"/>
-              <a:t>Organizacija</a:t>
-            </a:r>
-            <a:r>
-              <a:rPr lang="en-US" sz="2400" dirty="0"/>
-              <a:t> </a:t>
-            </a:r>
-            <a:r>
-              <a:rPr lang="en-US" sz="2400" dirty="0" err="1"/>
-              <a:t>ispitivanja</a:t>
-            </a:r>
-            <a:endParaRPr lang="en-US" sz="2400" dirty="0"/>
+              <a:rPr lang="hr-HR" sz="2400" dirty="0"/>
+              <a:t>Na visokoj razini apstrakcije</a:t>
+            </a:r>
           </a:p>
           <a:p>
             <a:pPr>
@@ -6146,7 +6267,7 @@
             </a:pPr>
             <a:r>
               <a:rPr lang="en-US" sz="2400" dirty="0" err="1"/>
-              <a:t>Opseg</a:t>
+              <a:t>Koristiti</a:t>
             </a:r>
             <a:r>
               <a:rPr lang="en-US" sz="2400" dirty="0"/>
@@ -6154,7 +6275,15 @@
             </a:r>
             <a:r>
               <a:rPr lang="en-US" sz="2400" dirty="0" err="1"/>
-              <a:t>provedenog</a:t>
+              <a:t>prikaz</a:t>
+            </a:r>
+            <a:r>
+              <a:rPr lang="en-US" sz="2400" dirty="0"/>
+              <a:t> UML </a:t>
+            </a:r>
+            <a:r>
+              <a:rPr lang="en-US" sz="2400" dirty="0" err="1"/>
+              <a:t>dijagramima</a:t>
             </a:r>
             <a:r>
               <a:rPr lang="en-US" sz="2400" dirty="0"/>
@@ -6162,27 +6291,127 @@
             </a:r>
             <a:r>
               <a:rPr lang="en-US" sz="2400" dirty="0" err="1"/>
-              <a:t>ispitivanja</a:t>
+              <a:t>razreda</a:t>
+            </a:r>
+            <a:r>
+              <a:rPr lang="en-US" sz="2400" dirty="0"/>
+              <a:t>, </a:t>
+            </a:r>
+            <a:r>
+              <a:rPr lang="en-US" sz="2400" dirty="0" err="1"/>
+              <a:t>komponenti</a:t>
+            </a:r>
+            <a:r>
+              <a:rPr lang="en-US" sz="2400" dirty="0"/>
+              <a:t> </a:t>
+            </a:r>
+            <a:r>
+              <a:rPr lang="en-US" sz="2400" dirty="0" err="1"/>
+              <a:t>i</a:t>
+            </a:r>
+            <a:r>
+              <a:rPr lang="en-US" sz="2400" dirty="0"/>
+              <a:t> </a:t>
+            </a:r>
+            <a:r>
+              <a:rPr lang="en-US" sz="2400" dirty="0" err="1"/>
+              <a:t>razmještaja</a:t>
             </a:r>
             <a:endParaRPr lang="en-US" sz="2400" dirty="0"/>
           </a:p>
           <a:p>
-            <a:pPr marL="457200" lvl="1" indent="0">
-              <a:buNone/>
+            <a:pPr lvl="1">
+              <a:lnSpc>
+                <a:spcPct val="100000"/>
+              </a:lnSpc>
             </a:pPr>
-            <a:endParaRPr lang="hr-HR" dirty="0"/>
-          </a:p>
-        </p:txBody>
-      </p:sp>
-      <p:sp>
-        <p:nvSpPr>
-          <p:cNvPr id="4" name="Slide Number Placeholder 3">
-            <a:extLst>
-              <a:ext uri="{FF2B5EF4-FFF2-40B4-BE49-F238E27FC236}">
-                <a16:creationId xmlns:a16="http://schemas.microsoft.com/office/drawing/2014/main" id="{B14C9195-7B0B-E541-4DB2-C7E26AB767C0}"/>
-              </a:ext>
-            </a:extLst>
-          </p:cNvPr>
+            <a:r>
+              <a:rPr lang="en-US" sz="1800" dirty="0" err="1"/>
+              <a:t>prikazati</a:t>
+            </a:r>
+            <a:r>
+              <a:rPr lang="en-US" sz="1800" dirty="0"/>
+              <a:t> </a:t>
+            </a:r>
+            <a:r>
+              <a:rPr lang="en-US" sz="1800" dirty="0" err="1"/>
+              <a:t>samo</a:t>
+            </a:r>
+            <a:r>
+              <a:rPr lang="en-US" sz="1800" dirty="0"/>
+              <a:t> </a:t>
+            </a:r>
+            <a:r>
+              <a:rPr lang="en-US" sz="1800" dirty="0" err="1"/>
+              <a:t>najvažnije</a:t>
+            </a:r>
+            <a:r>
+              <a:rPr lang="en-US" sz="1800" dirty="0"/>
+              <a:t> </a:t>
+            </a:r>
+            <a:r>
+              <a:rPr lang="en-US" sz="1800" dirty="0" err="1"/>
+              <a:t>dijelove</a:t>
+            </a:r>
+            <a:r>
+              <a:rPr lang="en-US" sz="1800" dirty="0"/>
+              <a:t> </a:t>
+            </a:r>
+            <a:r>
+              <a:rPr lang="en-US" sz="1800" dirty="0" err="1"/>
+              <a:t>sustava</a:t>
+            </a:r>
+            <a:endParaRPr lang="en-US" sz="1800" dirty="0"/>
+          </a:p>
+          <a:p>
+            <a:pPr lvl="1">
+              <a:lnSpc>
+                <a:spcPct val="100000"/>
+              </a:lnSpc>
+            </a:pPr>
+            <a:r>
+              <a:rPr lang="en-US" sz="1800" dirty="0" err="1"/>
+              <a:t>pripaziti</a:t>
+            </a:r>
+            <a:r>
+              <a:rPr lang="en-US" sz="1800" dirty="0"/>
+              <a:t> </a:t>
+            </a:r>
+            <a:r>
+              <a:rPr lang="en-US" sz="1800" dirty="0" err="1"/>
+              <a:t>na</a:t>
+            </a:r>
+            <a:r>
+              <a:rPr lang="en-US" sz="1800" dirty="0"/>
+              <a:t> </a:t>
+            </a:r>
+            <a:r>
+              <a:rPr lang="en-US" sz="1800" dirty="0" err="1"/>
+              <a:t>preglednost</a:t>
+            </a:r>
+            <a:r>
+              <a:rPr lang="en-US" sz="1800" dirty="0"/>
+              <a:t> </a:t>
+            </a:r>
+            <a:r>
+              <a:rPr lang="en-US" sz="1800" dirty="0" err="1"/>
+              <a:t>i</a:t>
+            </a:r>
+            <a:r>
+              <a:rPr lang="en-US" sz="1800" dirty="0"/>
+              <a:t> </a:t>
+            </a:r>
+            <a:r>
+              <a:rPr lang="en-US" sz="1800" dirty="0" err="1"/>
+              <a:t>čitljivost</a:t>
+            </a:r>
+            <a:endParaRPr lang="hr-HR" sz="1800" dirty="0"/>
+          </a:p>
+        </p:txBody>
+      </p:sp>
+      <p:sp>
+        <p:nvSpPr>
+          <p:cNvPr id="4" name="Slide Number Placeholder 3"/>
           <p:cNvSpPr>
             <a:spLocks noGrp="1"/>
           </p:cNvSpPr>
@@ -6206,7 +6435,7 @@
     </p:spTree>
     <p:extLst>
       <p:ext uri="{BB962C8B-B14F-4D97-AF65-F5344CB8AC3E}">
-        <p14:creationId xmlns:p14="http://schemas.microsoft.com/office/powerpoint/2010/main" val="627070223"/>
+        <p14:creationId xmlns:p14="http://schemas.microsoft.com/office/powerpoint/2010/main" val="3657354464"/>
       </p:ext>
     </p:extLst>
   </p:cSld>
@@ -6235,7 +6464,13 @@
       </p:grpSpPr>
       <p:sp>
         <p:nvSpPr>
-          <p:cNvPr id="2" name="Title 1"/>
+          <p:cNvPr id="2" name="Title 1">
+            <a:extLst>
+              <a:ext uri="{FF2B5EF4-FFF2-40B4-BE49-F238E27FC236}">
+                <a16:creationId xmlns:a16="http://schemas.microsoft.com/office/drawing/2014/main" id="{61F1D6A6-3DEC-3CF5-6D13-0C9594E31FDF}"/>
+              </a:ext>
+            </a:extLst>
+          </p:cNvPr>
           <p:cNvSpPr>
             <a:spLocks noGrp="1"/>
           </p:cNvSpPr>
@@ -6249,15 +6484,30 @@
           <a:lstStyle/>
           <a:p>
             <a:r>
-              <a:rPr lang="hr-HR" dirty="0"/>
-              <a:t>Korišteni alati i tehnologije</a:t>
-            </a:r>
-          </a:p>
-        </p:txBody>
-      </p:sp>
-      <p:sp>
-        <p:nvSpPr>
-          <p:cNvPr id="3" name="Content Placeholder 2"/>
+              <a:rPr lang="en-US" dirty="0" err="1"/>
+              <a:t>Ispitivanje</a:t>
+            </a:r>
+            <a:r>
+              <a:rPr lang="en-US" dirty="0"/>
+              <a:t> </a:t>
+            </a:r>
+            <a:r>
+              <a:rPr lang="en-US" dirty="0" err="1"/>
+              <a:t>sustava</a:t>
+            </a:r>
+            <a:endParaRPr lang="hr-HR" dirty="0"/>
+          </a:p>
+        </p:txBody>
+      </p:sp>
+      <p:sp>
+        <p:nvSpPr>
+          <p:cNvPr id="3" name="Content Placeholder 2">
+            <a:extLst>
+              <a:ext uri="{FF2B5EF4-FFF2-40B4-BE49-F238E27FC236}">
+                <a16:creationId xmlns:a16="http://schemas.microsoft.com/office/drawing/2014/main" id="{02F64D2A-F329-9FC3-5364-705A6F505467}"/>
+              </a:ext>
+            </a:extLst>
+          </p:cNvPr>
           <p:cNvSpPr>
             <a:spLocks noGrp="1"/>
           </p:cNvSpPr>
@@ -6267,9 +6517,7 @@
         </p:nvSpPr>
         <p:spPr/>
         <p:txBody>
-          <a:bodyPr>
-            <a:normAutofit/>
-          </a:bodyPr>
+          <a:bodyPr/>
           <a:lstStyle/>
           <a:p>
             <a:pPr>
@@ -6278,42 +6526,18 @@
               </a:lnSpc>
             </a:pPr>
             <a:r>
-              <a:rPr lang="hr-HR" sz="2400" dirty="0"/>
-              <a:t>Korišteni programski jezici i tehnologije</a:t>
-            </a:r>
-          </a:p>
-          <a:p>
-            <a:pPr lvl="1">
-              <a:lnSpc>
-                <a:spcPct val="100000"/>
-              </a:lnSpc>
-            </a:pPr>
-            <a:r>
-              <a:rPr lang="hr-HR" sz="2000" dirty="0"/>
-              <a:t>Naznačiti što je korišteno za </a:t>
-            </a:r>
-            <a:r>
-              <a:rPr lang="hr-HR" sz="2000" dirty="0" err="1"/>
-              <a:t>frontend</a:t>
-            </a:r>
-            <a:r>
-              <a:rPr lang="hr-HR" sz="2000" dirty="0"/>
-              <a:t> a što za </a:t>
-            </a:r>
-            <a:r>
-              <a:rPr lang="hr-HR" sz="2000" dirty="0" err="1"/>
-              <a:t>backend</a:t>
-            </a:r>
-            <a:endParaRPr lang="en-US" sz="2000" dirty="0"/>
-          </a:p>
-          <a:p>
-            <a:pPr marL="457200" lvl="1" indent="0">
-              <a:lnSpc>
-                <a:spcPct val="100000"/>
-              </a:lnSpc>
-              <a:buNone/>
-            </a:pPr>
-            <a:endParaRPr lang="hr-HR" sz="2000" dirty="0"/>
+              <a:rPr lang="en-US" sz="2400" dirty="0" err="1"/>
+              <a:t>Organizacija</a:t>
+            </a:r>
+            <a:r>
+              <a:rPr lang="en-US" sz="2400" dirty="0"/>
+              <a:t> </a:t>
+            </a:r>
+            <a:r>
+              <a:rPr lang="en-US" sz="2400" dirty="0" err="1"/>
+              <a:t>ispitivanja</a:t>
+            </a:r>
+            <a:endParaRPr lang="en-US" sz="2400" dirty="0"/>
           </a:p>
           <a:p>
             <a:pPr>
@@ -6322,24 +6546,44 @@
               </a:lnSpc>
             </a:pPr>
             <a:r>
-              <a:rPr lang="hr-HR" sz="2400" dirty="0"/>
-              <a:t>Popis korištenih alata (za izradu programske podrške, dokumentacije, komunikaciju i upravljanje)</a:t>
-            </a:r>
+              <a:rPr lang="en-US" sz="2400" dirty="0" err="1"/>
+              <a:t>Opseg</a:t>
+            </a:r>
+            <a:r>
+              <a:rPr lang="en-US" sz="2400" dirty="0"/>
+              <a:t> </a:t>
+            </a:r>
+            <a:r>
+              <a:rPr lang="en-US" sz="2400" dirty="0" err="1"/>
+              <a:t>provedenog</a:t>
+            </a:r>
+            <a:r>
+              <a:rPr lang="en-US" sz="2400" dirty="0"/>
+              <a:t> </a:t>
+            </a:r>
+            <a:r>
+              <a:rPr lang="en-US" sz="2400" dirty="0" err="1"/>
+              <a:t>ispitivanja</a:t>
+            </a:r>
+            <a:endParaRPr lang="en-US" sz="2400" dirty="0"/>
           </a:p>
           <a:p>
             <a:pPr marL="457200" lvl="1" indent="0">
-              <a:lnSpc>
-                <a:spcPct val="100000"/>
-              </a:lnSpc>
               <a:buNone/>
             </a:pPr>
-            <a:endParaRPr lang="hr-HR" sz="2000" dirty="0"/>
-          </a:p>
-        </p:txBody>
-      </p:sp>
-      <p:sp>
-        <p:nvSpPr>
-          <p:cNvPr id="4" name="Slide Number Placeholder 3"/>
+            <a:endParaRPr lang="hr-HR" dirty="0"/>
+          </a:p>
+        </p:txBody>
+      </p:sp>
+      <p:sp>
+        <p:nvSpPr>
+          <p:cNvPr id="4" name="Slide Number Placeholder 3">
+            <a:extLst>
+              <a:ext uri="{FF2B5EF4-FFF2-40B4-BE49-F238E27FC236}">
+                <a16:creationId xmlns:a16="http://schemas.microsoft.com/office/drawing/2014/main" id="{B14C9195-7B0B-E541-4DB2-C7E26AB767C0}"/>
+              </a:ext>
+            </a:extLst>
+          </p:cNvPr>
           <p:cNvSpPr>
             <a:spLocks noGrp="1"/>
           </p:cNvSpPr>
@@ -6363,7 +6607,7 @@
     </p:spTree>
     <p:extLst>
       <p:ext uri="{BB962C8B-B14F-4D97-AF65-F5344CB8AC3E}">
-        <p14:creationId xmlns:p14="http://schemas.microsoft.com/office/powerpoint/2010/main" val="3389772446"/>
+        <p14:creationId xmlns:p14="http://schemas.microsoft.com/office/powerpoint/2010/main" val="627070223"/>
       </p:ext>
     </p:extLst>
   </p:cSld>
@@ -6407,7 +6651,7 @@
           <a:p>
             <a:r>
               <a:rPr lang="hr-HR" dirty="0"/>
-              <a:t>Organizacija rada</a:t>
+              <a:t>Korišteni alati i tehnologije</a:t>
             </a:r>
           </a:p>
         </p:txBody>
@@ -6436,7 +6680,7 @@
             </a:pPr>
             <a:r>
               <a:rPr lang="hr-HR" sz="2400" dirty="0"/>
-              <a:t>Vremenska linija razvoja (specifikacija, implementacija, ispitivanje, dokumentiranje)</a:t>
+              <a:t>Korišteni programski jezici i tehnologije</a:t>
             </a:r>
           </a:p>
           <a:p>
@@ -6447,81 +6691,21 @@
             </a:pPr>
             <a:r>
               <a:rPr lang="hr-HR" sz="2000" dirty="0"/>
-              <a:t>Poželjan grafički prikaz</a:t>
+              <a:t>Naznačiti što je korišteno za </a:t>
+            </a:r>
+            <a:r>
+              <a:rPr lang="hr-HR" sz="2000" dirty="0" err="1"/>
+              <a:t>frontend</a:t>
+            </a:r>
+            <a:r>
+              <a:rPr lang="hr-HR" sz="2000" dirty="0"/>
+              <a:t> a što za </a:t>
+            </a:r>
+            <a:r>
+              <a:rPr lang="hr-HR" sz="2000" dirty="0" err="1"/>
+              <a:t>backend</a:t>
             </a:r>
             <a:endParaRPr lang="en-US" sz="2000" dirty="0"/>
-          </a:p>
-          <a:p>
-            <a:pPr lvl="1">
-              <a:lnSpc>
-                <a:spcPct val="100000"/>
-              </a:lnSpc>
-            </a:pPr>
-            <a:r>
-              <a:rPr lang="en-US" sz="2000" dirty="0" err="1"/>
-              <a:t>Prokomentirati</a:t>
-            </a:r>
-            <a:r>
-              <a:rPr lang="en-US" sz="2000" dirty="0"/>
-              <a:t> </a:t>
-            </a:r>
-            <a:r>
-              <a:rPr lang="en-US" sz="2000" dirty="0" err="1"/>
-              <a:t>kojem</a:t>
-            </a:r>
-            <a:r>
-              <a:rPr lang="en-US" sz="2000" dirty="0"/>
-              <a:t> je SDLC </a:t>
-            </a:r>
-            <a:r>
-              <a:rPr lang="en-US" sz="2000" dirty="0" err="1"/>
-              <a:t>modelu</a:t>
-            </a:r>
-            <a:r>
-              <a:rPr lang="en-US" sz="2000" dirty="0"/>
-              <a:t> </a:t>
-            </a:r>
-            <a:r>
-              <a:rPr lang="en-US" sz="2000" dirty="0" err="1"/>
-              <a:t>Vaš</a:t>
-            </a:r>
-            <a:r>
-              <a:rPr lang="en-US" sz="2000" dirty="0"/>
-              <a:t> </a:t>
-            </a:r>
-            <a:r>
-              <a:rPr lang="en-US" sz="2000" dirty="0" err="1"/>
-              <a:t>proces</a:t>
-            </a:r>
-            <a:r>
-              <a:rPr lang="en-US" sz="2000" dirty="0"/>
-              <a:t> </a:t>
-            </a:r>
-            <a:r>
-              <a:rPr lang="en-US" sz="2000" dirty="0" err="1"/>
-              <a:t>razvoja</a:t>
-            </a:r>
-            <a:r>
-              <a:rPr lang="en-US" sz="2000" dirty="0"/>
-              <a:t> bio </a:t>
-            </a:r>
-            <a:r>
-              <a:rPr lang="en-US" sz="2000" dirty="0" err="1"/>
-              <a:t>najsličniji</a:t>
-            </a:r>
-            <a:r>
-              <a:rPr lang="en-US" sz="2000" dirty="0"/>
-              <a:t> (vodopadni, </a:t>
-            </a:r>
-            <a:r>
-              <a:rPr lang="en-US" sz="2000" dirty="0" err="1"/>
-              <a:t>agilni</a:t>
-            </a:r>
-            <a:r>
-              <a:rPr lang="en-US" sz="2000" dirty="0"/>
-              <a:t>…)</a:t>
-            </a:r>
-            <a:endParaRPr lang="hr-HR" sz="2000" dirty="0"/>
           </a:p>
           <a:p>
             <a:pPr marL="457200" lvl="1" indent="0">
@@ -6540,69 +6724,17 @@
             </a:pPr>
             <a:r>
               <a:rPr lang="hr-HR" sz="2400" dirty="0"/>
-              <a:t>Raspodjela posla po članovima tima</a:t>
-            </a:r>
-            <a:endParaRPr lang="en-US" sz="2400" dirty="0"/>
-          </a:p>
-          <a:p>
-            <a:pPr lvl="1">
+              <a:t>Popis korištenih alata (za izradu programske podrške, dokumentacije, komunikaciju i upravljanje)</a:t>
+            </a:r>
+          </a:p>
+          <a:p>
+            <a:pPr marL="457200" lvl="1" indent="0">
               <a:lnSpc>
                 <a:spcPct val="100000"/>
               </a:lnSpc>
+              <a:buNone/>
             </a:pPr>
-            <a:r>
-              <a:rPr lang="en-US" sz="1800" dirty="0" err="1"/>
-              <a:t>Navesti</a:t>
-            </a:r>
-            <a:r>
-              <a:rPr lang="en-US" sz="1800" dirty="0"/>
-              <a:t> </a:t>
-            </a:r>
-            <a:r>
-              <a:rPr lang="en-US" sz="1800" dirty="0" err="1"/>
-              <a:t>približan</a:t>
-            </a:r>
-            <a:r>
-              <a:rPr lang="en-US" sz="1800" dirty="0"/>
-              <a:t> </a:t>
-            </a:r>
-            <a:r>
-              <a:rPr lang="en-US" sz="1800" dirty="0" err="1"/>
-              <a:t>broj</a:t>
-            </a:r>
-            <a:r>
-              <a:rPr lang="en-US" sz="1800" dirty="0"/>
-              <a:t> sati </a:t>
-            </a:r>
-            <a:r>
-              <a:rPr lang="en-US" sz="1800" dirty="0" err="1"/>
-              <a:t>utrošenih</a:t>
-            </a:r>
-            <a:r>
-              <a:rPr lang="en-US" sz="1800" dirty="0"/>
-              <a:t> </a:t>
-            </a:r>
-            <a:r>
-              <a:rPr lang="en-US" sz="1800" dirty="0" err="1"/>
-              <a:t>na</a:t>
-            </a:r>
-            <a:r>
-              <a:rPr lang="en-US" sz="1800" dirty="0"/>
-              <a:t> </a:t>
-            </a:r>
-            <a:r>
-              <a:rPr lang="en-US" sz="1800" dirty="0" err="1"/>
-              <a:t>izradu</a:t>
-            </a:r>
-            <a:r>
-              <a:rPr lang="en-US" sz="1800" dirty="0"/>
-              <a:t> </a:t>
-            </a:r>
-            <a:r>
-              <a:rPr lang="en-US" sz="1800" dirty="0" err="1"/>
-              <a:t>projekta</a:t>
-            </a:r>
-            <a:endParaRPr lang="hr-HR" sz="1800" dirty="0"/>
+            <a:endParaRPr lang="hr-HR" sz="2000" dirty="0"/>
           </a:p>
         </p:txBody>
       </p:sp>
@@ -6632,7 +6764,7 @@
     </p:spTree>
     <p:extLst>
       <p:ext uri="{BB962C8B-B14F-4D97-AF65-F5344CB8AC3E}">
-        <p14:creationId xmlns:p14="http://schemas.microsoft.com/office/powerpoint/2010/main" val="4285223946"/>
+        <p14:creationId xmlns:p14="http://schemas.microsoft.com/office/powerpoint/2010/main" val="3389772446"/>
       </p:ext>
     </p:extLst>
   </p:cSld>

--- a/PROGI_2023_Posterized_prezentacija.pptx
+++ b/PROGI_2023_Posterized_prezentacija.pptx
@@ -5802,8 +5802,8 @@
               </a:lnSpc>
             </a:pPr>
             <a:r>
-              <a:rPr lang="hr-HR" sz="2400" dirty="0"/>
-              <a:t>Ukratko iznesite osnovnu ideju, cilj i svrhu razvoja vašeg projekta</a:t>
+              <a:rPr lang="hr-HR" sz="2000" dirty="0"/>
+              <a:t>razvijanje web aplikacije za stručne konferencije</a:t>
             </a:r>
           </a:p>
           <a:p>
@@ -5813,20 +5813,63 @@
               </a:lnSpc>
             </a:pPr>
             <a:r>
-              <a:rPr lang="hr-HR" sz="2400" dirty="0"/>
-              <a:t>Postoji li na tržištu sličan programski proizvod?</a:t>
-            </a:r>
-          </a:p>
-          <a:p>
-            <a:pPr lvl="1">
+              <a:rPr lang="hr-HR" sz="2000" dirty="0"/>
+              <a:t>mogućnost pregledavanja i glasanja za radove u realnom vremenu</a:t>
+            </a:r>
+          </a:p>
+          <a:p>
+            <a:pPr>
               <a:lnSpc>
                 <a:spcPct val="100000"/>
               </a:lnSpc>
             </a:pPr>
             <a:r>
               <a:rPr lang="hr-HR" sz="2000" dirty="0"/>
-              <a:t>Usporedite značajke</a:t>
-            </a:r>
+              <a:t>intuitivno korisničko iskustvo prilagođeno potrebama sudionika konferencija</a:t>
+            </a:r>
+          </a:p>
+          <a:p>
+            <a:pPr>
+              <a:lnSpc>
+                <a:spcPct val="100000"/>
+              </a:lnSpc>
+            </a:pPr>
+            <a:r>
+              <a:rPr lang="hr-HR" sz="2000" dirty="0"/>
+              <a:t>integracija s umjetnom inteligencijom za personalizirane preporuke, društvene mreže, virtualne stvarnosti za obilazak dvorane,…</a:t>
+            </a:r>
+          </a:p>
+          <a:p>
+            <a:pPr>
+              <a:lnSpc>
+                <a:spcPct val="100000"/>
+              </a:lnSpc>
+            </a:pPr>
+            <a:r>
+              <a:rPr lang="hr-HR" sz="2000" dirty="0"/>
+              <a:t>slične platforme su </a:t>
+            </a:r>
+            <a:r>
+              <a:rPr lang="hr-HR" sz="2000" dirty="0" err="1"/>
+              <a:t>Whova</a:t>
+            </a:r>
+            <a:r>
+              <a:rPr lang="hr-HR" sz="2000" dirty="0"/>
+              <a:t>, </a:t>
+            </a:r>
+            <a:r>
+              <a:rPr lang="hr-HR" sz="2000" dirty="0" err="1"/>
+              <a:t>EventMobi</a:t>
+            </a:r>
+            <a:r>
+              <a:rPr lang="hr-HR" sz="2000" dirty="0"/>
+              <a:t> i </a:t>
+            </a:r>
+            <a:r>
+              <a:rPr lang="hr-HR" sz="2000" dirty="0" err="1"/>
+              <a:t>Attendify</a:t>
+            </a:r>
+            <a:endParaRPr lang="hr-HR" sz="2000" dirty="0"/>
           </a:p>
         </p:txBody>
       </p:sp>
@@ -6147,7 +6190,74 @@
                 <a:spcPct val="100000"/>
               </a:lnSpc>
             </a:pPr>
+            <a:r>
+              <a:rPr lang="hr-HR" sz="2400" dirty="0"/>
+              <a:t>istovremeni rad više korisnika</a:t>
+            </a:r>
+          </a:p>
+          <a:p>
+            <a:pPr>
+              <a:lnSpc>
+                <a:spcPct val="100000"/>
+              </a:lnSpc>
+            </a:pPr>
+            <a:r>
+              <a:rPr lang="hr-HR" sz="2400" dirty="0" err="1"/>
+              <a:t>responzivan</a:t>
+            </a:r>
+            <a:r>
+              <a:rPr lang="hr-HR" sz="2400" dirty="0"/>
+              <a:t> dizajn</a:t>
+            </a:r>
+          </a:p>
+          <a:p>
+            <a:pPr>
+              <a:lnSpc>
+                <a:spcPct val="100000"/>
+              </a:lnSpc>
+            </a:pPr>
+            <a:r>
+              <a:rPr lang="hr-HR" sz="2400" dirty="0"/>
+              <a:t>brz pristup bazi podataka</a:t>
+            </a:r>
+          </a:p>
+          <a:p>
+            <a:pPr>
+              <a:lnSpc>
+                <a:spcPct val="100000"/>
+              </a:lnSpc>
+            </a:pPr>
+            <a:r>
+              <a:rPr lang="hr-HR" sz="2400" dirty="0"/>
+              <a:t>web aplikacija, objektno orijentirani jezici, </a:t>
+            </a:r>
+            <a:r>
+              <a:rPr lang="hr-HR" sz="2400" dirty="0" err="1"/>
+              <a:t>polimorfizam</a:t>
+            </a:r>
             <a:endParaRPr lang="hr-HR" sz="2400" dirty="0"/>
+          </a:p>
+          <a:p>
+            <a:pPr>
+              <a:lnSpc>
+                <a:spcPct val="100000"/>
+              </a:lnSpc>
+            </a:pPr>
+            <a:r>
+              <a:rPr lang="hr-HR" sz="2400" dirty="0"/>
+              <a:t>stabilnost pri neispravnom korištenju</a:t>
+            </a:r>
+          </a:p>
+          <a:p>
+            <a:pPr>
+              <a:lnSpc>
+                <a:spcPct val="100000"/>
+              </a:lnSpc>
+            </a:pPr>
+            <a:r>
+              <a:rPr lang="hr-HR" sz="2400" dirty="0"/>
+              <a:t>intuitivno i jednostavno grafičko sučelje</a:t>
+            </a:r>
           </a:p>
         </p:txBody>
       </p:sp>

--- a/PROGI_2023_Posterized_prezentacija.pptx
+++ b/PROGI_2023_Posterized_prezentacija.pptx
@@ -5,7 +5,7 @@
     <p:sldMasterId id="2147483687" r:id="rId1"/>
   </p:sldMasterIdLst>
   <p:notesMasterIdLst>
-    <p:notesMasterId r:id="rId14"/>
+    <p:notesMasterId r:id="rId15"/>
   </p:notesMasterIdLst>
   <p:sldIdLst>
     <p:sldId id="256" r:id="rId2"/>
@@ -19,7 +19,8 @@
     <p:sldId id="260" r:id="rId10"/>
     <p:sldId id="262" r:id="rId11"/>
     <p:sldId id="263" r:id="rId12"/>
-    <p:sldId id="264" r:id="rId13"/>
+    <p:sldId id="268" r:id="rId13"/>
+    <p:sldId id="264" r:id="rId14"/>
   </p:sldIdLst>
   <p:sldSz cx="9144000" cy="6858000" type="screen4x3"/>
   <p:notesSz cx="6858000" cy="9144000"/>
@@ -4712,200 +4713,288 @@
           </a:p>
         </p:txBody>
       </p:sp>
-      <p:sp>
-        <p:nvSpPr>
-          <p:cNvPr id="3" name="Content Placeholder 2"/>
-          <p:cNvSpPr>
-            <a:spLocks noGrp="1"/>
-          </p:cNvSpPr>
-          <p:nvPr>
-            <p:ph idx="1"/>
-          </p:nvPr>
-        </p:nvSpPr>
-        <p:spPr/>
-        <p:txBody>
-          <a:bodyPr>
-            <a:normAutofit/>
-          </a:bodyPr>
-          <a:lstStyle/>
-          <a:p>
-            <a:pPr>
-              <a:lnSpc>
-                <a:spcPct val="100000"/>
-              </a:lnSpc>
-            </a:pPr>
-            <a:r>
-              <a:rPr lang="hr-HR" sz="2400" dirty="0"/>
-              <a:t>Vremenska linija razvoja (specifikacija, implementacija, ispitivanje, dokumentiranje)</a:t>
-            </a:r>
-          </a:p>
-          <a:p>
-            <a:pPr lvl="1">
-              <a:lnSpc>
-                <a:spcPct val="100000"/>
-              </a:lnSpc>
-            </a:pPr>
-            <a:r>
-              <a:rPr lang="hr-HR" sz="2000" dirty="0"/>
-              <a:t>Poželjan grafički prikaz</a:t>
-            </a:r>
-            <a:endParaRPr lang="en-US" sz="2000" dirty="0"/>
-          </a:p>
-          <a:p>
-            <a:pPr lvl="1">
-              <a:lnSpc>
-                <a:spcPct val="100000"/>
-              </a:lnSpc>
-            </a:pPr>
-            <a:r>
-              <a:rPr lang="en-US" sz="2000" dirty="0" err="1"/>
-              <a:t>Prokomentirati</a:t>
-            </a:r>
-            <a:r>
-              <a:rPr lang="en-US" sz="2000" dirty="0"/>
-              <a:t> </a:t>
-            </a:r>
-            <a:r>
-              <a:rPr lang="en-US" sz="2000" dirty="0" err="1"/>
-              <a:t>kojem</a:t>
-            </a:r>
-            <a:r>
-              <a:rPr lang="en-US" sz="2000" dirty="0"/>
-              <a:t> je SDLC </a:t>
-            </a:r>
-            <a:r>
-              <a:rPr lang="en-US" sz="2000" dirty="0" err="1"/>
-              <a:t>modelu</a:t>
-            </a:r>
-            <a:r>
-              <a:rPr lang="en-US" sz="2000" dirty="0"/>
-              <a:t> </a:t>
-            </a:r>
-            <a:r>
-              <a:rPr lang="en-US" sz="2000" dirty="0" err="1"/>
-              <a:t>Vaš</a:t>
-            </a:r>
-            <a:r>
-              <a:rPr lang="en-US" sz="2000" dirty="0"/>
-              <a:t> </a:t>
-            </a:r>
-            <a:r>
-              <a:rPr lang="en-US" sz="2000" dirty="0" err="1"/>
-              <a:t>proces</a:t>
-            </a:r>
-            <a:r>
-              <a:rPr lang="en-US" sz="2000" dirty="0"/>
-              <a:t> </a:t>
-            </a:r>
-            <a:r>
-              <a:rPr lang="en-US" sz="2000" dirty="0" err="1"/>
-              <a:t>razvoja</a:t>
-            </a:r>
-            <a:r>
-              <a:rPr lang="en-US" sz="2000" dirty="0"/>
-              <a:t> bio </a:t>
-            </a:r>
-            <a:r>
-              <a:rPr lang="en-US" sz="2000" dirty="0" err="1"/>
-              <a:t>najsličniji</a:t>
-            </a:r>
-            <a:r>
-              <a:rPr lang="en-US" sz="2000" dirty="0"/>
-              <a:t> (vodopadni, </a:t>
-            </a:r>
-            <a:r>
-              <a:rPr lang="en-US" sz="2000" dirty="0" err="1"/>
-              <a:t>agilni</a:t>
-            </a:r>
-            <a:r>
-              <a:rPr lang="en-US" sz="2000" dirty="0"/>
-              <a:t>…)</a:t>
-            </a:r>
-            <a:endParaRPr lang="hr-HR" sz="2000" dirty="0"/>
-          </a:p>
-          <a:p>
-            <a:pPr marL="457200" lvl="1" indent="0">
-              <a:lnSpc>
-                <a:spcPct val="100000"/>
-              </a:lnSpc>
-              <a:buNone/>
-            </a:pPr>
-            <a:endParaRPr lang="hr-HR" sz="2000" dirty="0"/>
-          </a:p>
-          <a:p>
-            <a:pPr>
-              <a:lnSpc>
-                <a:spcPct val="100000"/>
-              </a:lnSpc>
-            </a:pPr>
-            <a:r>
-              <a:rPr lang="hr-HR" sz="2400" dirty="0"/>
-              <a:t>Raspodjela posla po članovima tima</a:t>
-            </a:r>
-            <a:endParaRPr lang="en-US" sz="2400" dirty="0"/>
-          </a:p>
-          <a:p>
-            <a:pPr lvl="1">
-              <a:lnSpc>
-                <a:spcPct val="100000"/>
-              </a:lnSpc>
-            </a:pPr>
-            <a:r>
-              <a:rPr lang="en-US" sz="1800" dirty="0" err="1"/>
-              <a:t>Navesti</a:t>
-            </a:r>
-            <a:r>
-              <a:rPr lang="en-US" sz="1800" dirty="0"/>
-              <a:t> </a:t>
-            </a:r>
-            <a:r>
-              <a:rPr lang="en-US" sz="1800" dirty="0" err="1"/>
-              <a:t>približan</a:t>
-            </a:r>
-            <a:r>
-              <a:rPr lang="en-US" sz="1800" dirty="0"/>
-              <a:t> </a:t>
-            </a:r>
-            <a:r>
-              <a:rPr lang="en-US" sz="1800" dirty="0" err="1"/>
-              <a:t>broj</a:t>
-            </a:r>
-            <a:r>
-              <a:rPr lang="en-US" sz="1800" dirty="0"/>
-              <a:t> sati </a:t>
-            </a:r>
-            <a:r>
-              <a:rPr lang="en-US" sz="1800" dirty="0" err="1"/>
-              <a:t>utrošenih</a:t>
-            </a:r>
-            <a:r>
-              <a:rPr lang="en-US" sz="1800" dirty="0"/>
-              <a:t> </a:t>
-            </a:r>
-            <a:r>
-              <a:rPr lang="en-US" sz="1800" dirty="0" err="1"/>
-              <a:t>na</a:t>
-            </a:r>
-            <a:r>
-              <a:rPr lang="en-US" sz="1800" dirty="0"/>
-              <a:t> </a:t>
-            </a:r>
-            <a:r>
-              <a:rPr lang="en-US" sz="1800" dirty="0" err="1"/>
-              <a:t>izradu</a:t>
-            </a:r>
-            <a:r>
-              <a:rPr lang="en-US" sz="1800" dirty="0"/>
-              <a:t> </a:t>
-            </a:r>
-            <a:r>
-              <a:rPr lang="en-US" sz="1800" dirty="0" err="1"/>
-              <a:t>projekta</a:t>
-            </a:r>
-            <a:endParaRPr lang="hr-HR" sz="1800" dirty="0"/>
-          </a:p>
-        </p:txBody>
-      </p:sp>
+      <mc:AlternateContent xmlns:mc="http://schemas.openxmlformats.org/markup-compatibility/2006">
+        <mc:Choice xmlns:a14="http://schemas.microsoft.com/office/drawing/2010/main" Requires="a14">
+          <p:sp>
+            <p:nvSpPr>
+              <p:cNvPr id="3" name="Content Placeholder 2"/>
+              <p:cNvSpPr>
+                <a:spLocks noGrp="1"/>
+              </p:cNvSpPr>
+              <p:nvPr>
+                <p:ph idx="1"/>
+              </p:nvPr>
+            </p:nvSpPr>
+            <p:spPr/>
+            <p:txBody>
+              <a:bodyPr>
+                <a:normAutofit/>
+              </a:bodyPr>
+              <a:lstStyle/>
+              <a:p>
+                <a:pPr>
+                  <a:lnSpc>
+                    <a:spcPct val="100000"/>
+                  </a:lnSpc>
+                </a:pPr>
+                <a:r>
+                  <a:rPr lang="en-US" sz="2400" dirty="0"/>
+                  <a:t>proces </a:t>
+                </a:r>
+                <a:r>
+                  <a:rPr lang="en-US" sz="2400" dirty="0" err="1"/>
+                  <a:t>razvoja</a:t>
+                </a:r>
+                <a:r>
+                  <a:rPr lang="en-US" sz="2400" dirty="0"/>
+                  <a:t> </a:t>
+                </a:r>
+                <a:r>
+                  <a:rPr lang="en-US" sz="2400" dirty="0" err="1"/>
+                  <a:t>aplikacije</a:t>
+                </a:r>
+                <a:r>
+                  <a:rPr lang="en-US" sz="2400" dirty="0"/>
+                  <a:t> po SDLC </a:t>
+                </a:r>
+                <a:r>
+                  <a:rPr lang="en-US" sz="2400" dirty="0" err="1"/>
+                  <a:t>modelu</a:t>
+                </a:r>
+                <a:r>
+                  <a:rPr lang="en-US" sz="2400" dirty="0"/>
+                  <a:t> – </a:t>
+                </a:r>
+                <a:r>
+                  <a:rPr lang="en-US" sz="2400" dirty="0" err="1"/>
+                  <a:t>agilni</a:t>
+                </a:r>
+                <a:r>
+                  <a:rPr lang="en-US" sz="2400" dirty="0"/>
+                  <a:t> </a:t>
+                </a:r>
+                <a:r>
+                  <a:rPr lang="en-US" sz="2400" dirty="0" err="1"/>
+                  <a:t>pristup</a:t>
+                </a:r>
+                <a:r>
+                  <a:rPr lang="en-US" sz="2400" dirty="0"/>
+                  <a:t> </a:t>
+                </a:r>
+              </a:p>
+              <a:p>
+                <a:pPr>
+                  <a:lnSpc>
+                    <a:spcPct val="100000"/>
+                  </a:lnSpc>
+                </a:pPr>
+                <a:endParaRPr lang="en-US" sz="2400" dirty="0"/>
+              </a:p>
+              <a:p>
+                <a:pPr>
+                  <a:lnSpc>
+                    <a:spcPct val="100000"/>
+                  </a:lnSpc>
+                </a:pPr>
+                <a:endParaRPr lang="hr-HR" sz="2000" dirty="0"/>
+              </a:p>
+              <a:p>
+                <a:pPr marL="457200" lvl="1" indent="0">
+                  <a:lnSpc>
+                    <a:spcPct val="100000"/>
+                  </a:lnSpc>
+                  <a:buNone/>
+                </a:pPr>
+                <a:endParaRPr lang="hr-HR" sz="2000" dirty="0"/>
+              </a:p>
+              <a:p>
+                <a:pPr marL="457200" lvl="1" indent="0">
+                  <a:lnSpc>
+                    <a:spcPct val="100000"/>
+                  </a:lnSpc>
+                  <a:buNone/>
+                </a:pPr>
+                <a:endParaRPr lang="hr-HR" sz="2000" dirty="0"/>
+              </a:p>
+              <a:p>
+                <a:pPr marL="457200" lvl="1" indent="0">
+                  <a:lnSpc>
+                    <a:spcPct val="100000"/>
+                  </a:lnSpc>
+                  <a:buNone/>
+                </a:pPr>
+                <a:endParaRPr lang="hr-HR" sz="2000" dirty="0"/>
+              </a:p>
+              <a:p>
+                <a:pPr>
+                  <a:lnSpc>
+                    <a:spcPct val="100000"/>
+                  </a:lnSpc>
+                </a:pPr>
+                <a:r>
+                  <a:rPr lang="hr-HR" sz="2400" dirty="0"/>
+                  <a:t>Vrijeme utrošeno na razvoj aplikacije</a:t>
+                </a:r>
+                <a:endParaRPr lang="en-US" sz="2400" dirty="0"/>
+              </a:p>
+              <a:p>
+                <a:pPr lvl="1">
+                  <a:lnSpc>
+                    <a:spcPct val="100000"/>
+                  </a:lnSpc>
+                </a:pPr>
+                <a:r>
+                  <a:rPr lang="en-US" sz="1800" dirty="0"/>
+                  <a:t>Backend – 130h</a:t>
+                </a:r>
+              </a:p>
+              <a:p>
+                <a:pPr lvl="1">
+                  <a:lnSpc>
+                    <a:spcPct val="100000"/>
+                  </a:lnSpc>
+                </a:pPr>
+                <a:r>
+                  <a:rPr lang="en-US" sz="1800" dirty="0"/>
+                  <a:t>Frontend – 104h</a:t>
+                </a:r>
+              </a:p>
+              <a:p>
+                <a:pPr lvl="1">
+                  <a:lnSpc>
+                    <a:spcPct val="100000"/>
+                  </a:lnSpc>
+                </a:pPr>
+                <a:r>
+                  <a:rPr lang="en-US" sz="1800" dirty="0" err="1"/>
+                  <a:t>Testiranje</a:t>
+                </a:r>
+                <a:r>
+                  <a:rPr lang="en-US" sz="1800" dirty="0"/>
+                  <a:t> – 30h</a:t>
+                </a:r>
+              </a:p>
+              <a:p>
+                <a:pPr lvl="1">
+                  <a:lnSpc>
+                    <a:spcPct val="100000"/>
+                  </a:lnSpc>
+                </a:pPr>
+                <a:r>
+                  <a:rPr lang="en-US" sz="1800" dirty="0" err="1"/>
+                  <a:t>Dokumentacija</a:t>
+                </a:r>
+                <a:r>
+                  <a:rPr lang="en-US" sz="1800" dirty="0"/>
+                  <a:t> – 77h</a:t>
+                </a:r>
+              </a:p>
+              <a:p>
+                <a:pPr lvl="1">
+                  <a:lnSpc>
+                    <a:spcPct val="100000"/>
+                  </a:lnSpc>
+                </a:pPr>
+                <a:r>
+                  <a:rPr lang="en-US" sz="1800" dirty="0"/>
+                  <a:t>Deploy – 20h	</a:t>
+                </a:r>
+                <a14:m>
+                  <m:oMath xmlns:m="http://schemas.openxmlformats.org/officeDocument/2006/math">
+                    <m:r>
+                      <m:rPr>
+                        <m:sty m:val="p"/>
+                      </m:rPr>
+                      <a:rPr lang="el-GR" sz="1800" i="1" smtClean="0">
+                        <a:latin typeface="Cambria Math" panose="02040503050406030204" pitchFamily="18" charset="0"/>
+                        <a:ea typeface="Cambria Math" panose="02040503050406030204" pitchFamily="18" charset="0"/>
+                      </a:rPr>
+                      <m:t>Σ</m:t>
+                    </m:r>
+                    <m:r>
+                      <a:rPr lang="en-US" sz="1800" b="0" i="1" smtClean="0">
+                        <a:latin typeface="Cambria Math" panose="02040503050406030204" pitchFamily="18" charset="0"/>
+                        <a:ea typeface="Cambria Math" panose="02040503050406030204" pitchFamily="18" charset="0"/>
+                      </a:rPr>
+                      <m:t>=471</m:t>
+                    </m:r>
+                    <m:r>
+                      <a:rPr lang="en-US" sz="1800" b="0" i="1" smtClean="0">
+                        <a:latin typeface="Cambria Math" panose="02040503050406030204" pitchFamily="18" charset="0"/>
+                        <a:ea typeface="Cambria Math" panose="02040503050406030204" pitchFamily="18" charset="0"/>
+                      </a:rPr>
+                      <m:t>h</m:t>
+                    </m:r>
+                    <m:r>
+                      <a:rPr lang="en-US" sz="1800" b="0" i="1" smtClean="0">
+                        <a:latin typeface="Cambria Math" panose="02040503050406030204" pitchFamily="18" charset="0"/>
+                        <a:ea typeface="Cambria Math" panose="02040503050406030204" pitchFamily="18" charset="0"/>
+                      </a:rPr>
+                      <m:t> (20 </m:t>
+                    </m:r>
+                    <m:r>
+                      <a:rPr lang="en-US" sz="1800" b="0" i="1" smtClean="0">
+                        <a:latin typeface="Cambria Math" panose="02040503050406030204" pitchFamily="18" charset="0"/>
+                        <a:ea typeface="Cambria Math" panose="02040503050406030204" pitchFamily="18" charset="0"/>
+                      </a:rPr>
+                      <m:t>𝑑𝑎𝑛𝑎</m:t>
+                    </m:r>
+                    <m:r>
+                      <a:rPr lang="en-US" sz="1800" b="0" i="1" smtClean="0">
+                        <a:latin typeface="Cambria Math" panose="02040503050406030204" pitchFamily="18" charset="0"/>
+                        <a:ea typeface="Cambria Math" panose="02040503050406030204" pitchFamily="18" charset="0"/>
+                      </a:rPr>
+                      <m:t>)</m:t>
+                    </m:r>
+                  </m:oMath>
+                </a14:m>
+                <a:endParaRPr lang="en-US" dirty="0"/>
+              </a:p>
+              <a:p>
+                <a:pPr lvl="1">
+                  <a:lnSpc>
+                    <a:spcPct val="100000"/>
+                  </a:lnSpc>
+                </a:pPr>
+                <a:endParaRPr lang="hr-HR" sz="1800" dirty="0"/>
+              </a:p>
+            </p:txBody>
+          </p:sp>
+        </mc:Choice>
+        <mc:Fallback>
+          <p:sp>
+            <p:nvSpPr>
+              <p:cNvPr id="3" name="Content Placeholder 2"/>
+              <p:cNvSpPr>
+                <a:spLocks noGrp="1" noRot="1" noChangeAspect="1" noMove="1" noResize="1" noEditPoints="1" noAdjustHandles="1" noChangeArrowheads="1" noChangeShapeType="1" noTextEdit="1"/>
+              </p:cNvSpPr>
+              <p:nvPr>
+                <p:ph idx="1"/>
+              </p:nvPr>
+            </p:nvSpPr>
+            <p:spPr>
+              <a:blipFill>
+                <a:blip r:embed="rId2"/>
+                <a:stretch>
+                  <a:fillRect l="-965" t="-769"/>
+                </a:stretch>
+              </a:blipFill>
+            </p:spPr>
+            <p:txBody>
+              <a:bodyPr/>
+              <a:lstStyle/>
+              <a:p>
+                <a:r>
+                  <a:rPr lang="hr-HR">
+                    <a:noFill/>
+                  </a:rPr>
+                  <a:t> </a:t>
+                </a:r>
+              </a:p>
+            </p:txBody>
+          </p:sp>
+        </mc:Fallback>
+      </mc:AlternateContent>
       <p:sp>
         <p:nvSpPr>
           <p:cNvPr id="4" name="Slide Number Placeholder 3"/>
@@ -4929,6 +5018,41 @@
           </a:p>
         </p:txBody>
       </p:sp>
+      <p:pic>
+        <p:nvPicPr>
+          <p:cNvPr id="6" name="Picture 5" descr="A diagram of a product&#10;&#10;Description automatically generated">
+            <a:extLst>
+              <a:ext uri="{FF2B5EF4-FFF2-40B4-BE49-F238E27FC236}">
+                <a16:creationId xmlns:a16="http://schemas.microsoft.com/office/drawing/2014/main" id="{6E6A5717-3089-573B-6F24-F183CAB58AFC}"/>
+              </a:ext>
+            </a:extLst>
+          </p:cNvPr>
+          <p:cNvPicPr>
+            <a:picLocks noChangeAspect="1"/>
+          </p:cNvPicPr>
+          <p:nvPr/>
+        </p:nvPicPr>
+        <p:blipFill rotWithShape="1">
+          <a:blip r:embed="rId3">
+            <a:extLst>
+              <a:ext uri="{28A0092B-C50C-407E-A947-70E740481C1C}">
+                <a14:useLocalDpi xmlns:a14="http://schemas.microsoft.com/office/drawing/2010/main" val="0"/>
+              </a:ext>
+            </a:extLst>
+          </a:blip>
+          <a:srcRect t="6120" r="381" b="18534"/>
+          <a:stretch/>
+        </p:blipFill>
+        <p:spPr>
+          <a:xfrm>
+            <a:off x="1585623" y="1907726"/>
+            <a:ext cx="5972753" cy="1953491"/>
+          </a:xfrm>
+          <a:prstGeom prst="rect">
+            <a:avLst/>
+          </a:prstGeom>
+        </p:spPr>
+      </p:pic>
     </p:spTree>
     <p:extLst>
       <p:ext uri="{BB962C8B-B14F-4D97-AF65-F5344CB8AC3E}">
@@ -5080,6 +5204,358 @@
       </p:grpSpPr>
       <p:sp>
         <p:nvSpPr>
+          <p:cNvPr id="2" name="Title 1">
+            <a:extLst>
+              <a:ext uri="{FF2B5EF4-FFF2-40B4-BE49-F238E27FC236}">
+                <a16:creationId xmlns:a16="http://schemas.microsoft.com/office/drawing/2014/main" id="{982DB32B-4184-7CF1-41BC-F45EF6F43765}"/>
+              </a:ext>
+            </a:extLst>
+          </p:cNvPr>
+          <p:cNvSpPr>
+            <a:spLocks noGrp="1"/>
+          </p:cNvSpPr>
+          <p:nvPr>
+            <p:ph type="title"/>
+          </p:nvPr>
+        </p:nvSpPr>
+        <p:spPr/>
+        <p:txBody>
+          <a:bodyPr/>
+          <a:lstStyle/>
+          <a:p>
+            <a:r>
+              <a:rPr lang="hr-HR" dirty="0"/>
+              <a:t>Hvala na pozornosti!</a:t>
+            </a:r>
+          </a:p>
+        </p:txBody>
+      </p:sp>
+      <p:sp>
+        <p:nvSpPr>
+          <p:cNvPr id="3" name="Content Placeholder 2">
+            <a:extLst>
+              <a:ext uri="{FF2B5EF4-FFF2-40B4-BE49-F238E27FC236}">
+                <a16:creationId xmlns:a16="http://schemas.microsoft.com/office/drawing/2014/main" id="{39EDAF6B-5F59-E685-30E0-CB79074319A6}"/>
+              </a:ext>
+            </a:extLst>
+          </p:cNvPr>
+          <p:cNvSpPr>
+            <a:spLocks noGrp="1"/>
+          </p:cNvSpPr>
+          <p:nvPr>
+            <p:ph idx="1"/>
+          </p:nvPr>
+        </p:nvSpPr>
+        <p:spPr/>
+        <p:txBody>
+          <a:bodyPr>
+            <a:normAutofit fontScale="92500" lnSpcReduction="10000"/>
+          </a:bodyPr>
+          <a:lstStyle/>
+          <a:p>
+            <a:pPr>
+              <a:lnSpc>
+                <a:spcPct val="150000"/>
+              </a:lnSpc>
+            </a:pPr>
+            <a:r>
+              <a:rPr lang="en-US" sz="2800" dirty="0"/>
+              <a:t>Tea </a:t>
+            </a:r>
+            <a:r>
+              <a:rPr lang="en-US" sz="2800" dirty="0" err="1"/>
+              <a:t>Topolovec</a:t>
+            </a:r>
+            <a:r>
+              <a:rPr lang="en-US" sz="2800" dirty="0"/>
+              <a:t> (</a:t>
+            </a:r>
+            <a:r>
+              <a:rPr lang="en-US" sz="2800" dirty="0" err="1">
+                <a:solidFill>
+                  <a:schemeClr val="accent5">
+                    <a:lumMod val="75000"/>
+                  </a:schemeClr>
+                </a:solidFill>
+              </a:rPr>
+              <a:t>tea.topolovec@fer.hr</a:t>
+            </a:r>
+            <a:r>
+              <a:rPr lang="en-US" sz="2800" dirty="0"/>
+              <a:t>)</a:t>
+            </a:r>
+          </a:p>
+          <a:p>
+            <a:pPr>
+              <a:lnSpc>
+                <a:spcPct val="150000"/>
+              </a:lnSpc>
+            </a:pPr>
+            <a:r>
+              <a:rPr lang="en-US" sz="2800" dirty="0"/>
+              <a:t>Kristina </a:t>
+            </a:r>
+            <a:r>
+              <a:rPr lang="en-US" sz="2800" dirty="0" err="1"/>
+              <a:t>Đunđek</a:t>
+            </a:r>
+            <a:r>
+              <a:rPr lang="en-US" sz="2800" dirty="0"/>
+              <a:t> (</a:t>
+            </a:r>
+            <a:r>
+              <a:rPr lang="en-US" sz="2800" dirty="0" err="1">
+                <a:solidFill>
+                  <a:schemeClr val="accent5">
+                    <a:lumMod val="75000"/>
+                  </a:schemeClr>
+                </a:solidFill>
+              </a:rPr>
+              <a:t>kristina.dundek@fer.hr</a:t>
+            </a:r>
+            <a:r>
+              <a:rPr lang="en-US" sz="2800" dirty="0"/>
+              <a:t>)</a:t>
+            </a:r>
+          </a:p>
+          <a:p>
+            <a:pPr>
+              <a:lnSpc>
+                <a:spcPct val="150000"/>
+              </a:lnSpc>
+            </a:pPr>
+            <a:r>
+              <a:rPr lang="en-US" sz="2800" dirty="0"/>
+              <a:t>Lana </a:t>
+            </a:r>
+            <a:r>
+              <a:rPr lang="en-US" sz="2800" dirty="0" err="1"/>
+              <a:t>Barić</a:t>
+            </a:r>
+            <a:r>
+              <a:rPr lang="en-US" sz="2800" dirty="0"/>
+              <a:t> (</a:t>
+            </a:r>
+            <a:r>
+              <a:rPr lang="en-US" sz="2800" dirty="0" err="1">
+                <a:solidFill>
+                  <a:schemeClr val="accent5">
+                    <a:lumMod val="75000"/>
+                  </a:schemeClr>
+                </a:solidFill>
+              </a:rPr>
+              <a:t>lana.baric@fer.hr</a:t>
+            </a:r>
+            <a:r>
+              <a:rPr lang="en-US" sz="2800" dirty="0"/>
+              <a:t>)</a:t>
+            </a:r>
+          </a:p>
+          <a:p>
+            <a:pPr>
+              <a:lnSpc>
+                <a:spcPct val="150000"/>
+              </a:lnSpc>
+            </a:pPr>
+            <a:r>
+              <a:rPr lang="en-US" sz="2800" dirty="0"/>
+              <a:t>Ena </a:t>
+            </a:r>
+            <a:r>
+              <a:rPr lang="en-US" sz="2800" dirty="0" err="1"/>
+              <a:t>Samaržija</a:t>
+            </a:r>
+            <a:r>
+              <a:rPr lang="en-US" sz="2800" dirty="0"/>
+              <a:t> (</a:t>
+            </a:r>
+            <a:r>
+              <a:rPr lang="en-US" sz="2800" dirty="0" err="1">
+                <a:solidFill>
+                  <a:schemeClr val="accent5">
+                    <a:lumMod val="75000"/>
+                  </a:schemeClr>
+                </a:solidFill>
+              </a:rPr>
+              <a:t>ena.samarzija@fer.hr</a:t>
+            </a:r>
+            <a:r>
+              <a:rPr lang="en-US" sz="2800" dirty="0"/>
+              <a:t>)</a:t>
+            </a:r>
+          </a:p>
+          <a:p>
+            <a:pPr>
+              <a:lnSpc>
+                <a:spcPct val="150000"/>
+              </a:lnSpc>
+            </a:pPr>
+            <a:r>
+              <a:rPr lang="en-US" sz="2800" dirty="0"/>
+              <a:t>Nika </a:t>
+            </a:r>
+            <a:r>
+              <a:rPr lang="en-US" sz="2800" dirty="0" err="1"/>
+              <a:t>Božić</a:t>
+            </a:r>
+            <a:r>
+              <a:rPr lang="en-US" sz="2800" dirty="0"/>
+              <a:t> (</a:t>
+            </a:r>
+            <a:r>
+              <a:rPr lang="en-US" sz="2800" dirty="0" err="1">
+                <a:solidFill>
+                  <a:schemeClr val="accent5">
+                    <a:lumMod val="75000"/>
+                  </a:schemeClr>
+                </a:solidFill>
+              </a:rPr>
+              <a:t>nika.bozic@fer.hr</a:t>
+            </a:r>
+            <a:r>
+              <a:rPr lang="en-US" sz="2800" dirty="0"/>
+              <a:t>)</a:t>
+            </a:r>
+          </a:p>
+          <a:p>
+            <a:pPr>
+              <a:lnSpc>
+                <a:spcPct val="150000"/>
+              </a:lnSpc>
+            </a:pPr>
+            <a:r>
+              <a:rPr lang="en-US" sz="2800" dirty="0" err="1"/>
+              <a:t>Lovro</a:t>
+            </a:r>
+            <a:r>
+              <a:rPr lang="en-US" sz="2800" dirty="0"/>
+              <a:t> </a:t>
+            </a:r>
+            <a:r>
+              <a:rPr lang="en-US" sz="2800" dirty="0" err="1"/>
+              <a:t>Jukić</a:t>
+            </a:r>
+            <a:r>
+              <a:rPr lang="en-US" sz="2800" dirty="0"/>
+              <a:t> (</a:t>
+            </a:r>
+            <a:r>
+              <a:rPr lang="en-US" sz="2800" dirty="0" err="1">
+                <a:solidFill>
+                  <a:schemeClr val="accent5">
+                    <a:lumMod val="75000"/>
+                  </a:schemeClr>
+                </a:solidFill>
+              </a:rPr>
+              <a:t>lovro.jukic@fer.hr</a:t>
+            </a:r>
+            <a:r>
+              <a:rPr lang="en-US" sz="2800" dirty="0"/>
+              <a:t>)</a:t>
+            </a:r>
+          </a:p>
+          <a:p>
+            <a:pPr>
+              <a:lnSpc>
+                <a:spcPct val="150000"/>
+              </a:lnSpc>
+            </a:pPr>
+            <a:r>
+              <a:rPr lang="en-US" sz="2800" dirty="0"/>
+              <a:t>Dominik </a:t>
+            </a:r>
+            <a:r>
+              <a:rPr lang="en-US" sz="2800" dirty="0" err="1"/>
+              <a:t>Barukčić</a:t>
+            </a:r>
+            <a:r>
+              <a:rPr lang="en-US" sz="2800" dirty="0"/>
+              <a:t> (</a:t>
+            </a:r>
+            <a:r>
+              <a:rPr lang="en-US" sz="2800" dirty="0" err="1">
+                <a:solidFill>
+                  <a:schemeClr val="accent5">
+                    <a:lumMod val="75000"/>
+                  </a:schemeClr>
+                </a:solidFill>
+              </a:rPr>
+              <a:t>dominik.barukcic@fer.hr</a:t>
+            </a:r>
+            <a:r>
+              <a:rPr lang="en-US" sz="2800" dirty="0"/>
+              <a:t>)</a:t>
+            </a:r>
+          </a:p>
+          <a:p>
+            <a:endParaRPr lang="en-US" sz="2800" dirty="0"/>
+          </a:p>
+          <a:p>
+            <a:endParaRPr lang="hr-HR" dirty="0"/>
+          </a:p>
+        </p:txBody>
+      </p:sp>
+      <p:sp>
+        <p:nvSpPr>
+          <p:cNvPr id="4" name="Slide Number Placeholder 3">
+            <a:extLst>
+              <a:ext uri="{FF2B5EF4-FFF2-40B4-BE49-F238E27FC236}">
+                <a16:creationId xmlns:a16="http://schemas.microsoft.com/office/drawing/2014/main" id="{D7805B72-4E86-7A0A-F015-7BADC64381E7}"/>
+              </a:ext>
+            </a:extLst>
+          </p:cNvPr>
+          <p:cNvSpPr>
+            <a:spLocks noGrp="1"/>
+          </p:cNvSpPr>
+          <p:nvPr>
+            <p:ph type="sldNum" sz="quarter" idx="12"/>
+          </p:nvPr>
+        </p:nvSpPr>
+        <p:spPr/>
+        <p:txBody>
+          <a:bodyPr/>
+          <a:lstStyle/>
+          <a:p>
+            <a:fld id="{FAA41844-C0CA-4144-9D6C-D993F0C0FAB4}" type="slidenum">
+              <a:rPr lang="hr-HR" smtClean="0"/>
+              <a:t>12</a:t>
+            </a:fld>
+            <a:endParaRPr lang="hr-HR"/>
+          </a:p>
+        </p:txBody>
+      </p:sp>
+    </p:spTree>
+    <p:extLst>
+      <p:ext uri="{BB962C8B-B14F-4D97-AF65-F5344CB8AC3E}">
+        <p14:creationId xmlns:p14="http://schemas.microsoft.com/office/powerpoint/2010/main" val="57289986"/>
+      </p:ext>
+    </p:extLst>
+  </p:cSld>
+  <p:clrMapOvr>
+    <a:masterClrMapping/>
+  </p:clrMapOvr>
+</p:sld>
+</file>
+
+<file path=ppt/slides/slide13.xml><?xml version="1.0" encoding="utf-8"?>
+<p:sld xmlns:a="http://schemas.openxmlformats.org/drawingml/2006/main" xmlns:r="http://schemas.openxmlformats.org/officeDocument/2006/relationships" xmlns:p="http://schemas.openxmlformats.org/presentationml/2006/main">
+  <p:cSld>
+    <p:spTree>
+      <p:nvGrpSpPr>
+        <p:cNvPr id="1" name=""/>
+        <p:cNvGrpSpPr/>
+        <p:nvPr/>
+      </p:nvGrpSpPr>
+      <p:grpSpPr>
+        <a:xfrm>
+          <a:off x="0" y="0"/>
+          <a:ext cx="0" cy="0"/>
+          <a:chOff x="0" y="0"/>
+          <a:chExt cx="0" cy="0"/>
+        </a:xfrm>
+      </p:grpSpPr>
+      <p:sp>
+        <p:nvSpPr>
           <p:cNvPr id="2" name="Title 1"/>
           <p:cNvSpPr>
             <a:spLocks noGrp="1"/>
@@ -5211,7 +5687,7 @@
           <a:p>
             <a:fld id="{FAA41844-C0CA-4144-9D6C-D993F0C0FAB4}" type="slidenum">
               <a:rPr lang="hr-HR" smtClean="0"/>
-              <a:t>12</a:t>
+              <a:t>13</a:t>
             </a:fld>
             <a:endParaRPr lang="hr-HR"/>
           </a:p>
@@ -5836,7 +6312,7 @@
             </a:pPr>
             <a:r>
               <a:rPr lang="hr-HR" sz="2000" dirty="0"/>
-              <a:t>integracija s umjetnom inteligencijom za personalizirane preporuke, društvene mreže, virtualne stvarnosti za obilazak dvorane,…</a:t>
+              <a:t>integracije s umjetnom inteligencijom za personalizirane preporuke, društvene mreže, virtualne stvarnosti za obilazak dvorane</a:t>
             </a:r>
           </a:p>
           <a:p>
@@ -6631,51 +7107,512 @@
           <a:lstStyle/>
           <a:p>
             <a:pPr>
-              <a:lnSpc>
-                <a:spcPct val="100000"/>
-              </a:lnSpc>
+              <a:buFont typeface="Arial" panose="020B0604020202020204" pitchFamily="34" charset="0"/>
+              <a:buChar char="•"/>
             </a:pPr>
             <a:r>
-              <a:rPr lang="en-US" sz="2400" dirty="0" err="1"/>
-              <a:t>Organizacija</a:t>
-            </a:r>
-            <a:r>
-              <a:rPr lang="en-US" sz="2400" dirty="0"/>
+              <a:rPr lang="en-GB" sz="2400" dirty="0" err="1"/>
+              <a:t>d</a:t>
+            </a:r>
+            <a:r>
+              <a:rPr lang="en-GB" sz="2400" dirty="0" err="1">
+                <a:effectLst/>
+              </a:rPr>
+              <a:t>va</a:t>
+            </a:r>
+            <a:r>
+              <a:rPr lang="en-GB" sz="2400" dirty="0">
+                <a:effectLst/>
+              </a:rPr>
               <a:t> </a:t>
             </a:r>
             <a:r>
-              <a:rPr lang="en-US" sz="2400" dirty="0" err="1"/>
-              <a:t>ispitivanja</a:t>
-            </a:r>
-            <a:endParaRPr lang="en-US" sz="2400" dirty="0"/>
+              <a:rPr lang="en-GB" sz="2400" dirty="0" err="1">
+                <a:effectLst/>
+              </a:rPr>
+              <a:t>načina</a:t>
+            </a:r>
+            <a:r>
+              <a:rPr lang="en-GB" sz="2400" dirty="0">
+                <a:effectLst/>
+              </a:rPr>
+              <a:t> </a:t>
+            </a:r>
+            <a:r>
+              <a:rPr lang="en-GB" sz="2400" dirty="0" err="1">
+                <a:effectLst/>
+              </a:rPr>
+              <a:t>testiranja</a:t>
+            </a:r>
+            <a:r>
+              <a:rPr lang="en-GB" sz="2400" dirty="0">
+                <a:effectLst/>
+              </a:rPr>
+              <a:t>: </a:t>
+            </a:r>
+            <a:r>
+              <a:rPr lang="en-GB" sz="2400" dirty="0" err="1">
+                <a:effectLst/>
+              </a:rPr>
+              <a:t>komponente</a:t>
+            </a:r>
+            <a:r>
+              <a:rPr lang="en-GB" sz="2400" dirty="0">
+                <a:effectLst/>
+              </a:rPr>
+              <a:t> </a:t>
+            </a:r>
+            <a:r>
+              <a:rPr lang="en-GB" sz="2400" dirty="0" err="1">
+                <a:effectLst/>
+              </a:rPr>
+              <a:t>i</a:t>
+            </a:r>
+            <a:r>
+              <a:rPr lang="en-GB" sz="2400" dirty="0">
+                <a:effectLst/>
+              </a:rPr>
+              <a:t> </a:t>
+            </a:r>
+            <a:r>
+              <a:rPr lang="en-GB" sz="2400" dirty="0" err="1">
+                <a:effectLst/>
+              </a:rPr>
+              <a:t>sustav</a:t>
+            </a:r>
+            <a:endParaRPr lang="en-GB" sz="2400" dirty="0">
+              <a:effectLst/>
+            </a:endParaRPr>
           </a:p>
           <a:p>
             <a:pPr>
-              <a:lnSpc>
-                <a:spcPct val="100000"/>
-              </a:lnSpc>
+              <a:buFont typeface="Arial" panose="020B0604020202020204" pitchFamily="34" charset="0"/>
+              <a:buChar char="•"/>
             </a:pPr>
             <a:r>
-              <a:rPr lang="en-US" sz="2400" dirty="0" err="1"/>
-              <a:t>Opseg</a:t>
-            </a:r>
-            <a:r>
-              <a:rPr lang="en-US" sz="2400" dirty="0"/>
+              <a:rPr lang="en-GB" sz="2400" dirty="0">
+                <a:effectLst/>
+              </a:rPr>
+              <a:t>JUnit </a:t>
+            </a:r>
+            <a:r>
+              <a:rPr lang="en-GB" sz="2400" dirty="0" err="1">
+                <a:effectLst/>
+              </a:rPr>
+              <a:t>testovi</a:t>
+            </a:r>
+            <a:r>
+              <a:rPr lang="en-GB" sz="2400" dirty="0">
+                <a:effectLst/>
+              </a:rPr>
+              <a:t> za </a:t>
+            </a:r>
+            <a:r>
+              <a:rPr lang="en-GB" sz="2400" dirty="0" err="1">
+                <a:effectLst/>
+              </a:rPr>
+              <a:t>komponente</a:t>
+            </a:r>
+            <a:r>
+              <a:rPr lang="en-GB" sz="2400" dirty="0">
+                <a:effectLst/>
+              </a:rPr>
+              <a:t> u </a:t>
+            </a:r>
+            <a:r>
+              <a:rPr lang="en-GB" sz="2400" dirty="0" err="1">
+                <a:effectLst/>
+              </a:rPr>
+              <a:t>Javi</a:t>
+            </a:r>
+            <a:endParaRPr lang="en-GB" sz="1800" dirty="0">
+              <a:effectLst/>
+            </a:endParaRPr>
+          </a:p>
+          <a:p>
+            <a:pPr>
+              <a:buFont typeface="Arial" panose="020B0604020202020204" pitchFamily="34" charset="0"/>
+              <a:buChar char="•"/>
+            </a:pPr>
+            <a:r>
+              <a:rPr lang="en-GB" sz="2400" dirty="0">
+                <a:effectLst/>
+              </a:rPr>
+              <a:t>Selenium IDE za </a:t>
+            </a:r>
+            <a:r>
+              <a:rPr lang="en-GB" sz="2400" dirty="0" err="1">
+                <a:effectLst/>
+              </a:rPr>
+              <a:t>ispitivanje</a:t>
+            </a:r>
+            <a:r>
+              <a:rPr lang="en-GB" sz="2400" dirty="0">
+                <a:effectLst/>
+              </a:rPr>
               <a:t> </a:t>
             </a:r>
             <a:r>
-              <a:rPr lang="en-US" sz="2400" dirty="0" err="1"/>
-              <a:t>provedenog</a:t>
-            </a:r>
-            <a:r>
-              <a:rPr lang="en-US" sz="2400" dirty="0"/>
+              <a:rPr lang="en-GB" sz="2400" dirty="0" err="1">
+                <a:effectLst/>
+              </a:rPr>
+              <a:t>sustava</a:t>
+            </a:r>
+            <a:endParaRPr lang="en-GB" sz="2400" dirty="0">
+              <a:effectLst/>
+            </a:endParaRPr>
+          </a:p>
+          <a:p>
+            <a:pPr>
+              <a:buFont typeface="Arial" panose="020B0604020202020204" pitchFamily="34" charset="0"/>
+              <a:buChar char="•"/>
+            </a:pPr>
+            <a:r>
+              <a:rPr lang="en-GB" sz="2400" dirty="0" err="1"/>
+              <a:t>t</a:t>
+            </a:r>
+            <a:r>
+              <a:rPr lang="en-GB" sz="2400" dirty="0" err="1">
+                <a:effectLst/>
+              </a:rPr>
+              <a:t>estiranje</a:t>
+            </a:r>
+            <a:r>
+              <a:rPr lang="en-GB" sz="2400" dirty="0">
+                <a:effectLst/>
+              </a:rPr>
               <a:t> </a:t>
             </a:r>
             <a:r>
-              <a:rPr lang="en-US" sz="2400" dirty="0" err="1"/>
-              <a:t>ispitivanja</a:t>
-            </a:r>
-            <a:endParaRPr lang="en-US" sz="2400" dirty="0"/>
+              <a:rPr lang="en-GB" sz="2400" dirty="0" err="1">
+                <a:effectLst/>
+              </a:rPr>
+              <a:t>svih</a:t>
+            </a:r>
+            <a:r>
+              <a:rPr lang="en-GB" sz="2400" dirty="0">
+                <a:effectLst/>
+              </a:rPr>
+              <a:t> </a:t>
+            </a:r>
+            <a:r>
+              <a:rPr lang="en-GB" sz="2400" dirty="0" err="1">
+                <a:effectLst/>
+              </a:rPr>
+              <a:t>dijelova</a:t>
+            </a:r>
+            <a:r>
+              <a:rPr lang="en-GB" sz="2400" dirty="0">
+                <a:effectLst/>
+              </a:rPr>
+              <a:t> </a:t>
+            </a:r>
+            <a:r>
+              <a:rPr lang="en-GB" sz="2400" dirty="0" err="1">
+                <a:effectLst/>
+              </a:rPr>
+              <a:t>sustava</a:t>
+            </a:r>
+            <a:endParaRPr lang="en-GB" sz="2400" dirty="0">
+              <a:effectLst/>
+            </a:endParaRPr>
+          </a:p>
+          <a:p>
+            <a:pPr lvl="1"/>
+            <a:r>
+              <a:rPr lang="en-GB" sz="1800" dirty="0" err="1">
+                <a:effectLst/>
+              </a:rPr>
+              <a:t>provjere</a:t>
+            </a:r>
+            <a:r>
+              <a:rPr lang="en-GB" sz="1800" dirty="0">
+                <a:effectLst/>
+              </a:rPr>
+              <a:t> </a:t>
+            </a:r>
+            <a:r>
+              <a:rPr lang="en-GB" sz="1800" dirty="0" err="1">
+                <a:effectLst/>
+              </a:rPr>
+              <a:t>funkcionalnosti</a:t>
+            </a:r>
+            <a:r>
+              <a:rPr lang="en-GB" sz="1800" dirty="0">
+                <a:effectLst/>
+              </a:rPr>
+              <a:t>, </a:t>
+            </a:r>
+            <a:r>
+              <a:rPr lang="en-GB" sz="1800" dirty="0" err="1">
+                <a:effectLst/>
+              </a:rPr>
+              <a:t>registracije</a:t>
+            </a:r>
+            <a:r>
+              <a:rPr lang="en-GB" sz="1800" dirty="0">
+                <a:effectLst/>
+              </a:rPr>
+              <a:t>/</a:t>
+            </a:r>
+            <a:r>
+              <a:rPr lang="en-GB" sz="1800" dirty="0" err="1">
+                <a:effectLst/>
+              </a:rPr>
+              <a:t>prijave</a:t>
+            </a:r>
+            <a:r>
+              <a:rPr lang="en-GB" sz="1800" dirty="0"/>
+              <a:t>/</a:t>
+            </a:r>
+            <a:r>
+              <a:rPr lang="en-GB" sz="1800" dirty="0" err="1"/>
+              <a:t>odjave</a:t>
+            </a:r>
+            <a:endParaRPr lang="en-GB" sz="1800" dirty="0"/>
+          </a:p>
+          <a:p>
+            <a:pPr lvl="1"/>
+            <a:r>
+              <a:rPr lang="en-GB" sz="1800" dirty="0" err="1">
+                <a:effectLst/>
+              </a:rPr>
+              <a:t>provjera</a:t>
+            </a:r>
+            <a:r>
+              <a:rPr lang="en-GB" sz="1800" dirty="0">
+                <a:effectLst/>
+              </a:rPr>
+              <a:t> </a:t>
+            </a:r>
+            <a:r>
+              <a:rPr lang="en-GB" sz="1800" dirty="0" err="1">
+                <a:effectLst/>
+              </a:rPr>
+              <a:t>sigurnosti</a:t>
+            </a:r>
+            <a:r>
+              <a:rPr lang="en-GB" sz="1800" dirty="0">
+                <a:effectLst/>
+              </a:rPr>
+              <a:t> </a:t>
+            </a:r>
+            <a:r>
+              <a:rPr lang="en-GB" sz="1800" dirty="0" err="1">
+                <a:effectLst/>
+              </a:rPr>
+              <a:t>i</a:t>
+            </a:r>
+            <a:r>
+              <a:rPr lang="en-GB" sz="1800" dirty="0">
+                <a:effectLst/>
+              </a:rPr>
+              <a:t> </a:t>
+            </a:r>
+            <a:r>
+              <a:rPr lang="en-GB" sz="1800" dirty="0" err="1">
+                <a:effectLst/>
+              </a:rPr>
+              <a:t>otpornosti</a:t>
+            </a:r>
+            <a:r>
+              <a:rPr lang="en-GB" sz="1800" dirty="0">
+                <a:effectLst/>
+              </a:rPr>
+              <a:t> </a:t>
+            </a:r>
+            <a:r>
+              <a:rPr lang="en-GB" sz="1800" dirty="0" err="1">
+                <a:effectLst/>
+              </a:rPr>
+              <a:t>na</a:t>
+            </a:r>
+            <a:r>
+              <a:rPr lang="en-GB" sz="1800" dirty="0">
+                <a:effectLst/>
+              </a:rPr>
+              <a:t> </a:t>
+            </a:r>
+            <a:r>
+              <a:rPr lang="en-GB" sz="1800" dirty="0" err="1">
+                <a:effectLst/>
+              </a:rPr>
+              <a:t>greške</a:t>
+            </a:r>
+            <a:endParaRPr lang="en-GB" sz="1800" dirty="0">
+              <a:effectLst/>
+            </a:endParaRPr>
+          </a:p>
+          <a:p>
+            <a:pPr>
+              <a:buFont typeface="Arial" panose="020B0604020202020204" pitchFamily="34" charset="0"/>
+              <a:buChar char="•"/>
+            </a:pPr>
+            <a:r>
+              <a:rPr lang="en-GB" sz="2400" dirty="0" err="1"/>
+              <a:t>a</a:t>
+            </a:r>
+            <a:r>
+              <a:rPr lang="en-GB" sz="2400" dirty="0" err="1">
+                <a:effectLst/>
+              </a:rPr>
+              <a:t>utomatizacija</a:t>
+            </a:r>
+            <a:r>
+              <a:rPr lang="en-GB" sz="2400" dirty="0">
+                <a:effectLst/>
+              </a:rPr>
+              <a:t> </a:t>
+            </a:r>
+            <a:r>
+              <a:rPr lang="en-GB" sz="2400" dirty="0" err="1">
+                <a:effectLst/>
+              </a:rPr>
+              <a:t>testova</a:t>
+            </a:r>
+            <a:r>
+              <a:rPr lang="en-GB" sz="2400" dirty="0">
+                <a:effectLst/>
+              </a:rPr>
+              <a:t> </a:t>
+            </a:r>
+            <a:r>
+              <a:rPr lang="en-GB" sz="2400" dirty="0" err="1">
+                <a:effectLst/>
+              </a:rPr>
+              <a:t>zaobilazi</a:t>
+            </a:r>
+            <a:r>
+              <a:rPr lang="en-GB" sz="2400" dirty="0">
+                <a:effectLst/>
+              </a:rPr>
+              <a:t> CAPTCHA-u</a:t>
+            </a:r>
+          </a:p>
+          <a:p>
+            <a:pPr>
+              <a:buFont typeface="Arial" panose="020B0604020202020204" pitchFamily="34" charset="0"/>
+              <a:buChar char="•"/>
+            </a:pPr>
+            <a:r>
+              <a:rPr lang="en-GB" sz="2400" dirty="0" err="1"/>
+              <a:t>t</a:t>
+            </a:r>
+            <a:r>
+              <a:rPr lang="en-GB" sz="2400" dirty="0" err="1">
+                <a:effectLst/>
+              </a:rPr>
+              <a:t>estiranje</a:t>
+            </a:r>
+            <a:r>
+              <a:rPr lang="en-GB" sz="2400" dirty="0">
+                <a:effectLst/>
+              </a:rPr>
+              <a:t> </a:t>
+            </a:r>
+            <a:r>
+              <a:rPr lang="en-GB" sz="2400" dirty="0" err="1">
+                <a:effectLst/>
+              </a:rPr>
+              <a:t>realnih</a:t>
+            </a:r>
+            <a:r>
+              <a:rPr lang="en-GB" sz="2400" dirty="0">
+                <a:effectLst/>
+              </a:rPr>
+              <a:t> </a:t>
+            </a:r>
+            <a:r>
+              <a:rPr lang="en-GB" sz="2400" dirty="0" err="1">
+                <a:effectLst/>
+              </a:rPr>
+              <a:t>i</a:t>
+            </a:r>
+            <a:r>
+              <a:rPr lang="en-GB" sz="2400" dirty="0">
+                <a:effectLst/>
+              </a:rPr>
+              <a:t> </a:t>
+            </a:r>
+            <a:r>
+              <a:rPr lang="en-GB" sz="2400" dirty="0" err="1">
+                <a:effectLst/>
+              </a:rPr>
+              <a:t>rubnih</a:t>
+            </a:r>
+            <a:r>
+              <a:rPr lang="en-GB" sz="2400" dirty="0">
+                <a:effectLst/>
+              </a:rPr>
+              <a:t> </a:t>
+            </a:r>
+            <a:r>
+              <a:rPr lang="en-GB" sz="2400" dirty="0" err="1">
+                <a:effectLst/>
+              </a:rPr>
+              <a:t>uvjeta</a:t>
+            </a:r>
+            <a:endParaRPr lang="en-GB" sz="2400" dirty="0">
+              <a:effectLst/>
+            </a:endParaRPr>
+          </a:p>
+          <a:p>
+            <a:pPr lvl="1"/>
+            <a:r>
+              <a:rPr lang="en-GB" sz="1800" dirty="0" err="1"/>
+              <a:t>ponašanje</a:t>
+            </a:r>
+            <a:r>
+              <a:rPr lang="en-GB" sz="1800" dirty="0"/>
+              <a:t> </a:t>
+            </a:r>
+            <a:r>
+              <a:rPr lang="en-GB" sz="1800" dirty="0" err="1"/>
+              <a:t>sustava</a:t>
+            </a:r>
+            <a:r>
+              <a:rPr lang="en-GB" sz="1800" dirty="0"/>
+              <a:t>, </a:t>
+            </a:r>
+            <a:r>
+              <a:rPr lang="en-GB" sz="1800" dirty="0" err="1"/>
+              <a:t>neočekivani</a:t>
+            </a:r>
+            <a:r>
+              <a:rPr lang="en-GB" sz="1800" dirty="0"/>
+              <a:t>  </a:t>
+            </a:r>
+            <a:r>
+              <a:rPr lang="en-GB" sz="1800" dirty="0" err="1"/>
+              <a:t>i</a:t>
+            </a:r>
+            <a:r>
+              <a:rPr lang="en-GB" sz="1800" dirty="0"/>
+              <a:t> </a:t>
+            </a:r>
+            <a:r>
+              <a:rPr lang="en-GB" sz="1800" dirty="0" err="1"/>
+              <a:t>nevaljani</a:t>
+            </a:r>
+            <a:r>
+              <a:rPr lang="en-GB" sz="1800" dirty="0"/>
+              <a:t> </a:t>
+            </a:r>
+            <a:r>
+              <a:rPr lang="en-GB" sz="1800" dirty="0" err="1"/>
+              <a:t>ulazi</a:t>
+            </a:r>
+            <a:r>
+              <a:rPr lang="en-GB" sz="1800" dirty="0"/>
+              <a:t>/</a:t>
+            </a:r>
+            <a:r>
+              <a:rPr lang="en-GB" sz="1800" dirty="0" err="1"/>
+              <a:t>izlazi</a:t>
+            </a:r>
+            <a:endParaRPr lang="en-GB" sz="1800" dirty="0">
+              <a:effectLst/>
+            </a:endParaRPr>
           </a:p>
           <a:p>
             <a:pPr marL="457200" lvl="1" indent="0">
@@ -6714,6 +7651,78 @@
           </a:p>
         </p:txBody>
       </p:sp>
+      <p:pic>
+        <p:nvPicPr>
+          <p:cNvPr id="6" name="Picture 5" descr="A screenshot of a computer&#10;&#10;Description automatically generated">
+            <a:extLst>
+              <a:ext uri="{FF2B5EF4-FFF2-40B4-BE49-F238E27FC236}">
+                <a16:creationId xmlns:a16="http://schemas.microsoft.com/office/drawing/2014/main" id="{4D6B2E63-AA34-332B-4B8B-3CC49F1135F8}"/>
+              </a:ext>
+            </a:extLst>
+          </p:cNvPr>
+          <p:cNvPicPr>
+            <a:picLocks noChangeAspect="1"/>
+          </p:cNvPicPr>
+          <p:nvPr/>
+        </p:nvPicPr>
+        <p:blipFill>
+          <a:blip r:embed="rId2">
+            <a:extLst>
+              <a:ext uri="{28A0092B-C50C-407E-A947-70E740481C1C}">
+                <a14:useLocalDpi xmlns:a14="http://schemas.microsoft.com/office/drawing/2010/main" val="0"/>
+              </a:ext>
+            </a:extLst>
+          </a:blip>
+          <a:stretch>
+            <a:fillRect/>
+          </a:stretch>
+        </p:blipFill>
+        <p:spPr>
+          <a:xfrm>
+            <a:off x="6644986" y="1757679"/>
+            <a:ext cx="2273300" cy="1447800"/>
+          </a:xfrm>
+          <a:prstGeom prst="rect">
+            <a:avLst/>
+          </a:prstGeom>
+        </p:spPr>
+      </p:pic>
+      <p:pic>
+        <p:nvPicPr>
+          <p:cNvPr id="8" name="Picture 7" descr="A screenshot of a computer&#10;&#10;Description automatically generated">
+            <a:extLst>
+              <a:ext uri="{FF2B5EF4-FFF2-40B4-BE49-F238E27FC236}">
+                <a16:creationId xmlns:a16="http://schemas.microsoft.com/office/drawing/2014/main" id="{0EE77E9F-ECB7-4792-1846-BEDFB0133945}"/>
+              </a:ext>
+            </a:extLst>
+          </p:cNvPr>
+          <p:cNvPicPr>
+            <a:picLocks noChangeAspect="1"/>
+          </p:cNvPicPr>
+          <p:nvPr/>
+        </p:nvPicPr>
+        <p:blipFill>
+          <a:blip r:embed="rId3">
+            <a:extLst>
+              <a:ext uri="{28A0092B-C50C-407E-A947-70E740481C1C}">
+                <a14:useLocalDpi xmlns:a14="http://schemas.microsoft.com/office/drawing/2010/main" val="0"/>
+              </a:ext>
+            </a:extLst>
+          </a:blip>
+          <a:stretch>
+            <a:fillRect/>
+          </a:stretch>
+        </p:blipFill>
+        <p:spPr>
+          <a:xfrm>
+            <a:off x="2489776" y="5100321"/>
+            <a:ext cx="4155210" cy="1757677"/>
+          </a:xfrm>
+          <a:prstGeom prst="rect">
+            <a:avLst/>
+          </a:prstGeom>
+        </p:spPr>
+      </p:pic>
     </p:spTree>
     <p:extLst>
       <p:ext uri="{BB962C8B-B14F-4D97-AF65-F5344CB8AC3E}">
@@ -6800,22 +7809,56 @@
               </a:lnSpc>
             </a:pPr>
             <a:r>
-              <a:rPr lang="hr-HR" sz="2000" dirty="0"/>
-              <a:t>Naznačiti što je korišteno za </a:t>
-            </a:r>
-            <a:r>
-              <a:rPr lang="hr-HR" sz="2000" dirty="0" err="1"/>
-              <a:t>frontend</a:t>
-            </a:r>
-            <a:r>
-              <a:rPr lang="hr-HR" sz="2000" dirty="0"/>
-              <a:t> a što za </a:t>
-            </a:r>
-            <a:r>
-              <a:rPr lang="hr-HR" sz="2000" dirty="0" err="1"/>
-              <a:t>backend</a:t>
+              <a:rPr lang="en-US" sz="2000" dirty="0"/>
+              <a:t>frontend: JavaScript, </a:t>
+            </a:r>
+            <a:r>
+              <a:rPr lang="en-US" sz="2000" dirty="0" err="1"/>
+              <a:t>React.js</a:t>
+            </a:r>
+            <a:r>
+              <a:rPr lang="en-US" sz="2000" dirty="0"/>
+              <a:t>, </a:t>
+            </a:r>
+            <a:r>
+              <a:rPr lang="en-US" sz="2000" dirty="0" err="1"/>
+              <a:t>Express.js</a:t>
             </a:r>
             <a:endParaRPr lang="en-US" sz="2000" dirty="0"/>
+          </a:p>
+          <a:p>
+            <a:pPr lvl="1">
+              <a:lnSpc>
+                <a:spcPct val="100000"/>
+              </a:lnSpc>
+            </a:pPr>
+            <a:r>
+              <a:rPr lang="en-US" sz="2000" dirty="0"/>
+              <a:t>backend: Java - Spring Boot, Spring Data JPA, Docker</a:t>
+            </a:r>
+          </a:p>
+          <a:p>
+            <a:pPr lvl="1">
+              <a:lnSpc>
+                <a:spcPct val="100000"/>
+              </a:lnSpc>
+            </a:pPr>
+            <a:r>
+              <a:rPr lang="en-US" sz="2000" dirty="0" err="1"/>
+              <a:t>baza</a:t>
+            </a:r>
+            <a:r>
+              <a:rPr lang="en-US" sz="2000" dirty="0"/>
+              <a:t> </a:t>
+            </a:r>
+            <a:r>
+              <a:rPr lang="en-US" sz="2000" dirty="0" err="1"/>
+              <a:t>podataka</a:t>
+            </a:r>
+            <a:r>
+              <a:rPr lang="en-US" sz="2000" dirty="0"/>
+              <a:t>: PostgreSQL</a:t>
+            </a:r>
           </a:p>
           <a:p>
             <a:pPr marL="457200" lvl="1" indent="0">
@@ -6834,8 +7877,56 @@
             </a:pPr>
             <a:r>
               <a:rPr lang="hr-HR" sz="2400" dirty="0"/>
-              <a:t>Popis korištenih alata (za izradu programske podrške, dokumentacije, komunikaciju i upravljanje)</a:t>
-            </a:r>
+              <a:t>komunikacija – </a:t>
+            </a:r>
+            <a:r>
+              <a:rPr lang="hr-HR" sz="2400" dirty="0" err="1"/>
+              <a:t>Discord</a:t>
+            </a:r>
+            <a:r>
+              <a:rPr lang="hr-HR" sz="2400" dirty="0"/>
+              <a:t>, WhatsApp</a:t>
+            </a:r>
+          </a:p>
+          <a:p>
+            <a:pPr>
+              <a:lnSpc>
+                <a:spcPct val="100000"/>
+              </a:lnSpc>
+            </a:pPr>
+            <a:r>
+              <a:rPr lang="hr-HR" sz="2400" dirty="0"/>
+              <a:t>dokumentacija – </a:t>
+            </a:r>
+            <a:r>
+              <a:rPr lang="hr-HR" sz="2400" dirty="0" err="1"/>
+              <a:t>LaTeX</a:t>
+            </a:r>
+            <a:r>
+              <a:rPr lang="hr-HR" sz="2400" dirty="0"/>
+              <a:t>, </a:t>
+            </a:r>
+            <a:r>
+              <a:rPr lang="hr-HR" sz="2400" dirty="0" err="1"/>
+              <a:t>texstudio</a:t>
+            </a:r>
+            <a:endParaRPr lang="hr-HR" sz="2400" dirty="0"/>
+          </a:p>
+          <a:p>
+            <a:pPr>
+              <a:lnSpc>
+                <a:spcPct val="100000"/>
+              </a:lnSpc>
+            </a:pPr>
+            <a:r>
+              <a:rPr lang="hr-HR" sz="2400" dirty="0"/>
+              <a:t>izrada UML dijagrama – </a:t>
+            </a:r>
+            <a:r>
+              <a:rPr lang="hr-HR" sz="2400" dirty="0" err="1"/>
+              <a:t>AstahUML</a:t>
+            </a:r>
+            <a:endParaRPr lang="hr-HR" sz="2400" dirty="0"/>
           </a:p>
           <a:p>
             <a:pPr marL="457200" lvl="1" indent="0">
@@ -6871,6 +7962,113 @@
           </a:p>
         </p:txBody>
       </p:sp>
+      <p:pic>
+        <p:nvPicPr>
+          <p:cNvPr id="6" name="Picture 5" descr="A blue and black logo&#10;&#10;Description automatically generated">
+            <a:extLst>
+              <a:ext uri="{FF2B5EF4-FFF2-40B4-BE49-F238E27FC236}">
+                <a16:creationId xmlns:a16="http://schemas.microsoft.com/office/drawing/2014/main" id="{1A7298E1-0A27-86BC-D7E5-749D48A8E97E}"/>
+              </a:ext>
+            </a:extLst>
+          </p:cNvPr>
+          <p:cNvPicPr>
+            <a:picLocks noChangeAspect="1"/>
+          </p:cNvPicPr>
+          <p:nvPr/>
+        </p:nvPicPr>
+        <p:blipFill rotWithShape="1">
+          <a:blip r:embed="rId2">
+            <a:extLst>
+              <a:ext uri="{28A0092B-C50C-407E-A947-70E740481C1C}">
+                <a14:useLocalDpi xmlns:a14="http://schemas.microsoft.com/office/drawing/2010/main" val="0"/>
+              </a:ext>
+            </a:extLst>
+          </a:blip>
+          <a:srcRect l="26427" t="17161" r="28992" b="16848"/>
+          <a:stretch/>
+        </p:blipFill>
+        <p:spPr>
+          <a:xfrm>
+            <a:off x="7406659" y="1505950"/>
+            <a:ext cx="1544285" cy="1676387"/>
+          </a:xfrm>
+          <a:prstGeom prst="rect">
+            <a:avLst/>
+          </a:prstGeom>
+        </p:spPr>
+      </p:pic>
+      <p:pic>
+        <p:nvPicPr>
+          <p:cNvPr id="8" name="Picture 7" descr="A logo of a coffee cup&#10;&#10;Description automatically generated">
+            <a:extLst>
+              <a:ext uri="{FF2B5EF4-FFF2-40B4-BE49-F238E27FC236}">
+                <a16:creationId xmlns:a16="http://schemas.microsoft.com/office/drawing/2014/main" id="{3A7C1F28-1BAF-A3FE-538D-A22EC8CE031F}"/>
+              </a:ext>
+            </a:extLst>
+          </p:cNvPr>
+          <p:cNvPicPr>
+            <a:picLocks noChangeAspect="1"/>
+          </p:cNvPicPr>
+          <p:nvPr/>
+        </p:nvPicPr>
+        <p:blipFill>
+          <a:blip r:embed="rId3">
+            <a:extLst>
+              <a:ext uri="{28A0092B-C50C-407E-A947-70E740481C1C}">
+                <a14:useLocalDpi xmlns:a14="http://schemas.microsoft.com/office/drawing/2010/main" val="0"/>
+              </a:ext>
+            </a:extLst>
+          </a:blip>
+          <a:stretch>
+            <a:fillRect/>
+          </a:stretch>
+        </p:blipFill>
+        <p:spPr>
+          <a:xfrm>
+            <a:off x="994172" y="4962339"/>
+            <a:ext cx="2618614" cy="1472970"/>
+          </a:xfrm>
+          <a:prstGeom prst="rect">
+            <a:avLst/>
+          </a:prstGeom>
+        </p:spPr>
+      </p:pic>
+      <p:pic>
+        <p:nvPicPr>
+          <p:cNvPr id="14" name="Picture 13" descr="A green text on a black background&#10;&#10;Description automatically generated">
+            <a:extLst>
+              <a:ext uri="{FF2B5EF4-FFF2-40B4-BE49-F238E27FC236}">
+                <a16:creationId xmlns:a16="http://schemas.microsoft.com/office/drawing/2014/main" id="{6AFCBEFD-6265-ECAC-7518-C96A88D41204}"/>
+              </a:ext>
+            </a:extLst>
+          </p:cNvPr>
+          <p:cNvPicPr>
+            <a:picLocks noChangeAspect="1"/>
+          </p:cNvPicPr>
+          <p:nvPr/>
+        </p:nvPicPr>
+        <p:blipFill>
+          <a:blip r:embed="rId4">
+            <a:extLst>
+              <a:ext uri="{28A0092B-C50C-407E-A947-70E740481C1C}">
+                <a14:useLocalDpi xmlns:a14="http://schemas.microsoft.com/office/drawing/2010/main" val="0"/>
+              </a:ext>
+            </a:extLst>
+          </a:blip>
+          <a:stretch>
+            <a:fillRect/>
+          </a:stretch>
+        </p:blipFill>
+        <p:spPr>
+          <a:xfrm>
+            <a:off x="3676554" y="5265590"/>
+            <a:ext cx="3371062" cy="866468"/>
+          </a:xfrm>
+          <a:prstGeom prst="rect">
+            <a:avLst/>
+          </a:prstGeom>
+        </p:spPr>
+      </p:pic>
     </p:spTree>
     <p:extLst>
       <p:ext uri="{BB962C8B-B14F-4D97-AF65-F5344CB8AC3E}">

--- a/PROGI_2023_Posterized_prezentacija.pptx
+++ b/PROGI_2023_Posterized_prezentacija.pptx
@@ -5120,31 +5120,105 @@
           <a:bodyPr/>
           <a:lstStyle/>
           <a:p>
-            <a:r>
-              <a:rPr lang="hr-HR" dirty="0"/>
-              <a:t>Što je bilo dobro, a što je moglo bolje</a:t>
-            </a:r>
-          </a:p>
-          <a:p>
-            <a:pPr lvl="1"/>
-            <a:r>
-              <a:rPr lang="hr-HR" dirty="0"/>
-              <a:t>A što se nikako ne bi smjelo ponoviti </a:t>
-            </a:r>
-            <a:r>
-              <a:rPr lang="hr-HR" dirty="0">
+            <a:pPr lvl="1">
+              <a:lnSpc>
+                <a:spcPct val="150000"/>
+              </a:lnSpc>
+            </a:pPr>
+            <a:r>
+              <a:rPr lang="hr-HR" sz="2400" dirty="0">
                 <a:sym typeface="Wingdings" panose="05000000000000000000" pitchFamily="2" charset="2"/>
               </a:rPr>
-              <a:t></a:t>
+              <a:t>naučene nove tehnologije u procesu razvoja softvera</a:t>
+            </a:r>
+          </a:p>
+          <a:p>
+            <a:pPr lvl="1">
+              <a:lnSpc>
+                <a:spcPct val="150000"/>
+              </a:lnSpc>
+            </a:pPr>
+            <a:r>
+              <a:rPr lang="hr-HR" sz="2400" dirty="0">
+                <a:sym typeface="Wingdings" panose="05000000000000000000" pitchFamily="2" charset="2"/>
+              </a:rPr>
+              <a:t>podjela na </a:t>
+            </a:r>
+            <a:r>
+              <a:rPr lang="hr-HR" sz="2400" dirty="0" err="1">
+                <a:sym typeface="Wingdings" panose="05000000000000000000" pitchFamily="2" charset="2"/>
+              </a:rPr>
+              <a:t>backend</a:t>
+            </a:r>
+            <a:r>
+              <a:rPr lang="hr-HR" sz="2400" dirty="0">
+                <a:sym typeface="Wingdings" panose="05000000000000000000" pitchFamily="2" charset="2"/>
+              </a:rPr>
+              <a:t> i </a:t>
+            </a:r>
+            <a:r>
+              <a:rPr lang="hr-HR" sz="2400" dirty="0" err="1">
+                <a:sym typeface="Wingdings" panose="05000000000000000000" pitchFamily="2" charset="2"/>
+              </a:rPr>
+              <a:t>frontend</a:t>
+            </a:r>
+            <a:r>
+              <a:rPr lang="hr-HR" sz="2400" dirty="0">
+                <a:sym typeface="Wingdings" panose="05000000000000000000" pitchFamily="2" charset="2"/>
+              </a:rPr>
+              <a:t> te uspješna suradnja</a:t>
+            </a:r>
+          </a:p>
+          <a:p>
+            <a:pPr lvl="1">
+              <a:lnSpc>
+                <a:spcPct val="150000"/>
+              </a:lnSpc>
+            </a:pPr>
+            <a:r>
+              <a:rPr lang="hr-HR" sz="2400" dirty="0"/>
+              <a:t>dokumentiranje uz proces razvoja</a:t>
+            </a:r>
+          </a:p>
+          <a:p>
+            <a:pPr lvl="1">
+              <a:lnSpc>
+                <a:spcPct val="150000"/>
+              </a:lnSpc>
+            </a:pPr>
+            <a:r>
+              <a:rPr lang="hr-HR" sz="2400" dirty="0"/>
+              <a:t>osjet timskog rada </a:t>
+            </a:r>
+          </a:p>
+          <a:p>
+            <a:pPr lvl="1">
+              <a:lnSpc>
+                <a:spcPct val="150000"/>
+              </a:lnSpc>
+            </a:pPr>
+            <a:r>
+              <a:rPr lang="hr-HR" sz="2400" dirty="0"/>
+              <a:t>kada nastane problem -&gt; konzultirati se s kolegama</a:t>
             </a:r>
           </a:p>
           <a:p>
             <a:pPr lvl="1"/>
-            <a:endParaRPr lang="hr-HR" dirty="0">
-              <a:sym typeface="Wingdings" panose="05000000000000000000" pitchFamily="2" charset="2"/>
-            </a:endParaRPr>
-          </a:p>
-          <a:p>
+            <a:endParaRPr lang="hr-HR" sz="2400" dirty="0"/>
+          </a:p>
+          <a:p>
+            <a:pPr lvl="1"/>
+            <a:r>
+              <a:rPr lang="hr-HR" sz="2400" b="1" dirty="0"/>
+              <a:t>najvažnija lekcija: </a:t>
+            </a:r>
+            <a:r>
+              <a:rPr lang="hr-HR" sz="2400" dirty="0"/>
+              <a:t>treba konzistentno raditi na komunikaciji</a:t>
+            </a:r>
+          </a:p>
+          <a:p>
+            <a:pPr lvl="1"/>
             <a:endParaRPr lang="hr-HR" dirty="0"/>
           </a:p>
         </p:txBody>

--- a/PROGI_2023_Posterized_prezentacija.pptx
+++ b/PROGI_2023_Posterized_prezentacija.pptx
@@ -5,7 +5,7 @@
     <p:sldMasterId id="2147483687" r:id="rId1"/>
   </p:sldMasterIdLst>
   <p:notesMasterIdLst>
-    <p:notesMasterId r:id="rId15"/>
+    <p:notesMasterId r:id="rId17"/>
   </p:notesMasterIdLst>
   <p:sldIdLst>
     <p:sldId id="256" r:id="rId2"/>
@@ -15,12 +15,14 @@
     <p:sldId id="259" r:id="rId6"/>
     <p:sldId id="267" r:id="rId7"/>
     <p:sldId id="261" r:id="rId8"/>
-    <p:sldId id="266" r:id="rId9"/>
-    <p:sldId id="260" r:id="rId10"/>
-    <p:sldId id="262" r:id="rId11"/>
-    <p:sldId id="263" r:id="rId12"/>
-    <p:sldId id="268" r:id="rId13"/>
-    <p:sldId id="264" r:id="rId14"/>
+    <p:sldId id="271" r:id="rId9"/>
+    <p:sldId id="269" r:id="rId10"/>
+    <p:sldId id="270" r:id="rId11"/>
+    <p:sldId id="266" r:id="rId12"/>
+    <p:sldId id="260" r:id="rId13"/>
+    <p:sldId id="262" r:id="rId14"/>
+    <p:sldId id="263" r:id="rId15"/>
+    <p:sldId id="268" r:id="rId16"/>
   </p:sldIdLst>
   <p:sldSz cx="9144000" cy="6858000" type="screen4x3"/>
   <p:notesSz cx="6858000" cy="9144000"/>
@@ -4679,6 +4681,1285 @@
   <p:cSld>
     <p:spTree>
       <p:nvGrpSpPr>
+        <p:cNvPr id="1" name="">
+          <a:extLst>
+            <a:ext uri="{FF2B5EF4-FFF2-40B4-BE49-F238E27FC236}">
+              <a16:creationId xmlns:a16="http://schemas.microsoft.com/office/drawing/2014/main" id="{CFEE93D8-C95B-6B50-7567-9B6F5019C8A4}"/>
+            </a:ext>
+          </a:extLst>
+        </p:cNvPr>
+        <p:cNvGrpSpPr/>
+        <p:nvPr/>
+      </p:nvGrpSpPr>
+      <p:grpSpPr>
+        <a:xfrm>
+          <a:off x="0" y="0"/>
+          <a:ext cx="0" cy="0"/>
+          <a:chOff x="0" y="0"/>
+          <a:chExt cx="0" cy="0"/>
+        </a:xfrm>
+      </p:grpSpPr>
+      <p:sp>
+        <p:nvSpPr>
+          <p:cNvPr id="2" name="Title 1">
+            <a:extLst>
+              <a:ext uri="{FF2B5EF4-FFF2-40B4-BE49-F238E27FC236}">
+                <a16:creationId xmlns:a16="http://schemas.microsoft.com/office/drawing/2014/main" id="{8AC89D49-4500-AA5C-23C9-3900779C1436}"/>
+              </a:ext>
+            </a:extLst>
+          </p:cNvPr>
+          <p:cNvSpPr>
+            <a:spLocks noGrp="1"/>
+          </p:cNvSpPr>
+          <p:nvPr>
+            <p:ph type="title"/>
+          </p:nvPr>
+        </p:nvSpPr>
+        <p:spPr/>
+        <p:txBody>
+          <a:bodyPr/>
+          <a:lstStyle/>
+          <a:p>
+            <a:r>
+              <a:rPr lang="hr-HR" dirty="0"/>
+              <a:t>Arhitektura sustava</a:t>
+            </a:r>
+          </a:p>
+        </p:txBody>
+      </p:sp>
+      <p:sp>
+        <p:nvSpPr>
+          <p:cNvPr id="3" name="Content Placeholder 2">
+            <a:extLst>
+              <a:ext uri="{FF2B5EF4-FFF2-40B4-BE49-F238E27FC236}">
+                <a16:creationId xmlns:a16="http://schemas.microsoft.com/office/drawing/2014/main" id="{D5C0EF87-A7D1-524C-F106-E1FF8C4BF3DC}"/>
+              </a:ext>
+            </a:extLst>
+          </p:cNvPr>
+          <p:cNvSpPr>
+            <a:spLocks noGrp="1"/>
+          </p:cNvSpPr>
+          <p:nvPr>
+            <p:ph idx="1"/>
+          </p:nvPr>
+        </p:nvSpPr>
+        <p:spPr/>
+        <p:txBody>
+          <a:bodyPr>
+            <a:normAutofit/>
+          </a:bodyPr>
+          <a:lstStyle/>
+          <a:p>
+            <a:pPr>
+              <a:lnSpc>
+                <a:spcPct val="100000"/>
+              </a:lnSpc>
+            </a:pPr>
+            <a:r>
+              <a:rPr lang="en-US" sz="2400" dirty="0" err="1"/>
+              <a:t>korisničko</a:t>
+            </a:r>
+            <a:r>
+              <a:rPr lang="en-US" sz="2400" dirty="0"/>
+              <a:t> </a:t>
+            </a:r>
+            <a:r>
+              <a:rPr lang="en-US" sz="2400" dirty="0" err="1"/>
+              <a:t>računalo</a:t>
+            </a:r>
+            <a:endParaRPr lang="en-US" sz="2400" dirty="0"/>
+          </a:p>
+          <a:p>
+            <a:pPr>
+              <a:lnSpc>
+                <a:spcPct val="100000"/>
+              </a:lnSpc>
+            </a:pPr>
+            <a:r>
+              <a:rPr lang="en-US" sz="2400" dirty="0"/>
+              <a:t>HTTP</a:t>
+            </a:r>
+          </a:p>
+          <a:p>
+            <a:pPr>
+              <a:lnSpc>
+                <a:spcPct val="100000"/>
+              </a:lnSpc>
+            </a:pPr>
+            <a:r>
+              <a:rPr lang="en-US" sz="2400" dirty="0"/>
+              <a:t>2 </a:t>
+            </a:r>
+            <a:r>
+              <a:rPr lang="en-US" sz="2400" dirty="0" err="1"/>
+              <a:t>poslužiteljska</a:t>
+            </a:r>
+            <a:r>
+              <a:rPr lang="en-US" sz="2400" dirty="0"/>
+              <a:t> </a:t>
+            </a:r>
+            <a:r>
+              <a:rPr lang="en-US" sz="2400" dirty="0" err="1"/>
+              <a:t>računala</a:t>
+            </a:r>
+            <a:r>
+              <a:rPr lang="en-US" sz="2400" dirty="0"/>
+              <a:t>, za backend </a:t>
+            </a:r>
+            <a:r>
+              <a:rPr lang="en-US" sz="2400" dirty="0" err="1"/>
+              <a:t>i</a:t>
+            </a:r>
+            <a:r>
+              <a:rPr lang="en-US" sz="2400" dirty="0"/>
+              <a:t> za </a:t>
+            </a:r>
+            <a:r>
+              <a:rPr lang="en-US" sz="2400" dirty="0" err="1"/>
+              <a:t>bazu</a:t>
+            </a:r>
+            <a:r>
+              <a:rPr lang="en-US" sz="2400" dirty="0"/>
+              <a:t> (Frankfurt)</a:t>
+            </a:r>
+            <a:endParaRPr lang="hr-HR" sz="1800" dirty="0"/>
+          </a:p>
+        </p:txBody>
+      </p:sp>
+      <p:sp>
+        <p:nvSpPr>
+          <p:cNvPr id="4" name="Slide Number Placeholder 3">
+            <a:extLst>
+              <a:ext uri="{FF2B5EF4-FFF2-40B4-BE49-F238E27FC236}">
+                <a16:creationId xmlns:a16="http://schemas.microsoft.com/office/drawing/2014/main" id="{6CA01260-6EF8-69F7-9CC2-84659353C32B}"/>
+              </a:ext>
+            </a:extLst>
+          </p:cNvPr>
+          <p:cNvSpPr>
+            <a:spLocks noGrp="1"/>
+          </p:cNvSpPr>
+          <p:nvPr>
+            <p:ph type="sldNum" sz="quarter" idx="12"/>
+          </p:nvPr>
+        </p:nvSpPr>
+        <p:spPr/>
+        <p:txBody>
+          <a:bodyPr/>
+          <a:lstStyle/>
+          <a:p>
+            <a:fld id="{FAA41844-C0CA-4144-9D6C-D993F0C0FAB4}" type="slidenum">
+              <a:rPr lang="hr-HR" smtClean="0"/>
+              <a:t>10</a:t>
+            </a:fld>
+            <a:endParaRPr lang="hr-HR"/>
+          </a:p>
+        </p:txBody>
+      </p:sp>
+      <p:pic>
+        <p:nvPicPr>
+          <p:cNvPr id="6" name="Picture 5" descr="A diagram of a computer program&#10;&#10;Description automatically generated">
+            <a:extLst>
+              <a:ext uri="{FF2B5EF4-FFF2-40B4-BE49-F238E27FC236}">
+                <a16:creationId xmlns:a16="http://schemas.microsoft.com/office/drawing/2014/main" id="{80AE0981-6489-F55F-8A84-AA8F71DBB753}"/>
+              </a:ext>
+            </a:extLst>
+          </p:cNvPr>
+          <p:cNvPicPr>
+            <a:picLocks noChangeAspect="1"/>
+          </p:cNvPicPr>
+          <p:nvPr/>
+        </p:nvPicPr>
+        <p:blipFill>
+          <a:blip r:embed="rId2">
+            <a:extLst>
+              <a:ext uri="{28A0092B-C50C-407E-A947-70E740481C1C}">
+                <a14:useLocalDpi xmlns:a14="http://schemas.microsoft.com/office/drawing/2010/main" val="0"/>
+              </a:ext>
+            </a:extLst>
+          </a:blip>
+          <a:stretch>
+            <a:fillRect/>
+          </a:stretch>
+        </p:blipFill>
+        <p:spPr>
+          <a:xfrm>
+            <a:off x="628650" y="2974532"/>
+            <a:ext cx="7772400" cy="3070347"/>
+          </a:xfrm>
+          <a:prstGeom prst="rect">
+            <a:avLst/>
+          </a:prstGeom>
+        </p:spPr>
+      </p:pic>
+    </p:spTree>
+    <p:extLst>
+      <p:ext uri="{BB962C8B-B14F-4D97-AF65-F5344CB8AC3E}">
+        <p14:creationId xmlns:p14="http://schemas.microsoft.com/office/powerpoint/2010/main" val="2993888830"/>
+      </p:ext>
+    </p:extLst>
+  </p:cSld>
+  <p:clrMapOvr>
+    <a:masterClrMapping/>
+  </p:clrMapOvr>
+</p:sld>
+</file>
+
+<file path=ppt/slides/slide11.xml><?xml version="1.0" encoding="utf-8"?>
+<p:sld xmlns:a="http://schemas.openxmlformats.org/drawingml/2006/main" xmlns:r="http://schemas.openxmlformats.org/officeDocument/2006/relationships" xmlns:p="http://schemas.openxmlformats.org/presentationml/2006/main">
+  <p:cSld>
+    <p:spTree>
+      <p:nvGrpSpPr>
+        <p:cNvPr id="1" name=""/>
+        <p:cNvGrpSpPr/>
+        <p:nvPr/>
+      </p:nvGrpSpPr>
+      <p:grpSpPr>
+        <a:xfrm>
+          <a:off x="0" y="0"/>
+          <a:ext cx="0" cy="0"/>
+          <a:chOff x="0" y="0"/>
+          <a:chExt cx="0" cy="0"/>
+        </a:xfrm>
+      </p:grpSpPr>
+      <p:sp>
+        <p:nvSpPr>
+          <p:cNvPr id="2" name="Title 1">
+            <a:extLst>
+              <a:ext uri="{FF2B5EF4-FFF2-40B4-BE49-F238E27FC236}">
+                <a16:creationId xmlns:a16="http://schemas.microsoft.com/office/drawing/2014/main" id="{61F1D6A6-3DEC-3CF5-6D13-0C9594E31FDF}"/>
+              </a:ext>
+            </a:extLst>
+          </p:cNvPr>
+          <p:cNvSpPr>
+            <a:spLocks noGrp="1"/>
+          </p:cNvSpPr>
+          <p:nvPr>
+            <p:ph type="title"/>
+          </p:nvPr>
+        </p:nvSpPr>
+        <p:spPr/>
+        <p:txBody>
+          <a:bodyPr/>
+          <a:lstStyle/>
+          <a:p>
+            <a:r>
+              <a:rPr lang="en-US" dirty="0" err="1"/>
+              <a:t>Ispitivanje</a:t>
+            </a:r>
+            <a:r>
+              <a:rPr lang="en-US" dirty="0"/>
+              <a:t> </a:t>
+            </a:r>
+            <a:r>
+              <a:rPr lang="en-US" dirty="0" err="1"/>
+              <a:t>sustava</a:t>
+            </a:r>
+            <a:endParaRPr lang="hr-HR" dirty="0"/>
+          </a:p>
+        </p:txBody>
+      </p:sp>
+      <p:sp>
+        <p:nvSpPr>
+          <p:cNvPr id="3" name="Content Placeholder 2">
+            <a:extLst>
+              <a:ext uri="{FF2B5EF4-FFF2-40B4-BE49-F238E27FC236}">
+                <a16:creationId xmlns:a16="http://schemas.microsoft.com/office/drawing/2014/main" id="{02F64D2A-F329-9FC3-5364-705A6F505467}"/>
+              </a:ext>
+            </a:extLst>
+          </p:cNvPr>
+          <p:cNvSpPr>
+            <a:spLocks noGrp="1"/>
+          </p:cNvSpPr>
+          <p:nvPr>
+            <p:ph idx="1"/>
+          </p:nvPr>
+        </p:nvSpPr>
+        <p:spPr/>
+        <p:txBody>
+          <a:bodyPr/>
+          <a:lstStyle/>
+          <a:p>
+            <a:pPr>
+              <a:buFont typeface="Arial" panose="020B0604020202020204" pitchFamily="34" charset="0"/>
+              <a:buChar char="•"/>
+            </a:pPr>
+            <a:r>
+              <a:rPr lang="en-GB" sz="2400" dirty="0" err="1"/>
+              <a:t>d</a:t>
+            </a:r>
+            <a:r>
+              <a:rPr lang="en-GB" sz="2400" dirty="0" err="1">
+                <a:effectLst/>
+              </a:rPr>
+              <a:t>va</a:t>
+            </a:r>
+            <a:r>
+              <a:rPr lang="en-GB" sz="2400" dirty="0">
+                <a:effectLst/>
+              </a:rPr>
+              <a:t> </a:t>
+            </a:r>
+            <a:r>
+              <a:rPr lang="en-GB" sz="2400" dirty="0" err="1">
+                <a:effectLst/>
+              </a:rPr>
+              <a:t>načina</a:t>
+            </a:r>
+            <a:r>
+              <a:rPr lang="en-GB" sz="2400" dirty="0">
+                <a:effectLst/>
+              </a:rPr>
+              <a:t> </a:t>
+            </a:r>
+            <a:r>
+              <a:rPr lang="en-GB" sz="2400" dirty="0" err="1">
+                <a:effectLst/>
+              </a:rPr>
+              <a:t>testiranja</a:t>
+            </a:r>
+            <a:r>
+              <a:rPr lang="en-GB" sz="2400" dirty="0">
+                <a:effectLst/>
+              </a:rPr>
+              <a:t>: </a:t>
+            </a:r>
+            <a:r>
+              <a:rPr lang="en-GB" sz="2400" dirty="0" err="1">
+                <a:effectLst/>
+              </a:rPr>
+              <a:t>komponente</a:t>
+            </a:r>
+            <a:r>
+              <a:rPr lang="en-GB" sz="2400" dirty="0">
+                <a:effectLst/>
+              </a:rPr>
+              <a:t> </a:t>
+            </a:r>
+            <a:r>
+              <a:rPr lang="en-GB" sz="2400" dirty="0" err="1">
+                <a:effectLst/>
+              </a:rPr>
+              <a:t>i</a:t>
+            </a:r>
+            <a:r>
+              <a:rPr lang="en-GB" sz="2400" dirty="0">
+                <a:effectLst/>
+              </a:rPr>
+              <a:t> </a:t>
+            </a:r>
+            <a:r>
+              <a:rPr lang="en-GB" sz="2400" dirty="0" err="1">
+                <a:effectLst/>
+              </a:rPr>
+              <a:t>sustav</a:t>
+            </a:r>
+            <a:endParaRPr lang="en-GB" sz="2400" dirty="0">
+              <a:effectLst/>
+            </a:endParaRPr>
+          </a:p>
+          <a:p>
+            <a:pPr>
+              <a:buFont typeface="Arial" panose="020B0604020202020204" pitchFamily="34" charset="0"/>
+              <a:buChar char="•"/>
+            </a:pPr>
+            <a:r>
+              <a:rPr lang="en-GB" sz="2400" dirty="0">
+                <a:effectLst/>
+              </a:rPr>
+              <a:t>JUnit </a:t>
+            </a:r>
+            <a:r>
+              <a:rPr lang="en-GB" sz="2400" dirty="0" err="1">
+                <a:effectLst/>
+              </a:rPr>
+              <a:t>testovi</a:t>
+            </a:r>
+            <a:r>
+              <a:rPr lang="en-GB" sz="2400" dirty="0">
+                <a:effectLst/>
+              </a:rPr>
+              <a:t> za </a:t>
+            </a:r>
+            <a:r>
+              <a:rPr lang="en-GB" sz="2400" dirty="0" err="1">
+                <a:effectLst/>
+              </a:rPr>
+              <a:t>komponente</a:t>
+            </a:r>
+            <a:r>
+              <a:rPr lang="en-GB" sz="2400" dirty="0">
+                <a:effectLst/>
+              </a:rPr>
+              <a:t> u </a:t>
+            </a:r>
+            <a:r>
+              <a:rPr lang="en-GB" sz="2400" dirty="0" err="1">
+                <a:effectLst/>
+              </a:rPr>
+              <a:t>Javi</a:t>
+            </a:r>
+            <a:endParaRPr lang="en-GB" sz="1800" dirty="0">
+              <a:effectLst/>
+            </a:endParaRPr>
+          </a:p>
+          <a:p>
+            <a:pPr>
+              <a:buFont typeface="Arial" panose="020B0604020202020204" pitchFamily="34" charset="0"/>
+              <a:buChar char="•"/>
+            </a:pPr>
+            <a:r>
+              <a:rPr lang="en-GB" sz="2400" dirty="0">
+                <a:effectLst/>
+              </a:rPr>
+              <a:t>Selenium IDE za </a:t>
+            </a:r>
+            <a:r>
+              <a:rPr lang="en-GB" sz="2400" dirty="0" err="1">
+                <a:effectLst/>
+              </a:rPr>
+              <a:t>ispitivanje</a:t>
+            </a:r>
+            <a:r>
+              <a:rPr lang="en-GB" sz="2400" dirty="0">
+                <a:effectLst/>
+              </a:rPr>
+              <a:t> </a:t>
+            </a:r>
+            <a:r>
+              <a:rPr lang="en-GB" sz="2400" dirty="0" err="1">
+                <a:effectLst/>
+              </a:rPr>
+              <a:t>sustava</a:t>
+            </a:r>
+            <a:endParaRPr lang="en-GB" sz="2400" dirty="0">
+              <a:effectLst/>
+            </a:endParaRPr>
+          </a:p>
+          <a:p>
+            <a:pPr>
+              <a:buFont typeface="Arial" panose="020B0604020202020204" pitchFamily="34" charset="0"/>
+              <a:buChar char="•"/>
+            </a:pPr>
+            <a:r>
+              <a:rPr lang="en-GB" sz="2400" dirty="0" err="1"/>
+              <a:t>t</a:t>
+            </a:r>
+            <a:r>
+              <a:rPr lang="en-GB" sz="2400" dirty="0" err="1">
+                <a:effectLst/>
+              </a:rPr>
+              <a:t>estiranje</a:t>
+            </a:r>
+            <a:r>
+              <a:rPr lang="en-GB" sz="2400" dirty="0">
+                <a:effectLst/>
+              </a:rPr>
+              <a:t> </a:t>
+            </a:r>
+            <a:r>
+              <a:rPr lang="en-GB" sz="2400" dirty="0" err="1">
+                <a:effectLst/>
+              </a:rPr>
+              <a:t>svih</a:t>
+            </a:r>
+            <a:r>
+              <a:rPr lang="en-GB" sz="2400" dirty="0">
+                <a:effectLst/>
+              </a:rPr>
+              <a:t> </a:t>
+            </a:r>
+            <a:r>
+              <a:rPr lang="en-GB" sz="2400" dirty="0" err="1">
+                <a:effectLst/>
+              </a:rPr>
+              <a:t>dijelova</a:t>
+            </a:r>
+            <a:r>
+              <a:rPr lang="en-GB" sz="2400" dirty="0">
+                <a:effectLst/>
+              </a:rPr>
+              <a:t> </a:t>
+            </a:r>
+            <a:r>
+              <a:rPr lang="en-GB" sz="2400" dirty="0" err="1">
+                <a:effectLst/>
+              </a:rPr>
+              <a:t>sustava</a:t>
+            </a:r>
+            <a:endParaRPr lang="en-GB" sz="2400" dirty="0">
+              <a:effectLst/>
+            </a:endParaRPr>
+          </a:p>
+          <a:p>
+            <a:pPr lvl="1"/>
+            <a:r>
+              <a:rPr lang="en-GB" sz="1800" dirty="0" err="1">
+                <a:effectLst/>
+              </a:rPr>
+              <a:t>provjere</a:t>
+            </a:r>
+            <a:r>
+              <a:rPr lang="en-GB" sz="1800" dirty="0">
+                <a:effectLst/>
+              </a:rPr>
+              <a:t> </a:t>
+            </a:r>
+            <a:r>
+              <a:rPr lang="en-GB" sz="1800" dirty="0" err="1">
+                <a:effectLst/>
+              </a:rPr>
+              <a:t>funkcionalnosti</a:t>
+            </a:r>
+            <a:r>
+              <a:rPr lang="en-GB" sz="1800" dirty="0">
+                <a:effectLst/>
+              </a:rPr>
+              <a:t>, </a:t>
+            </a:r>
+            <a:r>
+              <a:rPr lang="en-GB" sz="1800" dirty="0" err="1">
+                <a:effectLst/>
+              </a:rPr>
+              <a:t>registracije</a:t>
+            </a:r>
+            <a:r>
+              <a:rPr lang="en-GB" sz="1800" dirty="0">
+                <a:effectLst/>
+              </a:rPr>
+              <a:t>/</a:t>
+            </a:r>
+            <a:r>
+              <a:rPr lang="en-GB" sz="1800" dirty="0" err="1">
+                <a:effectLst/>
+              </a:rPr>
+              <a:t>prijave</a:t>
+            </a:r>
+            <a:r>
+              <a:rPr lang="en-GB" sz="1800" dirty="0"/>
+              <a:t>/</a:t>
+            </a:r>
+            <a:r>
+              <a:rPr lang="en-GB" sz="1800" dirty="0" err="1"/>
+              <a:t>odjave</a:t>
+            </a:r>
+            <a:endParaRPr lang="en-GB" sz="1800" dirty="0"/>
+          </a:p>
+          <a:p>
+            <a:pPr lvl="1"/>
+            <a:r>
+              <a:rPr lang="en-GB" sz="1800" dirty="0" err="1">
+                <a:effectLst/>
+              </a:rPr>
+              <a:t>provjera</a:t>
+            </a:r>
+            <a:r>
+              <a:rPr lang="en-GB" sz="1800" dirty="0">
+                <a:effectLst/>
+              </a:rPr>
+              <a:t> </a:t>
+            </a:r>
+            <a:r>
+              <a:rPr lang="en-GB" sz="1800" dirty="0" err="1">
+                <a:effectLst/>
+              </a:rPr>
+              <a:t>sigurnosti</a:t>
+            </a:r>
+            <a:r>
+              <a:rPr lang="en-GB" sz="1800" dirty="0">
+                <a:effectLst/>
+              </a:rPr>
+              <a:t> </a:t>
+            </a:r>
+            <a:r>
+              <a:rPr lang="en-GB" sz="1800" dirty="0" err="1">
+                <a:effectLst/>
+              </a:rPr>
+              <a:t>i</a:t>
+            </a:r>
+            <a:r>
+              <a:rPr lang="en-GB" sz="1800" dirty="0">
+                <a:effectLst/>
+              </a:rPr>
+              <a:t> </a:t>
+            </a:r>
+            <a:r>
+              <a:rPr lang="en-GB" sz="1800" dirty="0" err="1">
+                <a:effectLst/>
+              </a:rPr>
+              <a:t>otpornosti</a:t>
+            </a:r>
+            <a:r>
+              <a:rPr lang="en-GB" sz="1800" dirty="0">
+                <a:effectLst/>
+              </a:rPr>
+              <a:t> </a:t>
+            </a:r>
+            <a:r>
+              <a:rPr lang="en-GB" sz="1800" dirty="0" err="1">
+                <a:effectLst/>
+              </a:rPr>
+              <a:t>na</a:t>
+            </a:r>
+            <a:r>
+              <a:rPr lang="en-GB" sz="1800" dirty="0">
+                <a:effectLst/>
+              </a:rPr>
+              <a:t> </a:t>
+            </a:r>
+            <a:r>
+              <a:rPr lang="en-GB" sz="1800" dirty="0" err="1">
+                <a:effectLst/>
+              </a:rPr>
+              <a:t>greške</a:t>
+            </a:r>
+            <a:endParaRPr lang="en-GB" sz="1800" dirty="0">
+              <a:effectLst/>
+            </a:endParaRPr>
+          </a:p>
+          <a:p>
+            <a:pPr>
+              <a:buFont typeface="Arial" panose="020B0604020202020204" pitchFamily="34" charset="0"/>
+              <a:buChar char="•"/>
+            </a:pPr>
+            <a:r>
+              <a:rPr lang="en-GB" sz="2400" dirty="0" err="1"/>
+              <a:t>a</a:t>
+            </a:r>
+            <a:r>
+              <a:rPr lang="en-GB" sz="2400" dirty="0" err="1">
+                <a:effectLst/>
+              </a:rPr>
+              <a:t>utomatizacija</a:t>
+            </a:r>
+            <a:r>
+              <a:rPr lang="en-GB" sz="2400" dirty="0">
+                <a:effectLst/>
+              </a:rPr>
+              <a:t> </a:t>
+            </a:r>
+            <a:r>
+              <a:rPr lang="en-GB" sz="2400" dirty="0" err="1">
+                <a:effectLst/>
+              </a:rPr>
+              <a:t>testova</a:t>
+            </a:r>
+            <a:r>
+              <a:rPr lang="en-GB" sz="2400" dirty="0">
+                <a:effectLst/>
+              </a:rPr>
+              <a:t> </a:t>
+            </a:r>
+            <a:r>
+              <a:rPr lang="en-GB" sz="2400" dirty="0" err="1">
+                <a:effectLst/>
+              </a:rPr>
+              <a:t>zaobilazi</a:t>
+            </a:r>
+            <a:r>
+              <a:rPr lang="en-GB" sz="2400" dirty="0">
+                <a:effectLst/>
+              </a:rPr>
+              <a:t> CAPTCHA-u</a:t>
+            </a:r>
+          </a:p>
+          <a:p>
+            <a:pPr>
+              <a:buFont typeface="Arial" panose="020B0604020202020204" pitchFamily="34" charset="0"/>
+              <a:buChar char="•"/>
+            </a:pPr>
+            <a:r>
+              <a:rPr lang="en-GB" sz="2400" dirty="0" err="1"/>
+              <a:t>t</a:t>
+            </a:r>
+            <a:r>
+              <a:rPr lang="en-GB" sz="2400" dirty="0" err="1">
+                <a:effectLst/>
+              </a:rPr>
+              <a:t>estiranje</a:t>
+            </a:r>
+            <a:r>
+              <a:rPr lang="en-GB" sz="2400" dirty="0">
+                <a:effectLst/>
+              </a:rPr>
+              <a:t> </a:t>
+            </a:r>
+            <a:r>
+              <a:rPr lang="en-GB" sz="2400" dirty="0" err="1">
+                <a:effectLst/>
+              </a:rPr>
+              <a:t>realnih</a:t>
+            </a:r>
+            <a:r>
+              <a:rPr lang="en-GB" sz="2400" dirty="0">
+                <a:effectLst/>
+              </a:rPr>
+              <a:t> </a:t>
+            </a:r>
+            <a:r>
+              <a:rPr lang="en-GB" sz="2400" dirty="0" err="1">
+                <a:effectLst/>
+              </a:rPr>
+              <a:t>i</a:t>
+            </a:r>
+            <a:r>
+              <a:rPr lang="en-GB" sz="2400" dirty="0">
+                <a:effectLst/>
+              </a:rPr>
+              <a:t> </a:t>
+            </a:r>
+            <a:r>
+              <a:rPr lang="en-GB" sz="2400" dirty="0" err="1">
+                <a:effectLst/>
+              </a:rPr>
+              <a:t>rubnih</a:t>
+            </a:r>
+            <a:r>
+              <a:rPr lang="en-GB" sz="2400" dirty="0">
+                <a:effectLst/>
+              </a:rPr>
+              <a:t> </a:t>
+            </a:r>
+            <a:r>
+              <a:rPr lang="en-GB" sz="2400" dirty="0" err="1">
+                <a:effectLst/>
+              </a:rPr>
+              <a:t>uvjeta</a:t>
+            </a:r>
+            <a:endParaRPr lang="en-GB" sz="2400" dirty="0">
+              <a:effectLst/>
+            </a:endParaRPr>
+          </a:p>
+          <a:p>
+            <a:pPr lvl="1"/>
+            <a:r>
+              <a:rPr lang="en-GB" sz="1800" dirty="0" err="1"/>
+              <a:t>ponašanje</a:t>
+            </a:r>
+            <a:r>
+              <a:rPr lang="en-GB" sz="1800" dirty="0"/>
+              <a:t> </a:t>
+            </a:r>
+            <a:r>
+              <a:rPr lang="en-GB" sz="1800" dirty="0" err="1"/>
+              <a:t>sustava</a:t>
+            </a:r>
+            <a:r>
+              <a:rPr lang="en-GB" sz="1800" dirty="0"/>
+              <a:t>, </a:t>
+            </a:r>
+            <a:r>
+              <a:rPr lang="en-GB" sz="1800" dirty="0" err="1"/>
+              <a:t>neočekivani</a:t>
+            </a:r>
+            <a:r>
+              <a:rPr lang="en-GB" sz="1800" dirty="0"/>
+              <a:t>  </a:t>
+            </a:r>
+            <a:r>
+              <a:rPr lang="en-GB" sz="1800" dirty="0" err="1"/>
+              <a:t>i</a:t>
+            </a:r>
+            <a:r>
+              <a:rPr lang="en-GB" sz="1800" dirty="0"/>
+              <a:t> </a:t>
+            </a:r>
+            <a:r>
+              <a:rPr lang="en-GB" sz="1800" dirty="0" err="1"/>
+              <a:t>nevaljani</a:t>
+            </a:r>
+            <a:r>
+              <a:rPr lang="en-GB" sz="1800" dirty="0"/>
+              <a:t> </a:t>
+            </a:r>
+            <a:r>
+              <a:rPr lang="en-GB" sz="1800" dirty="0" err="1"/>
+              <a:t>ulazi</a:t>
+            </a:r>
+            <a:r>
+              <a:rPr lang="en-GB" sz="1800" dirty="0"/>
+              <a:t>/</a:t>
+            </a:r>
+            <a:r>
+              <a:rPr lang="en-GB" sz="1800" dirty="0" err="1"/>
+              <a:t>izlazi</a:t>
+            </a:r>
+            <a:endParaRPr lang="en-GB" sz="1800" dirty="0">
+              <a:effectLst/>
+            </a:endParaRPr>
+          </a:p>
+          <a:p>
+            <a:pPr marL="457200" lvl="1" indent="0">
+              <a:buNone/>
+            </a:pPr>
+            <a:endParaRPr lang="hr-HR" dirty="0"/>
+          </a:p>
+        </p:txBody>
+      </p:sp>
+      <p:sp>
+        <p:nvSpPr>
+          <p:cNvPr id="4" name="Slide Number Placeholder 3">
+            <a:extLst>
+              <a:ext uri="{FF2B5EF4-FFF2-40B4-BE49-F238E27FC236}">
+                <a16:creationId xmlns:a16="http://schemas.microsoft.com/office/drawing/2014/main" id="{B14C9195-7B0B-E541-4DB2-C7E26AB767C0}"/>
+              </a:ext>
+            </a:extLst>
+          </p:cNvPr>
+          <p:cNvSpPr>
+            <a:spLocks noGrp="1"/>
+          </p:cNvSpPr>
+          <p:nvPr>
+            <p:ph type="sldNum" sz="quarter" idx="12"/>
+          </p:nvPr>
+        </p:nvSpPr>
+        <p:spPr/>
+        <p:txBody>
+          <a:bodyPr/>
+          <a:lstStyle/>
+          <a:p>
+            <a:fld id="{FAA41844-C0CA-4144-9D6C-D993F0C0FAB4}" type="slidenum">
+              <a:rPr lang="hr-HR" smtClean="0"/>
+              <a:t>11</a:t>
+            </a:fld>
+            <a:endParaRPr lang="hr-HR"/>
+          </a:p>
+        </p:txBody>
+      </p:sp>
+      <p:pic>
+        <p:nvPicPr>
+          <p:cNvPr id="6" name="Picture 5" descr="A screenshot of a computer&#10;&#10;Description automatically generated">
+            <a:extLst>
+              <a:ext uri="{FF2B5EF4-FFF2-40B4-BE49-F238E27FC236}">
+                <a16:creationId xmlns:a16="http://schemas.microsoft.com/office/drawing/2014/main" id="{4D6B2E63-AA34-332B-4B8B-3CC49F1135F8}"/>
+              </a:ext>
+            </a:extLst>
+          </p:cNvPr>
+          <p:cNvPicPr>
+            <a:picLocks noChangeAspect="1"/>
+          </p:cNvPicPr>
+          <p:nvPr/>
+        </p:nvPicPr>
+        <p:blipFill>
+          <a:blip r:embed="rId2">
+            <a:extLst>
+              <a:ext uri="{28A0092B-C50C-407E-A947-70E740481C1C}">
+                <a14:useLocalDpi xmlns:a14="http://schemas.microsoft.com/office/drawing/2010/main" val="0"/>
+              </a:ext>
+            </a:extLst>
+          </a:blip>
+          <a:stretch>
+            <a:fillRect/>
+          </a:stretch>
+        </p:blipFill>
+        <p:spPr>
+          <a:xfrm>
+            <a:off x="6644986" y="1757679"/>
+            <a:ext cx="2273300" cy="1447800"/>
+          </a:xfrm>
+          <a:prstGeom prst="rect">
+            <a:avLst/>
+          </a:prstGeom>
+        </p:spPr>
+      </p:pic>
+      <p:pic>
+        <p:nvPicPr>
+          <p:cNvPr id="8" name="Picture 7" descr="A screenshot of a computer&#10;&#10;Description automatically generated">
+            <a:extLst>
+              <a:ext uri="{FF2B5EF4-FFF2-40B4-BE49-F238E27FC236}">
+                <a16:creationId xmlns:a16="http://schemas.microsoft.com/office/drawing/2014/main" id="{0EE77E9F-ECB7-4792-1846-BEDFB0133945}"/>
+              </a:ext>
+            </a:extLst>
+          </p:cNvPr>
+          <p:cNvPicPr>
+            <a:picLocks noChangeAspect="1"/>
+          </p:cNvPicPr>
+          <p:nvPr/>
+        </p:nvPicPr>
+        <p:blipFill>
+          <a:blip r:embed="rId3">
+            <a:extLst>
+              <a:ext uri="{28A0092B-C50C-407E-A947-70E740481C1C}">
+                <a14:useLocalDpi xmlns:a14="http://schemas.microsoft.com/office/drawing/2010/main" val="0"/>
+              </a:ext>
+            </a:extLst>
+          </a:blip>
+          <a:stretch>
+            <a:fillRect/>
+          </a:stretch>
+        </p:blipFill>
+        <p:spPr>
+          <a:xfrm>
+            <a:off x="2489776" y="5100321"/>
+            <a:ext cx="4155210" cy="1757677"/>
+          </a:xfrm>
+          <a:prstGeom prst="rect">
+            <a:avLst/>
+          </a:prstGeom>
+        </p:spPr>
+      </p:pic>
+    </p:spTree>
+    <p:extLst>
+      <p:ext uri="{BB962C8B-B14F-4D97-AF65-F5344CB8AC3E}">
+        <p14:creationId xmlns:p14="http://schemas.microsoft.com/office/powerpoint/2010/main" val="627070223"/>
+      </p:ext>
+    </p:extLst>
+  </p:cSld>
+  <p:clrMapOvr>
+    <a:masterClrMapping/>
+  </p:clrMapOvr>
+</p:sld>
+</file>
+
+<file path=ppt/slides/slide12.xml><?xml version="1.0" encoding="utf-8"?>
+<p:sld xmlns:a="http://schemas.openxmlformats.org/drawingml/2006/main" xmlns:r="http://schemas.openxmlformats.org/officeDocument/2006/relationships" xmlns:p="http://schemas.openxmlformats.org/presentationml/2006/main">
+  <p:cSld>
+    <p:spTree>
+      <p:nvGrpSpPr>
+        <p:cNvPr id="1" name=""/>
+        <p:cNvGrpSpPr/>
+        <p:nvPr/>
+      </p:nvGrpSpPr>
+      <p:grpSpPr>
+        <a:xfrm>
+          <a:off x="0" y="0"/>
+          <a:ext cx="0" cy="0"/>
+          <a:chOff x="0" y="0"/>
+          <a:chExt cx="0" cy="0"/>
+        </a:xfrm>
+      </p:grpSpPr>
+      <p:sp>
+        <p:nvSpPr>
+          <p:cNvPr id="2" name="Title 1"/>
+          <p:cNvSpPr>
+            <a:spLocks noGrp="1"/>
+          </p:cNvSpPr>
+          <p:nvPr>
+            <p:ph type="title"/>
+          </p:nvPr>
+        </p:nvSpPr>
+        <p:spPr/>
+        <p:txBody>
+          <a:bodyPr/>
+          <a:lstStyle/>
+          <a:p>
+            <a:r>
+              <a:rPr lang="hr-HR" dirty="0"/>
+              <a:t>Korišteni alati i tehnologije</a:t>
+            </a:r>
+          </a:p>
+        </p:txBody>
+      </p:sp>
+      <p:sp>
+        <p:nvSpPr>
+          <p:cNvPr id="3" name="Content Placeholder 2"/>
+          <p:cNvSpPr>
+            <a:spLocks noGrp="1"/>
+          </p:cNvSpPr>
+          <p:nvPr>
+            <p:ph idx="1"/>
+          </p:nvPr>
+        </p:nvSpPr>
+        <p:spPr/>
+        <p:txBody>
+          <a:bodyPr>
+            <a:normAutofit/>
+          </a:bodyPr>
+          <a:lstStyle/>
+          <a:p>
+            <a:pPr>
+              <a:lnSpc>
+                <a:spcPct val="100000"/>
+              </a:lnSpc>
+            </a:pPr>
+            <a:r>
+              <a:rPr lang="hr-HR" sz="2400" dirty="0"/>
+              <a:t>Korišteni programski jezici i tehnologije</a:t>
+            </a:r>
+          </a:p>
+          <a:p>
+            <a:pPr lvl="1">
+              <a:lnSpc>
+                <a:spcPct val="100000"/>
+              </a:lnSpc>
+            </a:pPr>
+            <a:r>
+              <a:rPr lang="en-US" sz="2000" dirty="0"/>
+              <a:t>frontend: JavaScript, </a:t>
+            </a:r>
+            <a:r>
+              <a:rPr lang="en-US" sz="2000" dirty="0" err="1"/>
+              <a:t>React.js</a:t>
+            </a:r>
+            <a:r>
+              <a:rPr lang="en-US" sz="2000" dirty="0"/>
+              <a:t>, </a:t>
+            </a:r>
+            <a:r>
+              <a:rPr lang="en-US" sz="2000" dirty="0" err="1"/>
+              <a:t>Express.js</a:t>
+            </a:r>
+            <a:endParaRPr lang="en-US" sz="2000" dirty="0"/>
+          </a:p>
+          <a:p>
+            <a:pPr lvl="1">
+              <a:lnSpc>
+                <a:spcPct val="100000"/>
+              </a:lnSpc>
+            </a:pPr>
+            <a:r>
+              <a:rPr lang="en-US" sz="2000" dirty="0"/>
+              <a:t>backend: Java - Spring Boot, Spring Data JPA, Docker</a:t>
+            </a:r>
+          </a:p>
+          <a:p>
+            <a:pPr lvl="1">
+              <a:lnSpc>
+                <a:spcPct val="100000"/>
+              </a:lnSpc>
+            </a:pPr>
+            <a:r>
+              <a:rPr lang="en-US" sz="2000" dirty="0" err="1"/>
+              <a:t>baza</a:t>
+            </a:r>
+            <a:r>
+              <a:rPr lang="en-US" sz="2000" dirty="0"/>
+              <a:t> </a:t>
+            </a:r>
+            <a:r>
+              <a:rPr lang="en-US" sz="2000" dirty="0" err="1"/>
+              <a:t>podataka</a:t>
+            </a:r>
+            <a:r>
+              <a:rPr lang="en-US" sz="2000" dirty="0"/>
+              <a:t>: PostgreSQL</a:t>
+            </a:r>
+          </a:p>
+          <a:p>
+            <a:pPr marL="457200" lvl="1" indent="0">
+              <a:lnSpc>
+                <a:spcPct val="100000"/>
+              </a:lnSpc>
+              <a:buNone/>
+            </a:pPr>
+            <a:endParaRPr lang="hr-HR" sz="2000" dirty="0"/>
+          </a:p>
+          <a:p>
+            <a:pPr>
+              <a:lnSpc>
+                <a:spcPct val="100000"/>
+              </a:lnSpc>
+            </a:pPr>
+            <a:r>
+              <a:rPr lang="hr-HR" sz="2400" dirty="0"/>
+              <a:t>komunikacija – </a:t>
+            </a:r>
+            <a:r>
+              <a:rPr lang="hr-HR" sz="2400" dirty="0" err="1"/>
+              <a:t>Discord</a:t>
+            </a:r>
+            <a:r>
+              <a:rPr lang="hr-HR" sz="2400" dirty="0"/>
+              <a:t>, WhatsApp</a:t>
+            </a:r>
+          </a:p>
+          <a:p>
+            <a:pPr>
+              <a:lnSpc>
+                <a:spcPct val="100000"/>
+              </a:lnSpc>
+            </a:pPr>
+            <a:r>
+              <a:rPr lang="hr-HR" sz="2400" dirty="0"/>
+              <a:t>dokumentacija – </a:t>
+            </a:r>
+            <a:r>
+              <a:rPr lang="hr-HR" sz="2400" dirty="0" err="1"/>
+              <a:t>LaTeX</a:t>
+            </a:r>
+            <a:r>
+              <a:rPr lang="hr-HR" sz="2400" dirty="0"/>
+              <a:t>, </a:t>
+            </a:r>
+            <a:r>
+              <a:rPr lang="hr-HR" sz="2400" dirty="0" err="1"/>
+              <a:t>texstudio</a:t>
+            </a:r>
+            <a:endParaRPr lang="hr-HR" sz="2400" dirty="0"/>
+          </a:p>
+          <a:p>
+            <a:pPr>
+              <a:lnSpc>
+                <a:spcPct val="100000"/>
+              </a:lnSpc>
+            </a:pPr>
+            <a:r>
+              <a:rPr lang="hr-HR" sz="2400" dirty="0"/>
+              <a:t>izrada UML dijagrama – </a:t>
+            </a:r>
+            <a:r>
+              <a:rPr lang="hr-HR" sz="2400" dirty="0" err="1"/>
+              <a:t>AstahUML</a:t>
+            </a:r>
+            <a:endParaRPr lang="hr-HR" sz="2400" dirty="0"/>
+          </a:p>
+          <a:p>
+            <a:pPr marL="457200" lvl="1" indent="0">
+              <a:lnSpc>
+                <a:spcPct val="100000"/>
+              </a:lnSpc>
+              <a:buNone/>
+            </a:pPr>
+            <a:endParaRPr lang="hr-HR" sz="2000" dirty="0"/>
+          </a:p>
+        </p:txBody>
+      </p:sp>
+      <p:sp>
+        <p:nvSpPr>
+          <p:cNvPr id="4" name="Slide Number Placeholder 3"/>
+          <p:cNvSpPr>
+            <a:spLocks noGrp="1"/>
+          </p:cNvSpPr>
+          <p:nvPr>
+            <p:ph type="sldNum" sz="quarter" idx="12"/>
+          </p:nvPr>
+        </p:nvSpPr>
+        <p:spPr/>
+        <p:txBody>
+          <a:bodyPr/>
+          <a:lstStyle/>
+          <a:p>
+            <a:fld id="{FAA41844-C0CA-4144-9D6C-D993F0C0FAB4}" type="slidenum">
+              <a:rPr lang="hr-HR" smtClean="0"/>
+              <a:t>12</a:t>
+            </a:fld>
+            <a:endParaRPr lang="hr-HR"/>
+          </a:p>
+        </p:txBody>
+      </p:sp>
+      <p:pic>
+        <p:nvPicPr>
+          <p:cNvPr id="6" name="Picture 5" descr="A blue and black logo&#10;&#10;Description automatically generated">
+            <a:extLst>
+              <a:ext uri="{FF2B5EF4-FFF2-40B4-BE49-F238E27FC236}">
+                <a16:creationId xmlns:a16="http://schemas.microsoft.com/office/drawing/2014/main" id="{1A7298E1-0A27-86BC-D7E5-749D48A8E97E}"/>
+              </a:ext>
+            </a:extLst>
+          </p:cNvPr>
+          <p:cNvPicPr>
+            <a:picLocks noChangeAspect="1"/>
+          </p:cNvPicPr>
+          <p:nvPr/>
+        </p:nvPicPr>
+        <p:blipFill rotWithShape="1">
+          <a:blip r:embed="rId2">
+            <a:extLst>
+              <a:ext uri="{28A0092B-C50C-407E-A947-70E740481C1C}">
+                <a14:useLocalDpi xmlns:a14="http://schemas.microsoft.com/office/drawing/2010/main" val="0"/>
+              </a:ext>
+            </a:extLst>
+          </a:blip>
+          <a:srcRect l="26427" t="17161" r="28992" b="16848"/>
+          <a:stretch/>
+        </p:blipFill>
+        <p:spPr>
+          <a:xfrm>
+            <a:off x="7406659" y="1505950"/>
+            <a:ext cx="1544285" cy="1676387"/>
+          </a:xfrm>
+          <a:prstGeom prst="rect">
+            <a:avLst/>
+          </a:prstGeom>
+        </p:spPr>
+      </p:pic>
+      <p:pic>
+        <p:nvPicPr>
+          <p:cNvPr id="8" name="Picture 7" descr="A logo of a coffee cup&#10;&#10;Description automatically generated">
+            <a:extLst>
+              <a:ext uri="{FF2B5EF4-FFF2-40B4-BE49-F238E27FC236}">
+                <a16:creationId xmlns:a16="http://schemas.microsoft.com/office/drawing/2014/main" id="{3A7C1F28-1BAF-A3FE-538D-A22EC8CE031F}"/>
+              </a:ext>
+            </a:extLst>
+          </p:cNvPr>
+          <p:cNvPicPr>
+            <a:picLocks noChangeAspect="1"/>
+          </p:cNvPicPr>
+          <p:nvPr/>
+        </p:nvPicPr>
+        <p:blipFill>
+          <a:blip r:embed="rId3">
+            <a:extLst>
+              <a:ext uri="{28A0092B-C50C-407E-A947-70E740481C1C}">
+                <a14:useLocalDpi xmlns:a14="http://schemas.microsoft.com/office/drawing/2010/main" val="0"/>
+              </a:ext>
+            </a:extLst>
+          </a:blip>
+          <a:stretch>
+            <a:fillRect/>
+          </a:stretch>
+        </p:blipFill>
+        <p:spPr>
+          <a:xfrm>
+            <a:off x="994172" y="4962339"/>
+            <a:ext cx="2618614" cy="1472970"/>
+          </a:xfrm>
+          <a:prstGeom prst="rect">
+            <a:avLst/>
+          </a:prstGeom>
+        </p:spPr>
+      </p:pic>
+      <p:pic>
+        <p:nvPicPr>
+          <p:cNvPr id="14" name="Picture 13" descr="A green text on a black background&#10;&#10;Description automatically generated">
+            <a:extLst>
+              <a:ext uri="{FF2B5EF4-FFF2-40B4-BE49-F238E27FC236}">
+                <a16:creationId xmlns:a16="http://schemas.microsoft.com/office/drawing/2014/main" id="{6AFCBEFD-6265-ECAC-7518-C96A88D41204}"/>
+              </a:ext>
+            </a:extLst>
+          </p:cNvPr>
+          <p:cNvPicPr>
+            <a:picLocks noChangeAspect="1"/>
+          </p:cNvPicPr>
+          <p:nvPr/>
+        </p:nvPicPr>
+        <p:blipFill>
+          <a:blip r:embed="rId4">
+            <a:extLst>
+              <a:ext uri="{28A0092B-C50C-407E-A947-70E740481C1C}">
+                <a14:useLocalDpi xmlns:a14="http://schemas.microsoft.com/office/drawing/2010/main" val="0"/>
+              </a:ext>
+            </a:extLst>
+          </a:blip>
+          <a:stretch>
+            <a:fillRect/>
+          </a:stretch>
+        </p:blipFill>
+        <p:spPr>
+          <a:xfrm>
+            <a:off x="3676554" y="5265590"/>
+            <a:ext cx="3371062" cy="866468"/>
+          </a:xfrm>
+          <a:prstGeom prst="rect">
+            <a:avLst/>
+          </a:prstGeom>
+        </p:spPr>
+      </p:pic>
+    </p:spTree>
+    <p:extLst>
+      <p:ext uri="{BB962C8B-B14F-4D97-AF65-F5344CB8AC3E}">
+        <p14:creationId xmlns:p14="http://schemas.microsoft.com/office/powerpoint/2010/main" val="3389772446"/>
+      </p:ext>
+    </p:extLst>
+  </p:cSld>
+  <p:clrMapOvr>
+    <a:masterClrMapping/>
+  </p:clrMapOvr>
+</p:sld>
+</file>
+
+<file path=ppt/slides/slide13.xml><?xml version="1.0" encoding="utf-8"?>
+<p:sld xmlns:a="http://schemas.openxmlformats.org/drawingml/2006/main" xmlns:r="http://schemas.openxmlformats.org/officeDocument/2006/relationships" xmlns:p="http://schemas.openxmlformats.org/presentationml/2006/main">
+  <p:cSld>
+    <p:spTree>
+      <p:nvGrpSpPr>
         <p:cNvPr id="1" name=""/>
         <p:cNvGrpSpPr/>
         <p:nvPr/>
@@ -5012,7 +6293,7 @@
           <a:p>
             <a:fld id="{FAA41844-C0CA-4144-9D6C-D993F0C0FAB4}" type="slidenum">
               <a:rPr lang="hr-HR" smtClean="0"/>
-              <a:t>10</a:t>
+              <a:t>13</a:t>
             </a:fld>
             <a:endParaRPr lang="hr-HR"/>
           </a:p>
@@ -5066,7 +6347,7 @@
 </p:sld>
 </file>
 
-<file path=ppt/slides/slide11.xml><?xml version="1.0" encoding="utf-8"?>
+<file path=ppt/slides/slide14.xml><?xml version="1.0" encoding="utf-8"?>
 <p:sld xmlns:a="http://schemas.openxmlformats.org/drawingml/2006/main" xmlns:r="http://schemas.openxmlformats.org/officeDocument/2006/relationships" xmlns:p="http://schemas.openxmlformats.org/presentationml/2006/main">
   <p:cSld>
     <p:spTree>
@@ -5240,7 +6521,7 @@
           <a:p>
             <a:fld id="{FAA41844-C0CA-4144-9D6C-D993F0C0FAB4}" type="slidenum">
               <a:rPr lang="hr-HR" smtClean="0"/>
-              <a:t>11</a:t>
+              <a:t>14</a:t>
             </a:fld>
             <a:endParaRPr lang="hr-HR"/>
           </a:p>
@@ -5259,7 +6540,7 @@
 </p:sld>
 </file>
 
-<file path=ppt/slides/slide12.xml><?xml version="1.0" encoding="utf-8"?>
+<file path=ppt/slides/slide15.xml><?xml version="1.0" encoding="utf-8"?>
 <p:sld xmlns:a="http://schemas.openxmlformats.org/drawingml/2006/main" xmlns:r="http://schemas.openxmlformats.org/officeDocument/2006/relationships" xmlns:p="http://schemas.openxmlformats.org/presentationml/2006/main">
   <p:cSld>
     <p:spTree>
@@ -5592,7 +6873,7 @@
           <a:p>
             <a:fld id="{FAA41844-C0CA-4144-9D6C-D993F0C0FAB4}" type="slidenum">
               <a:rPr lang="hr-HR" smtClean="0"/>
-              <a:t>12</a:t>
+              <a:t>15</a:t>
             </a:fld>
             <a:endParaRPr lang="hr-HR"/>
           </a:p>
@@ -5602,175 +6883,6 @@
     <p:extLst>
       <p:ext uri="{BB962C8B-B14F-4D97-AF65-F5344CB8AC3E}">
         <p14:creationId xmlns:p14="http://schemas.microsoft.com/office/powerpoint/2010/main" val="57289986"/>
-      </p:ext>
-    </p:extLst>
-  </p:cSld>
-  <p:clrMapOvr>
-    <a:masterClrMapping/>
-  </p:clrMapOvr>
-</p:sld>
-</file>
-
-<file path=ppt/slides/slide13.xml><?xml version="1.0" encoding="utf-8"?>
-<p:sld xmlns:a="http://schemas.openxmlformats.org/drawingml/2006/main" xmlns:r="http://schemas.openxmlformats.org/officeDocument/2006/relationships" xmlns:p="http://schemas.openxmlformats.org/presentationml/2006/main">
-  <p:cSld>
-    <p:spTree>
-      <p:nvGrpSpPr>
-        <p:cNvPr id="1" name=""/>
-        <p:cNvGrpSpPr/>
-        <p:nvPr/>
-      </p:nvGrpSpPr>
-      <p:grpSpPr>
-        <a:xfrm>
-          <a:off x="0" y="0"/>
-          <a:ext cx="0" cy="0"/>
-          <a:chOff x="0" y="0"/>
-          <a:chExt cx="0" cy="0"/>
-        </a:xfrm>
-      </p:grpSpPr>
-      <p:sp>
-        <p:nvSpPr>
-          <p:cNvPr id="2" name="Title 1"/>
-          <p:cNvSpPr>
-            <a:spLocks noGrp="1"/>
-          </p:cNvSpPr>
-          <p:nvPr>
-            <p:ph type="title"/>
-          </p:nvPr>
-        </p:nvSpPr>
-        <p:spPr/>
-        <p:txBody>
-          <a:bodyPr/>
-          <a:lstStyle/>
-          <a:p>
-            <a:r>
-              <a:rPr lang="hr-HR" i="1" dirty="0"/>
-              <a:t>Nekoliko savjeta</a:t>
-            </a:r>
-          </a:p>
-        </p:txBody>
-      </p:sp>
-      <p:sp>
-        <p:nvSpPr>
-          <p:cNvPr id="3" name="Content Placeholder 2"/>
-          <p:cNvSpPr>
-            <a:spLocks noGrp="1"/>
-          </p:cNvSpPr>
-          <p:nvPr>
-            <p:ph idx="1"/>
-          </p:nvPr>
-        </p:nvSpPr>
-        <p:spPr/>
-        <p:txBody>
-          <a:bodyPr>
-            <a:normAutofit fontScale="85000" lnSpcReduction="20000"/>
-          </a:bodyPr>
-          <a:lstStyle/>
-          <a:p>
-            <a:r>
-              <a:rPr lang="hr-HR" dirty="0"/>
-              <a:t>Zlatno pravilo dobre prezentacije: </a:t>
-            </a:r>
-          </a:p>
-          <a:p>
-            <a:pPr lvl="1"/>
-            <a:r>
-              <a:rPr lang="hr-HR" dirty="0"/>
-              <a:t>na svakom slajdu 6 natuknica s po 6 riječi</a:t>
-            </a:r>
-          </a:p>
-          <a:p>
-            <a:r>
-              <a:rPr lang="hr-HR" dirty="0"/>
-              <a:t>10ak slajdova je sasvim dovoljno – istaknite samo najvažnije činjenice</a:t>
-            </a:r>
-          </a:p>
-          <a:p>
-            <a:r>
-              <a:rPr lang="hr-HR" dirty="0"/>
-              <a:t>Dizajn možete mijenjati po volji, ali ne smije zasjeniti sadržaj (doslovno! - sve mora biti čitko i pregledno)</a:t>
-            </a:r>
-          </a:p>
-          <a:p>
-            <a:r>
-              <a:rPr lang="hr-HR" dirty="0"/>
-              <a:t>Na zadnjem slajdu stavite popis članova grupe s email adresama</a:t>
-            </a:r>
-          </a:p>
-          <a:p>
-            <a:endParaRPr lang="hr-HR" dirty="0"/>
-          </a:p>
-          <a:p>
-            <a:r>
-              <a:rPr lang="hr-HR" dirty="0"/>
-              <a:t>Kod izlaganja na satu:</a:t>
-            </a:r>
-          </a:p>
-          <a:p>
-            <a:pPr lvl="1"/>
-            <a:r>
-              <a:rPr lang="hr-HR" dirty="0"/>
-              <a:t>Pokrenite sve potrebne programe i alate na računalu prije početka Vašeg izlaganja te provjerite kompatibilnost opreme!</a:t>
-            </a:r>
-          </a:p>
-          <a:p>
-            <a:pPr lvl="1"/>
-            <a:r>
-              <a:rPr lang="hr-HR" dirty="0"/>
-              <a:t>Dobro uvježbajte prezentaciju.</a:t>
-            </a:r>
-          </a:p>
-          <a:p>
-            <a:pPr lvl="1"/>
-            <a:r>
-              <a:rPr lang="hr-HR" dirty="0"/>
-              <a:t>Izlaganje traje najviše 15 min i sastoji se od </a:t>
-            </a:r>
-            <a:r>
-              <a:rPr lang="hr-HR" dirty="0" err="1"/>
-              <a:t>ppt</a:t>
-            </a:r>
-            <a:r>
-              <a:rPr lang="hr-HR" dirty="0"/>
-              <a:t> prezentacije, demonstracije rada aplikacije i pitanja iz publike – </a:t>
-            </a:r>
-            <a:r>
-              <a:rPr lang="hr-HR" b="1" dirty="0"/>
-              <a:t>poštujte zadani vremenski okvir!</a:t>
-            </a:r>
-          </a:p>
-          <a:p>
-            <a:endParaRPr lang="hr-HR" dirty="0"/>
-          </a:p>
-        </p:txBody>
-      </p:sp>
-      <p:sp>
-        <p:nvSpPr>
-          <p:cNvPr id="4" name="Slide Number Placeholder 3"/>
-          <p:cNvSpPr>
-            <a:spLocks noGrp="1"/>
-          </p:cNvSpPr>
-          <p:nvPr>
-            <p:ph type="sldNum" sz="quarter" idx="12"/>
-          </p:nvPr>
-        </p:nvSpPr>
-        <p:spPr/>
-        <p:txBody>
-          <a:bodyPr/>
-          <a:lstStyle/>
-          <a:p>
-            <a:fld id="{FAA41844-C0CA-4144-9D6C-D993F0C0FAB4}" type="slidenum">
-              <a:rPr lang="hr-HR" smtClean="0"/>
-              <a:t>13</a:t>
-            </a:fld>
-            <a:endParaRPr lang="hr-HR"/>
-          </a:p>
-        </p:txBody>
-      </p:sp>
-    </p:spTree>
-    <p:extLst>
-      <p:ext uri="{BB962C8B-B14F-4D97-AF65-F5344CB8AC3E}">
-        <p14:creationId xmlns:p14="http://schemas.microsoft.com/office/powerpoint/2010/main" val="3641737146"/>
       </p:ext>
     </p:extLst>
   </p:cSld>
@@ -6915,9 +8027,10 @@
               </a:lnSpc>
             </a:pPr>
             <a:r>
-              <a:rPr lang="hr-HR" sz="2400" dirty="0"/>
-              <a:t>Na visokoj razini apstrakcije</a:t>
-            </a:r>
+              <a:rPr lang="en-US" sz="2400" dirty="0"/>
+              <a:t>Controller – Service – JPA Service – Repository – JPA Repository</a:t>
+            </a:r>
+            <a:endParaRPr lang="hr-HR" sz="1800" dirty="0"/>
           </a:p>
           <a:p>
             <a:pPr>
@@ -6925,147 +8038,7 @@
                 <a:spcPct val="100000"/>
               </a:lnSpc>
             </a:pPr>
-            <a:r>
-              <a:rPr lang="en-US" sz="2400" dirty="0" err="1"/>
-              <a:t>Koristiti</a:t>
-            </a:r>
-            <a:r>
-              <a:rPr lang="en-US" sz="2400" dirty="0"/>
-              <a:t> </a:t>
-            </a:r>
-            <a:r>
-              <a:rPr lang="en-US" sz="2400" dirty="0" err="1"/>
-              <a:t>prikaz</a:t>
-            </a:r>
-            <a:r>
-              <a:rPr lang="en-US" sz="2400" dirty="0"/>
-              <a:t> UML </a:t>
-            </a:r>
-            <a:r>
-              <a:rPr lang="en-US" sz="2400" dirty="0" err="1"/>
-              <a:t>dijagramima</a:t>
-            </a:r>
-            <a:r>
-              <a:rPr lang="en-US" sz="2400" dirty="0"/>
-              <a:t> </a:t>
-            </a:r>
-            <a:r>
-              <a:rPr lang="en-US" sz="2400" dirty="0" err="1"/>
-              <a:t>razreda</a:t>
-            </a:r>
-            <a:r>
-              <a:rPr lang="en-US" sz="2400" dirty="0"/>
-              <a:t>, </a:t>
-            </a:r>
-            <a:r>
-              <a:rPr lang="en-US" sz="2400" dirty="0" err="1"/>
-              <a:t>komponenti</a:t>
-            </a:r>
-            <a:r>
-              <a:rPr lang="en-US" sz="2400" dirty="0"/>
-              <a:t> </a:t>
-            </a:r>
-            <a:r>
-              <a:rPr lang="en-US" sz="2400" dirty="0" err="1"/>
-              <a:t>i</a:t>
-            </a:r>
-            <a:r>
-              <a:rPr lang="en-US" sz="2400" dirty="0"/>
-              <a:t> </a:t>
-            </a:r>
-            <a:r>
-              <a:rPr lang="en-US" sz="2400" dirty="0" err="1"/>
-              <a:t>razmještaja</a:t>
-            </a:r>
-            <a:endParaRPr lang="en-US" sz="2400" dirty="0"/>
-          </a:p>
-          <a:p>
-            <a:pPr lvl="1">
-              <a:lnSpc>
-                <a:spcPct val="100000"/>
-              </a:lnSpc>
-            </a:pPr>
-            <a:r>
-              <a:rPr lang="en-US" sz="1800" dirty="0" err="1"/>
-              <a:t>prikazati</a:t>
-            </a:r>
-            <a:r>
-              <a:rPr lang="en-US" sz="1800" dirty="0"/>
-              <a:t> </a:t>
-            </a:r>
-            <a:r>
-              <a:rPr lang="en-US" sz="1800" dirty="0" err="1"/>
-              <a:t>samo</a:t>
-            </a:r>
-            <a:r>
-              <a:rPr lang="en-US" sz="1800" dirty="0"/>
-              <a:t> </a:t>
-            </a:r>
-            <a:r>
-              <a:rPr lang="en-US" sz="1800" dirty="0" err="1"/>
-              <a:t>najvažnije</a:t>
-            </a:r>
-            <a:r>
-              <a:rPr lang="en-US" sz="1800" dirty="0"/>
-              <a:t> </a:t>
-            </a:r>
-            <a:r>
-              <a:rPr lang="en-US" sz="1800" dirty="0" err="1"/>
-              <a:t>dijelove</a:t>
-            </a:r>
-            <a:r>
-              <a:rPr lang="en-US" sz="1800" dirty="0"/>
-              <a:t> </a:t>
-            </a:r>
-            <a:r>
-              <a:rPr lang="en-US" sz="1800" dirty="0" err="1"/>
-              <a:t>sustava</a:t>
-            </a:r>
-            <a:endParaRPr lang="en-US" sz="1800" dirty="0"/>
-          </a:p>
-          <a:p>
-            <a:pPr lvl="1">
-              <a:lnSpc>
-                <a:spcPct val="100000"/>
-              </a:lnSpc>
-            </a:pPr>
-            <a:r>
-              <a:rPr lang="en-US" sz="1800" dirty="0" err="1"/>
-              <a:t>pripaziti</a:t>
-            </a:r>
-            <a:r>
-              <a:rPr lang="en-US" sz="1800" dirty="0"/>
-              <a:t> </a:t>
-            </a:r>
-            <a:r>
-              <a:rPr lang="en-US" sz="1800" dirty="0" err="1"/>
-              <a:t>na</a:t>
-            </a:r>
-            <a:r>
-              <a:rPr lang="en-US" sz="1800" dirty="0"/>
-              <a:t> </a:t>
-            </a:r>
-            <a:r>
-              <a:rPr lang="en-US" sz="1800" dirty="0" err="1"/>
-              <a:t>preglednost</a:t>
-            </a:r>
-            <a:r>
-              <a:rPr lang="en-US" sz="1800" dirty="0"/>
-              <a:t> </a:t>
-            </a:r>
-            <a:r>
-              <a:rPr lang="en-US" sz="1800" dirty="0" err="1"/>
-              <a:t>i</a:t>
-            </a:r>
-            <a:r>
-              <a:rPr lang="en-US" sz="1800" dirty="0"/>
-              <a:t> </a:t>
-            </a:r>
-            <a:r>
-              <a:rPr lang="en-US" sz="1800" dirty="0" err="1"/>
-              <a:t>čitljivost</a:t>
-            </a:r>
-            <a:endParaRPr lang="hr-HR" sz="1800" dirty="0"/>
+            <a:endParaRPr lang="hr-HR" sz="2400" dirty="0"/>
           </a:p>
         </p:txBody>
       </p:sp>
@@ -7092,645 +8065,12 @@
           </a:p>
         </p:txBody>
       </p:sp>
-    </p:spTree>
-    <p:extLst>
-      <p:ext uri="{BB962C8B-B14F-4D97-AF65-F5344CB8AC3E}">
-        <p14:creationId xmlns:p14="http://schemas.microsoft.com/office/powerpoint/2010/main" val="3657354464"/>
-      </p:ext>
-    </p:extLst>
-  </p:cSld>
-  <p:clrMapOvr>
-    <a:masterClrMapping/>
-  </p:clrMapOvr>
-</p:sld>
-</file>
-
-<file path=ppt/slides/slide8.xml><?xml version="1.0" encoding="utf-8"?>
-<p:sld xmlns:a="http://schemas.openxmlformats.org/drawingml/2006/main" xmlns:r="http://schemas.openxmlformats.org/officeDocument/2006/relationships" xmlns:p="http://schemas.openxmlformats.org/presentationml/2006/main">
-  <p:cSld>
-    <p:spTree>
-      <p:nvGrpSpPr>
-        <p:cNvPr id="1" name=""/>
-        <p:cNvGrpSpPr/>
-        <p:nvPr/>
-      </p:nvGrpSpPr>
-      <p:grpSpPr>
-        <a:xfrm>
-          <a:off x="0" y="0"/>
-          <a:ext cx="0" cy="0"/>
-          <a:chOff x="0" y="0"/>
-          <a:chExt cx="0" cy="0"/>
-        </a:xfrm>
-      </p:grpSpPr>
-      <p:sp>
-        <p:nvSpPr>
-          <p:cNvPr id="2" name="Title 1">
+      <p:pic>
+        <p:nvPicPr>
+          <p:cNvPr id="6" name="Picture 5" descr="A diagram of a computer&#10;&#10;Description automatically generated with medium confidence">
             <a:extLst>
               <a:ext uri="{FF2B5EF4-FFF2-40B4-BE49-F238E27FC236}">
-                <a16:creationId xmlns:a16="http://schemas.microsoft.com/office/drawing/2014/main" id="{61F1D6A6-3DEC-3CF5-6D13-0C9594E31FDF}"/>
-              </a:ext>
-            </a:extLst>
-          </p:cNvPr>
-          <p:cNvSpPr>
-            <a:spLocks noGrp="1"/>
-          </p:cNvSpPr>
-          <p:nvPr>
-            <p:ph type="title"/>
-          </p:nvPr>
-        </p:nvSpPr>
-        <p:spPr/>
-        <p:txBody>
-          <a:bodyPr/>
-          <a:lstStyle/>
-          <a:p>
-            <a:r>
-              <a:rPr lang="en-US" dirty="0" err="1"/>
-              <a:t>Ispitivanje</a:t>
-            </a:r>
-            <a:r>
-              <a:rPr lang="en-US" dirty="0"/>
-              <a:t> </a:t>
-            </a:r>
-            <a:r>
-              <a:rPr lang="en-US" dirty="0" err="1"/>
-              <a:t>sustava</a:t>
-            </a:r>
-            <a:endParaRPr lang="hr-HR" dirty="0"/>
-          </a:p>
-        </p:txBody>
-      </p:sp>
-      <p:sp>
-        <p:nvSpPr>
-          <p:cNvPr id="3" name="Content Placeholder 2">
-            <a:extLst>
-              <a:ext uri="{FF2B5EF4-FFF2-40B4-BE49-F238E27FC236}">
-                <a16:creationId xmlns:a16="http://schemas.microsoft.com/office/drawing/2014/main" id="{02F64D2A-F329-9FC3-5364-705A6F505467}"/>
-              </a:ext>
-            </a:extLst>
-          </p:cNvPr>
-          <p:cNvSpPr>
-            <a:spLocks noGrp="1"/>
-          </p:cNvSpPr>
-          <p:nvPr>
-            <p:ph idx="1"/>
-          </p:nvPr>
-        </p:nvSpPr>
-        <p:spPr/>
-        <p:txBody>
-          <a:bodyPr/>
-          <a:lstStyle/>
-          <a:p>
-            <a:pPr>
-              <a:buFont typeface="Arial" panose="020B0604020202020204" pitchFamily="34" charset="0"/>
-              <a:buChar char="•"/>
-            </a:pPr>
-            <a:r>
-              <a:rPr lang="en-GB" sz="2400" dirty="0" err="1"/>
-              <a:t>d</a:t>
-            </a:r>
-            <a:r>
-              <a:rPr lang="en-GB" sz="2400" dirty="0" err="1">
-                <a:effectLst/>
-              </a:rPr>
-              <a:t>va</a:t>
-            </a:r>
-            <a:r>
-              <a:rPr lang="en-GB" sz="2400" dirty="0">
-                <a:effectLst/>
-              </a:rPr>
-              <a:t> </a:t>
-            </a:r>
-            <a:r>
-              <a:rPr lang="en-GB" sz="2400" dirty="0" err="1">
-                <a:effectLst/>
-              </a:rPr>
-              <a:t>načina</a:t>
-            </a:r>
-            <a:r>
-              <a:rPr lang="en-GB" sz="2400" dirty="0">
-                <a:effectLst/>
-              </a:rPr>
-              <a:t> </a:t>
-            </a:r>
-            <a:r>
-              <a:rPr lang="en-GB" sz="2400" dirty="0" err="1">
-                <a:effectLst/>
-              </a:rPr>
-              <a:t>testiranja</a:t>
-            </a:r>
-            <a:r>
-              <a:rPr lang="en-GB" sz="2400" dirty="0">
-                <a:effectLst/>
-              </a:rPr>
-              <a:t>: </a:t>
-            </a:r>
-            <a:r>
-              <a:rPr lang="en-GB" sz="2400" dirty="0" err="1">
-                <a:effectLst/>
-              </a:rPr>
-              <a:t>komponente</a:t>
-            </a:r>
-            <a:r>
-              <a:rPr lang="en-GB" sz="2400" dirty="0">
-                <a:effectLst/>
-              </a:rPr>
-              <a:t> </a:t>
-            </a:r>
-            <a:r>
-              <a:rPr lang="en-GB" sz="2400" dirty="0" err="1">
-                <a:effectLst/>
-              </a:rPr>
-              <a:t>i</a:t>
-            </a:r>
-            <a:r>
-              <a:rPr lang="en-GB" sz="2400" dirty="0">
-                <a:effectLst/>
-              </a:rPr>
-              <a:t> </a:t>
-            </a:r>
-            <a:r>
-              <a:rPr lang="en-GB" sz="2400" dirty="0" err="1">
-                <a:effectLst/>
-              </a:rPr>
-              <a:t>sustav</a:t>
-            </a:r>
-            <a:endParaRPr lang="en-GB" sz="2400" dirty="0">
-              <a:effectLst/>
-            </a:endParaRPr>
-          </a:p>
-          <a:p>
-            <a:pPr>
-              <a:buFont typeface="Arial" panose="020B0604020202020204" pitchFamily="34" charset="0"/>
-              <a:buChar char="•"/>
-            </a:pPr>
-            <a:r>
-              <a:rPr lang="en-GB" sz="2400" dirty="0">
-                <a:effectLst/>
-              </a:rPr>
-              <a:t>JUnit </a:t>
-            </a:r>
-            <a:r>
-              <a:rPr lang="en-GB" sz="2400" dirty="0" err="1">
-                <a:effectLst/>
-              </a:rPr>
-              <a:t>testovi</a:t>
-            </a:r>
-            <a:r>
-              <a:rPr lang="en-GB" sz="2400" dirty="0">
-                <a:effectLst/>
-              </a:rPr>
-              <a:t> za </a:t>
-            </a:r>
-            <a:r>
-              <a:rPr lang="en-GB" sz="2400" dirty="0" err="1">
-                <a:effectLst/>
-              </a:rPr>
-              <a:t>komponente</a:t>
-            </a:r>
-            <a:r>
-              <a:rPr lang="en-GB" sz="2400" dirty="0">
-                <a:effectLst/>
-              </a:rPr>
-              <a:t> u </a:t>
-            </a:r>
-            <a:r>
-              <a:rPr lang="en-GB" sz="2400" dirty="0" err="1">
-                <a:effectLst/>
-              </a:rPr>
-              <a:t>Javi</a:t>
-            </a:r>
-            <a:endParaRPr lang="en-GB" sz="1800" dirty="0">
-              <a:effectLst/>
-            </a:endParaRPr>
-          </a:p>
-          <a:p>
-            <a:pPr>
-              <a:buFont typeface="Arial" panose="020B0604020202020204" pitchFamily="34" charset="0"/>
-              <a:buChar char="•"/>
-            </a:pPr>
-            <a:r>
-              <a:rPr lang="en-GB" sz="2400" dirty="0">
-                <a:effectLst/>
-              </a:rPr>
-              <a:t>Selenium IDE za </a:t>
-            </a:r>
-            <a:r>
-              <a:rPr lang="en-GB" sz="2400" dirty="0" err="1">
-                <a:effectLst/>
-              </a:rPr>
-              <a:t>ispitivanje</a:t>
-            </a:r>
-            <a:r>
-              <a:rPr lang="en-GB" sz="2400" dirty="0">
-                <a:effectLst/>
-              </a:rPr>
-              <a:t> </a:t>
-            </a:r>
-            <a:r>
-              <a:rPr lang="en-GB" sz="2400" dirty="0" err="1">
-                <a:effectLst/>
-              </a:rPr>
-              <a:t>sustava</a:t>
-            </a:r>
-            <a:endParaRPr lang="en-GB" sz="2400" dirty="0">
-              <a:effectLst/>
-            </a:endParaRPr>
-          </a:p>
-          <a:p>
-            <a:pPr>
-              <a:buFont typeface="Arial" panose="020B0604020202020204" pitchFamily="34" charset="0"/>
-              <a:buChar char="•"/>
-            </a:pPr>
-            <a:r>
-              <a:rPr lang="en-GB" sz="2400" dirty="0" err="1"/>
-              <a:t>t</a:t>
-            </a:r>
-            <a:r>
-              <a:rPr lang="en-GB" sz="2400" dirty="0" err="1">
-                <a:effectLst/>
-              </a:rPr>
-              <a:t>estiranje</a:t>
-            </a:r>
-            <a:r>
-              <a:rPr lang="en-GB" sz="2400" dirty="0">
-                <a:effectLst/>
-              </a:rPr>
-              <a:t> </a:t>
-            </a:r>
-            <a:r>
-              <a:rPr lang="en-GB" sz="2400" dirty="0" err="1">
-                <a:effectLst/>
-              </a:rPr>
-              <a:t>svih</a:t>
-            </a:r>
-            <a:r>
-              <a:rPr lang="en-GB" sz="2400" dirty="0">
-                <a:effectLst/>
-              </a:rPr>
-              <a:t> </a:t>
-            </a:r>
-            <a:r>
-              <a:rPr lang="en-GB" sz="2400" dirty="0" err="1">
-                <a:effectLst/>
-              </a:rPr>
-              <a:t>dijelova</a:t>
-            </a:r>
-            <a:r>
-              <a:rPr lang="en-GB" sz="2400" dirty="0">
-                <a:effectLst/>
-              </a:rPr>
-              <a:t> </a:t>
-            </a:r>
-            <a:r>
-              <a:rPr lang="en-GB" sz="2400" dirty="0" err="1">
-                <a:effectLst/>
-              </a:rPr>
-              <a:t>sustava</a:t>
-            </a:r>
-            <a:endParaRPr lang="en-GB" sz="2400" dirty="0">
-              <a:effectLst/>
-            </a:endParaRPr>
-          </a:p>
-          <a:p>
-            <a:pPr lvl="1"/>
-            <a:r>
-              <a:rPr lang="en-GB" sz="1800" dirty="0" err="1">
-                <a:effectLst/>
-              </a:rPr>
-              <a:t>provjere</a:t>
-            </a:r>
-            <a:r>
-              <a:rPr lang="en-GB" sz="1800" dirty="0">
-                <a:effectLst/>
-              </a:rPr>
-              <a:t> </a:t>
-            </a:r>
-            <a:r>
-              <a:rPr lang="en-GB" sz="1800" dirty="0" err="1">
-                <a:effectLst/>
-              </a:rPr>
-              <a:t>funkcionalnosti</a:t>
-            </a:r>
-            <a:r>
-              <a:rPr lang="en-GB" sz="1800" dirty="0">
-                <a:effectLst/>
-              </a:rPr>
-              <a:t>, </a:t>
-            </a:r>
-            <a:r>
-              <a:rPr lang="en-GB" sz="1800" dirty="0" err="1">
-                <a:effectLst/>
-              </a:rPr>
-              <a:t>registracije</a:t>
-            </a:r>
-            <a:r>
-              <a:rPr lang="en-GB" sz="1800" dirty="0">
-                <a:effectLst/>
-              </a:rPr>
-              <a:t>/</a:t>
-            </a:r>
-            <a:r>
-              <a:rPr lang="en-GB" sz="1800" dirty="0" err="1">
-                <a:effectLst/>
-              </a:rPr>
-              <a:t>prijave</a:t>
-            </a:r>
-            <a:r>
-              <a:rPr lang="en-GB" sz="1800" dirty="0"/>
-              <a:t>/</a:t>
-            </a:r>
-            <a:r>
-              <a:rPr lang="en-GB" sz="1800" dirty="0" err="1"/>
-              <a:t>odjave</a:t>
-            </a:r>
-            <a:endParaRPr lang="en-GB" sz="1800" dirty="0"/>
-          </a:p>
-          <a:p>
-            <a:pPr lvl="1"/>
-            <a:r>
-              <a:rPr lang="en-GB" sz="1800" dirty="0" err="1">
-                <a:effectLst/>
-              </a:rPr>
-              <a:t>provjera</a:t>
-            </a:r>
-            <a:r>
-              <a:rPr lang="en-GB" sz="1800" dirty="0">
-                <a:effectLst/>
-              </a:rPr>
-              <a:t> </a:t>
-            </a:r>
-            <a:r>
-              <a:rPr lang="en-GB" sz="1800" dirty="0" err="1">
-                <a:effectLst/>
-              </a:rPr>
-              <a:t>sigurnosti</a:t>
-            </a:r>
-            <a:r>
-              <a:rPr lang="en-GB" sz="1800" dirty="0">
-                <a:effectLst/>
-              </a:rPr>
-              <a:t> </a:t>
-            </a:r>
-            <a:r>
-              <a:rPr lang="en-GB" sz="1800" dirty="0" err="1">
-                <a:effectLst/>
-              </a:rPr>
-              <a:t>i</a:t>
-            </a:r>
-            <a:r>
-              <a:rPr lang="en-GB" sz="1800" dirty="0">
-                <a:effectLst/>
-              </a:rPr>
-              <a:t> </a:t>
-            </a:r>
-            <a:r>
-              <a:rPr lang="en-GB" sz="1800" dirty="0" err="1">
-                <a:effectLst/>
-              </a:rPr>
-              <a:t>otpornosti</a:t>
-            </a:r>
-            <a:r>
-              <a:rPr lang="en-GB" sz="1800" dirty="0">
-                <a:effectLst/>
-              </a:rPr>
-              <a:t> </a:t>
-            </a:r>
-            <a:r>
-              <a:rPr lang="en-GB" sz="1800" dirty="0" err="1">
-                <a:effectLst/>
-              </a:rPr>
-              <a:t>na</a:t>
-            </a:r>
-            <a:r>
-              <a:rPr lang="en-GB" sz="1800" dirty="0">
-                <a:effectLst/>
-              </a:rPr>
-              <a:t> </a:t>
-            </a:r>
-            <a:r>
-              <a:rPr lang="en-GB" sz="1800" dirty="0" err="1">
-                <a:effectLst/>
-              </a:rPr>
-              <a:t>greške</a:t>
-            </a:r>
-            <a:endParaRPr lang="en-GB" sz="1800" dirty="0">
-              <a:effectLst/>
-            </a:endParaRPr>
-          </a:p>
-          <a:p>
-            <a:pPr>
-              <a:buFont typeface="Arial" panose="020B0604020202020204" pitchFamily="34" charset="0"/>
-              <a:buChar char="•"/>
-            </a:pPr>
-            <a:r>
-              <a:rPr lang="en-GB" sz="2400" dirty="0" err="1"/>
-              <a:t>a</a:t>
-            </a:r>
-            <a:r>
-              <a:rPr lang="en-GB" sz="2400" dirty="0" err="1">
-                <a:effectLst/>
-              </a:rPr>
-              <a:t>utomatizacija</a:t>
-            </a:r>
-            <a:r>
-              <a:rPr lang="en-GB" sz="2400" dirty="0">
-                <a:effectLst/>
-              </a:rPr>
-              <a:t> </a:t>
-            </a:r>
-            <a:r>
-              <a:rPr lang="en-GB" sz="2400" dirty="0" err="1">
-                <a:effectLst/>
-              </a:rPr>
-              <a:t>testova</a:t>
-            </a:r>
-            <a:r>
-              <a:rPr lang="en-GB" sz="2400" dirty="0">
-                <a:effectLst/>
-              </a:rPr>
-              <a:t> </a:t>
-            </a:r>
-            <a:r>
-              <a:rPr lang="en-GB" sz="2400" dirty="0" err="1">
-                <a:effectLst/>
-              </a:rPr>
-              <a:t>zaobilazi</a:t>
-            </a:r>
-            <a:r>
-              <a:rPr lang="en-GB" sz="2400" dirty="0">
-                <a:effectLst/>
-              </a:rPr>
-              <a:t> CAPTCHA-u</a:t>
-            </a:r>
-          </a:p>
-          <a:p>
-            <a:pPr>
-              <a:buFont typeface="Arial" panose="020B0604020202020204" pitchFamily="34" charset="0"/>
-              <a:buChar char="•"/>
-            </a:pPr>
-            <a:r>
-              <a:rPr lang="en-GB" sz="2400" dirty="0" err="1"/>
-              <a:t>t</a:t>
-            </a:r>
-            <a:r>
-              <a:rPr lang="en-GB" sz="2400" dirty="0" err="1">
-                <a:effectLst/>
-              </a:rPr>
-              <a:t>estiranje</a:t>
-            </a:r>
-            <a:r>
-              <a:rPr lang="en-GB" sz="2400" dirty="0">
-                <a:effectLst/>
-              </a:rPr>
-              <a:t> </a:t>
-            </a:r>
-            <a:r>
-              <a:rPr lang="en-GB" sz="2400" dirty="0" err="1">
-                <a:effectLst/>
-              </a:rPr>
-              <a:t>realnih</a:t>
-            </a:r>
-            <a:r>
-              <a:rPr lang="en-GB" sz="2400" dirty="0">
-                <a:effectLst/>
-              </a:rPr>
-              <a:t> </a:t>
-            </a:r>
-            <a:r>
-              <a:rPr lang="en-GB" sz="2400" dirty="0" err="1">
-                <a:effectLst/>
-              </a:rPr>
-              <a:t>i</a:t>
-            </a:r>
-            <a:r>
-              <a:rPr lang="en-GB" sz="2400" dirty="0">
-                <a:effectLst/>
-              </a:rPr>
-              <a:t> </a:t>
-            </a:r>
-            <a:r>
-              <a:rPr lang="en-GB" sz="2400" dirty="0" err="1">
-                <a:effectLst/>
-              </a:rPr>
-              <a:t>rubnih</a:t>
-            </a:r>
-            <a:r>
-              <a:rPr lang="en-GB" sz="2400" dirty="0">
-                <a:effectLst/>
-              </a:rPr>
-              <a:t> </a:t>
-            </a:r>
-            <a:r>
-              <a:rPr lang="en-GB" sz="2400" dirty="0" err="1">
-                <a:effectLst/>
-              </a:rPr>
-              <a:t>uvjeta</a:t>
-            </a:r>
-            <a:endParaRPr lang="en-GB" sz="2400" dirty="0">
-              <a:effectLst/>
-            </a:endParaRPr>
-          </a:p>
-          <a:p>
-            <a:pPr lvl="1"/>
-            <a:r>
-              <a:rPr lang="en-GB" sz="1800" dirty="0" err="1"/>
-              <a:t>ponašanje</a:t>
-            </a:r>
-            <a:r>
-              <a:rPr lang="en-GB" sz="1800" dirty="0"/>
-              <a:t> </a:t>
-            </a:r>
-            <a:r>
-              <a:rPr lang="en-GB" sz="1800" dirty="0" err="1"/>
-              <a:t>sustava</a:t>
-            </a:r>
-            <a:r>
-              <a:rPr lang="en-GB" sz="1800" dirty="0"/>
-              <a:t>, </a:t>
-            </a:r>
-            <a:r>
-              <a:rPr lang="en-GB" sz="1800" dirty="0" err="1"/>
-              <a:t>neočekivani</a:t>
-            </a:r>
-            <a:r>
-              <a:rPr lang="en-GB" sz="1800" dirty="0"/>
-              <a:t>  </a:t>
-            </a:r>
-            <a:r>
-              <a:rPr lang="en-GB" sz="1800" dirty="0" err="1"/>
-              <a:t>i</a:t>
-            </a:r>
-            <a:r>
-              <a:rPr lang="en-GB" sz="1800" dirty="0"/>
-              <a:t> </a:t>
-            </a:r>
-            <a:r>
-              <a:rPr lang="en-GB" sz="1800" dirty="0" err="1"/>
-              <a:t>nevaljani</a:t>
-            </a:r>
-            <a:r>
-              <a:rPr lang="en-GB" sz="1800" dirty="0"/>
-              <a:t> </a:t>
-            </a:r>
-            <a:r>
-              <a:rPr lang="en-GB" sz="1800" dirty="0" err="1"/>
-              <a:t>ulazi</a:t>
-            </a:r>
-            <a:r>
-              <a:rPr lang="en-GB" sz="1800" dirty="0"/>
-              <a:t>/</a:t>
-            </a:r>
-            <a:r>
-              <a:rPr lang="en-GB" sz="1800" dirty="0" err="1"/>
-              <a:t>izlazi</a:t>
-            </a:r>
-            <a:endParaRPr lang="en-GB" sz="1800" dirty="0">
-              <a:effectLst/>
-            </a:endParaRPr>
-          </a:p>
-          <a:p>
-            <a:pPr marL="457200" lvl="1" indent="0">
-              <a:buNone/>
-            </a:pPr>
-            <a:endParaRPr lang="hr-HR" dirty="0"/>
-          </a:p>
-        </p:txBody>
-      </p:sp>
-      <p:sp>
-        <p:nvSpPr>
-          <p:cNvPr id="4" name="Slide Number Placeholder 3">
-            <a:extLst>
-              <a:ext uri="{FF2B5EF4-FFF2-40B4-BE49-F238E27FC236}">
-                <a16:creationId xmlns:a16="http://schemas.microsoft.com/office/drawing/2014/main" id="{B14C9195-7B0B-E541-4DB2-C7E26AB767C0}"/>
-              </a:ext>
-            </a:extLst>
-          </p:cNvPr>
-          <p:cNvSpPr>
-            <a:spLocks noGrp="1"/>
-          </p:cNvSpPr>
-          <p:nvPr>
-            <p:ph type="sldNum" sz="quarter" idx="12"/>
-          </p:nvPr>
-        </p:nvSpPr>
-        <p:spPr/>
-        <p:txBody>
-          <a:bodyPr/>
-          <a:lstStyle/>
-          <a:p>
-            <a:fld id="{FAA41844-C0CA-4144-9D6C-D993F0C0FAB4}" type="slidenum">
-              <a:rPr lang="hr-HR" smtClean="0"/>
-              <a:t>8</a:t>
-            </a:fld>
-            <a:endParaRPr lang="hr-HR"/>
-          </a:p>
-        </p:txBody>
-      </p:sp>
-      <p:pic>
-        <p:nvPicPr>
-          <p:cNvPr id="6" name="Picture 5" descr="A screenshot of a computer&#10;&#10;Description automatically generated">
-            <a:extLst>
-              <a:ext uri="{FF2B5EF4-FFF2-40B4-BE49-F238E27FC236}">
-                <a16:creationId xmlns:a16="http://schemas.microsoft.com/office/drawing/2014/main" id="{4D6B2E63-AA34-332B-4B8B-3CC49F1135F8}"/>
+                <a16:creationId xmlns:a16="http://schemas.microsoft.com/office/drawing/2014/main" id="{4FE95C00-A308-E3E0-33A2-9EEAB98AAEBF}"/>
               </a:ext>
             </a:extLst>
           </p:cNvPr>
@@ -7753,44 +8093,8 @@
         </p:blipFill>
         <p:spPr>
           <a:xfrm>
-            <a:off x="6644986" y="1757679"/>
-            <a:ext cx="2273300" cy="1447800"/>
-          </a:xfrm>
-          <a:prstGeom prst="rect">
-            <a:avLst/>
-          </a:prstGeom>
-        </p:spPr>
-      </p:pic>
-      <p:pic>
-        <p:nvPicPr>
-          <p:cNvPr id="8" name="Picture 7" descr="A screenshot of a computer&#10;&#10;Description automatically generated">
-            <a:extLst>
-              <a:ext uri="{FF2B5EF4-FFF2-40B4-BE49-F238E27FC236}">
-                <a16:creationId xmlns:a16="http://schemas.microsoft.com/office/drawing/2014/main" id="{0EE77E9F-ECB7-4792-1846-BEDFB0133945}"/>
-              </a:ext>
-            </a:extLst>
-          </p:cNvPr>
-          <p:cNvPicPr>
-            <a:picLocks noChangeAspect="1"/>
-          </p:cNvPicPr>
-          <p:nvPr/>
-        </p:nvPicPr>
-        <p:blipFill>
-          <a:blip r:embed="rId3">
-            <a:extLst>
-              <a:ext uri="{28A0092B-C50C-407E-A947-70E740481C1C}">
-                <a14:useLocalDpi xmlns:a14="http://schemas.microsoft.com/office/drawing/2010/main" val="0"/>
-              </a:ext>
-            </a:extLst>
-          </a:blip>
-          <a:stretch>
-            <a:fillRect/>
-          </a:stretch>
-        </p:blipFill>
-        <p:spPr>
-          <a:xfrm>
-            <a:off x="2489776" y="5100321"/>
-            <a:ext cx="4155210" cy="1757677"/>
+            <a:off x="628650" y="1759240"/>
+            <a:ext cx="7772400" cy="4994851"/>
           </a:xfrm>
           <a:prstGeom prst="rect">
             <a:avLst/>
@@ -7800,7 +8104,7 @@
     </p:spTree>
     <p:extLst>
       <p:ext uri="{BB962C8B-B14F-4D97-AF65-F5344CB8AC3E}">
-        <p14:creationId xmlns:p14="http://schemas.microsoft.com/office/powerpoint/2010/main" val="627070223"/>
+        <p14:creationId xmlns:p14="http://schemas.microsoft.com/office/powerpoint/2010/main" val="3657354464"/>
       </p:ext>
     </p:extLst>
   </p:cSld>
@@ -7810,12 +8114,18 @@
 </p:sld>
 </file>
 
-<file path=ppt/slides/slide9.xml><?xml version="1.0" encoding="utf-8"?>
+<file path=ppt/slides/slide8.xml><?xml version="1.0" encoding="utf-8"?>
 <p:sld xmlns:a="http://schemas.openxmlformats.org/drawingml/2006/main" xmlns:r="http://schemas.openxmlformats.org/officeDocument/2006/relationships" xmlns:p="http://schemas.openxmlformats.org/presentationml/2006/main">
   <p:cSld>
     <p:spTree>
       <p:nvGrpSpPr>
-        <p:cNvPr id="1" name=""/>
+        <p:cNvPr id="1" name="">
+          <a:extLst>
+            <a:ext uri="{FF2B5EF4-FFF2-40B4-BE49-F238E27FC236}">
+              <a16:creationId xmlns:a16="http://schemas.microsoft.com/office/drawing/2014/main" id="{D3F0A56D-C875-D393-764B-ACA71070E07B}"/>
+            </a:ext>
+          </a:extLst>
+        </p:cNvPr>
         <p:cNvGrpSpPr/>
         <p:nvPr/>
       </p:nvGrpSpPr>
@@ -7829,7 +8139,13 @@
       </p:grpSpPr>
       <p:sp>
         <p:nvSpPr>
-          <p:cNvPr id="2" name="Title 1"/>
+          <p:cNvPr id="2" name="Title 1">
+            <a:extLst>
+              <a:ext uri="{FF2B5EF4-FFF2-40B4-BE49-F238E27FC236}">
+                <a16:creationId xmlns:a16="http://schemas.microsoft.com/office/drawing/2014/main" id="{B321A1E0-4BC1-7119-EC87-718427F955B3}"/>
+              </a:ext>
+            </a:extLst>
+          </p:cNvPr>
           <p:cNvSpPr>
             <a:spLocks noGrp="1"/>
           </p:cNvSpPr>
@@ -7844,14 +8160,20 @@
           <a:p>
             <a:r>
               <a:rPr lang="hr-HR" dirty="0"/>
-              <a:t>Korišteni alati i tehnologije</a:t>
+              <a:t>Arhitektura sustava</a:t>
             </a:r>
           </a:p>
         </p:txBody>
       </p:sp>
       <p:sp>
         <p:nvSpPr>
-          <p:cNvPr id="3" name="Content Placeholder 2"/>
+          <p:cNvPr id="3" name="Content Placeholder 2">
+            <a:extLst>
+              <a:ext uri="{FF2B5EF4-FFF2-40B4-BE49-F238E27FC236}">
+                <a16:creationId xmlns:a16="http://schemas.microsoft.com/office/drawing/2014/main" id="{98D07711-6CCF-4DD7-933D-38427E0CB0D4}"/>
+              </a:ext>
+            </a:extLst>
+          </p:cNvPr>
           <p:cNvSpPr>
             <a:spLocks noGrp="1"/>
           </p:cNvSpPr>
@@ -7872,150 +8194,22 @@
               </a:lnSpc>
             </a:pPr>
             <a:r>
-              <a:rPr lang="hr-HR" sz="2400" dirty="0"/>
-              <a:t>Korišteni programski jezici i tehnologije</a:t>
-            </a:r>
-          </a:p>
-          <a:p>
-            <a:pPr lvl="1">
-              <a:lnSpc>
-                <a:spcPct val="100000"/>
-              </a:lnSpc>
-            </a:pPr>
-            <a:r>
-              <a:rPr lang="en-US" sz="2000" dirty="0"/>
-              <a:t>frontend: JavaScript, </a:t>
-            </a:r>
-            <a:r>
-              <a:rPr lang="en-US" sz="2000" dirty="0" err="1"/>
-              <a:t>React.js</a:t>
-            </a:r>
-            <a:r>
-              <a:rPr lang="en-US" sz="2000" dirty="0"/>
-              <a:t>, </a:t>
-            </a:r>
-            <a:r>
-              <a:rPr lang="en-US" sz="2000" dirty="0" err="1"/>
-              <a:t>Express.js</a:t>
-            </a:r>
-            <a:endParaRPr lang="en-US" sz="2000" dirty="0"/>
-          </a:p>
-          <a:p>
-            <a:pPr lvl="1">
-              <a:lnSpc>
-                <a:spcPct val="100000"/>
-              </a:lnSpc>
-            </a:pPr>
-            <a:r>
-              <a:rPr lang="en-US" sz="2000" dirty="0"/>
-              <a:t>backend: Java - Spring Boot, Spring Data JPA, Docker</a:t>
-            </a:r>
-          </a:p>
-          <a:p>
-            <a:pPr lvl="1">
-              <a:lnSpc>
-                <a:spcPct val="100000"/>
-              </a:lnSpc>
-            </a:pPr>
-            <a:r>
-              <a:rPr lang="en-US" sz="2000" dirty="0" err="1"/>
-              <a:t>baza</a:t>
-            </a:r>
-            <a:r>
-              <a:rPr lang="en-US" sz="2000" dirty="0"/>
-              <a:t> </a:t>
-            </a:r>
-            <a:r>
-              <a:rPr lang="en-US" sz="2000" dirty="0" err="1"/>
-              <a:t>podataka</a:t>
-            </a:r>
-            <a:r>
-              <a:rPr lang="en-US" sz="2000" dirty="0"/>
-              <a:t>: PostgreSQL</a:t>
-            </a:r>
-          </a:p>
-          <a:p>
-            <a:pPr marL="457200" lvl="1" indent="0">
-              <a:lnSpc>
-                <a:spcPct val="100000"/>
-              </a:lnSpc>
-              <a:buNone/>
-            </a:pPr>
-            <a:endParaRPr lang="hr-HR" sz="2000" dirty="0"/>
-          </a:p>
-          <a:p>
-            <a:pPr>
-              <a:lnSpc>
-                <a:spcPct val="100000"/>
-              </a:lnSpc>
-            </a:pPr>
-            <a:r>
-              <a:rPr lang="hr-HR" sz="2400" dirty="0"/>
-              <a:t>komunikacija – </a:t>
-            </a:r>
-            <a:r>
-              <a:rPr lang="hr-HR" sz="2400" dirty="0" err="1"/>
-              <a:t>Discord</a:t>
-            </a:r>
-            <a:r>
-              <a:rPr lang="hr-HR" sz="2400" dirty="0"/>
-              <a:t>, WhatsApp</a:t>
-            </a:r>
-          </a:p>
-          <a:p>
-            <a:pPr>
-              <a:lnSpc>
-                <a:spcPct val="100000"/>
-              </a:lnSpc>
-            </a:pPr>
-            <a:r>
-              <a:rPr lang="hr-HR" sz="2400" dirty="0"/>
-              <a:t>dokumentacija – </a:t>
-            </a:r>
-            <a:r>
-              <a:rPr lang="hr-HR" sz="2400" dirty="0" err="1"/>
-              <a:t>LaTeX</a:t>
-            </a:r>
-            <a:r>
-              <a:rPr lang="hr-HR" sz="2400" dirty="0"/>
-              <a:t>, </a:t>
-            </a:r>
-            <a:r>
-              <a:rPr lang="hr-HR" sz="2400" dirty="0" err="1"/>
-              <a:t>texstudio</a:t>
-            </a:r>
-            <a:endParaRPr lang="hr-HR" sz="2400" dirty="0"/>
-          </a:p>
-          <a:p>
-            <a:pPr>
-              <a:lnSpc>
-                <a:spcPct val="100000"/>
-              </a:lnSpc>
-            </a:pPr>
-            <a:r>
-              <a:rPr lang="hr-HR" sz="2400" dirty="0"/>
-              <a:t>izrada UML dijagrama – </a:t>
-            </a:r>
-            <a:r>
-              <a:rPr lang="hr-HR" sz="2400" dirty="0" err="1"/>
-              <a:t>AstahUML</a:t>
-            </a:r>
-            <a:endParaRPr lang="hr-HR" sz="2400" dirty="0"/>
-          </a:p>
-          <a:p>
-            <a:pPr marL="457200" lvl="1" indent="0">
-              <a:lnSpc>
-                <a:spcPct val="100000"/>
-              </a:lnSpc>
-              <a:buNone/>
-            </a:pPr>
-            <a:endParaRPr lang="hr-HR" sz="2000" dirty="0"/>
+              <a:rPr lang="en-US" sz="2400" dirty="0"/>
+              <a:t>Controller – Service – JPA Service – Repository – JPA Repository</a:t>
+            </a:r>
+            <a:endParaRPr lang="hr-HR" sz="1800" dirty="0"/>
           </a:p>
         </p:txBody>
       </p:sp>
       <p:sp>
         <p:nvSpPr>
-          <p:cNvPr id="4" name="Slide Number Placeholder 3"/>
+          <p:cNvPr id="4" name="Slide Number Placeholder 3">
+            <a:extLst>
+              <a:ext uri="{FF2B5EF4-FFF2-40B4-BE49-F238E27FC236}">
+                <a16:creationId xmlns:a16="http://schemas.microsoft.com/office/drawing/2014/main" id="{E2F1B5C4-E9B3-1D30-A65C-6295268CFCDF}"/>
+              </a:ext>
+            </a:extLst>
+          </p:cNvPr>
           <p:cNvSpPr>
             <a:spLocks noGrp="1"/>
           </p:cNvSpPr>
@@ -8030,7 +8224,7 @@
           <a:p>
             <a:fld id="{FAA41844-C0CA-4144-9D6C-D993F0C0FAB4}" type="slidenum">
               <a:rPr lang="hr-HR" smtClean="0"/>
-              <a:t>9</a:t>
+              <a:t>8</a:t>
             </a:fld>
             <a:endParaRPr lang="hr-HR"/>
           </a:p>
@@ -8038,10 +8232,10 @@
       </p:sp>
       <p:pic>
         <p:nvPicPr>
-          <p:cNvPr id="6" name="Picture 5" descr="A blue and black logo&#10;&#10;Description automatically generated">
+          <p:cNvPr id="6" name="Picture 5" descr="A diagram of a company&#10;&#10;Description automatically generated">
             <a:extLst>
               <a:ext uri="{FF2B5EF4-FFF2-40B4-BE49-F238E27FC236}">
-                <a16:creationId xmlns:a16="http://schemas.microsoft.com/office/drawing/2014/main" id="{1A7298E1-0A27-86BC-D7E5-749D48A8E97E}"/>
+                <a16:creationId xmlns:a16="http://schemas.microsoft.com/office/drawing/2014/main" id="{BEF0A00E-9386-3191-D059-6D3461841C17}"/>
               </a:ext>
             </a:extLst>
           </p:cNvPr>
@@ -8058,25 +8252,193 @@
               </a:ext>
             </a:extLst>
           </a:blip>
-          <a:srcRect l="26427" t="17161" r="28992" b="16848"/>
+          <a:srcRect l="27807" t="20184" b="1"/>
           <a:stretch/>
         </p:blipFill>
         <p:spPr>
           <a:xfrm>
-            <a:off x="7406659" y="1505950"/>
-            <a:ext cx="1544285" cy="1676387"/>
+            <a:off x="1184562" y="2148307"/>
+            <a:ext cx="6594574" cy="4364163"/>
           </a:xfrm>
           <a:prstGeom prst="rect">
             <a:avLst/>
           </a:prstGeom>
         </p:spPr>
       </p:pic>
+    </p:spTree>
+    <p:extLst>
+      <p:ext uri="{BB962C8B-B14F-4D97-AF65-F5344CB8AC3E}">
+        <p14:creationId xmlns:p14="http://schemas.microsoft.com/office/powerpoint/2010/main" val="798706031"/>
+      </p:ext>
+    </p:extLst>
+  </p:cSld>
+  <p:clrMapOvr>
+    <a:masterClrMapping/>
+  </p:clrMapOvr>
+</p:sld>
+</file>
+
+<file path=ppt/slides/slide9.xml><?xml version="1.0" encoding="utf-8"?>
+<p:sld xmlns:a="http://schemas.openxmlformats.org/drawingml/2006/main" xmlns:r="http://schemas.openxmlformats.org/officeDocument/2006/relationships" xmlns:p="http://schemas.openxmlformats.org/presentationml/2006/main">
+  <p:cSld>
+    <p:spTree>
+      <p:nvGrpSpPr>
+        <p:cNvPr id="1" name="">
+          <a:extLst>
+            <a:ext uri="{FF2B5EF4-FFF2-40B4-BE49-F238E27FC236}">
+              <a16:creationId xmlns:a16="http://schemas.microsoft.com/office/drawing/2014/main" id="{C0B7754A-E04F-69C3-7287-17D1FA4945E7}"/>
+            </a:ext>
+          </a:extLst>
+        </p:cNvPr>
+        <p:cNvGrpSpPr/>
+        <p:nvPr/>
+      </p:nvGrpSpPr>
+      <p:grpSpPr>
+        <a:xfrm>
+          <a:off x="0" y="0"/>
+          <a:ext cx="0" cy="0"/>
+          <a:chOff x="0" y="0"/>
+          <a:chExt cx="0" cy="0"/>
+        </a:xfrm>
+      </p:grpSpPr>
+      <p:sp>
+        <p:nvSpPr>
+          <p:cNvPr id="2" name="Title 1">
+            <a:extLst>
+              <a:ext uri="{FF2B5EF4-FFF2-40B4-BE49-F238E27FC236}">
+                <a16:creationId xmlns:a16="http://schemas.microsoft.com/office/drawing/2014/main" id="{8BA49FAD-87D1-4271-3D76-1BDFECB1F056}"/>
+              </a:ext>
+            </a:extLst>
+          </p:cNvPr>
+          <p:cNvSpPr>
+            <a:spLocks noGrp="1"/>
+          </p:cNvSpPr>
+          <p:nvPr>
+            <p:ph type="title"/>
+          </p:nvPr>
+        </p:nvSpPr>
+        <p:spPr/>
+        <p:txBody>
+          <a:bodyPr/>
+          <a:lstStyle/>
+          <a:p>
+            <a:r>
+              <a:rPr lang="hr-HR" dirty="0"/>
+              <a:t>Arhitektura sustava</a:t>
+            </a:r>
+          </a:p>
+        </p:txBody>
+      </p:sp>
+      <p:sp>
+        <p:nvSpPr>
+          <p:cNvPr id="3" name="Content Placeholder 2">
+            <a:extLst>
+              <a:ext uri="{FF2B5EF4-FFF2-40B4-BE49-F238E27FC236}">
+                <a16:creationId xmlns:a16="http://schemas.microsoft.com/office/drawing/2014/main" id="{B943CD60-A7F7-A45C-9106-BF9A2E1D42A6}"/>
+              </a:ext>
+            </a:extLst>
+          </p:cNvPr>
+          <p:cNvSpPr>
+            <a:spLocks noGrp="1"/>
+          </p:cNvSpPr>
+          <p:nvPr>
+            <p:ph idx="1"/>
+          </p:nvPr>
+        </p:nvSpPr>
+        <p:spPr/>
+        <p:txBody>
+          <a:bodyPr>
+            <a:normAutofit/>
+          </a:bodyPr>
+          <a:lstStyle/>
+          <a:p>
+            <a:pPr>
+              <a:lnSpc>
+                <a:spcPct val="100000"/>
+              </a:lnSpc>
+            </a:pPr>
+            <a:r>
+              <a:rPr lang="en-US" sz="2400" dirty="0"/>
+              <a:t>3 </a:t>
+            </a:r>
+            <a:r>
+              <a:rPr lang="en-US" sz="2400" dirty="0" err="1"/>
+              <a:t>komponente</a:t>
+            </a:r>
+            <a:r>
+              <a:rPr lang="en-US" sz="2400" dirty="0"/>
+              <a:t>: </a:t>
+            </a:r>
+            <a:r>
+              <a:rPr lang="en-US" sz="2400" dirty="0" err="1"/>
+              <a:t>korisnik</a:t>
+            </a:r>
+            <a:r>
+              <a:rPr lang="en-US" sz="2400" dirty="0"/>
+              <a:t>, </a:t>
+            </a:r>
+            <a:r>
+              <a:rPr lang="en-US" sz="2400" dirty="0" err="1"/>
+              <a:t>aplikacija</a:t>
+            </a:r>
+            <a:r>
+              <a:rPr lang="en-US" sz="2400" dirty="0"/>
+              <a:t> </a:t>
+            </a:r>
+            <a:r>
+              <a:rPr lang="en-US" sz="2400" dirty="0" err="1"/>
+              <a:t>i</a:t>
+            </a:r>
+            <a:r>
+              <a:rPr lang="en-US" sz="2400" dirty="0"/>
+              <a:t> BP</a:t>
+            </a:r>
+          </a:p>
+          <a:p>
+            <a:pPr>
+              <a:lnSpc>
+                <a:spcPct val="100000"/>
+              </a:lnSpc>
+            </a:pPr>
+            <a:endParaRPr lang="hr-HR" sz="1800" dirty="0"/>
+          </a:p>
+        </p:txBody>
+      </p:sp>
+      <p:sp>
+        <p:nvSpPr>
+          <p:cNvPr id="4" name="Slide Number Placeholder 3">
+            <a:extLst>
+              <a:ext uri="{FF2B5EF4-FFF2-40B4-BE49-F238E27FC236}">
+                <a16:creationId xmlns:a16="http://schemas.microsoft.com/office/drawing/2014/main" id="{FE91527D-95B3-0556-385D-9438A0AF4D9E}"/>
+              </a:ext>
+            </a:extLst>
+          </p:cNvPr>
+          <p:cNvSpPr>
+            <a:spLocks noGrp="1"/>
+          </p:cNvSpPr>
+          <p:nvPr>
+            <p:ph type="sldNum" sz="quarter" idx="12"/>
+          </p:nvPr>
+        </p:nvSpPr>
+        <p:spPr/>
+        <p:txBody>
+          <a:bodyPr/>
+          <a:lstStyle/>
+          <a:p>
+            <a:fld id="{FAA41844-C0CA-4144-9D6C-D993F0C0FAB4}" type="slidenum">
+              <a:rPr lang="hr-HR" smtClean="0"/>
+              <a:t>9</a:t>
+            </a:fld>
+            <a:endParaRPr lang="hr-HR"/>
+          </a:p>
+        </p:txBody>
+      </p:sp>
       <p:pic>
         <p:nvPicPr>
-          <p:cNvPr id="8" name="Picture 7" descr="A logo of a coffee cup&#10;&#10;Description automatically generated">
+          <p:cNvPr id="6" name="Picture 5" descr="A screenshot of a computer&#10;&#10;Description automatically generated">
             <a:extLst>
               <a:ext uri="{FF2B5EF4-FFF2-40B4-BE49-F238E27FC236}">
-                <a16:creationId xmlns:a16="http://schemas.microsoft.com/office/drawing/2014/main" id="{3A7C1F28-1BAF-A3FE-538D-A22EC8CE031F}"/>
+                <a16:creationId xmlns:a16="http://schemas.microsoft.com/office/drawing/2014/main" id="{666BBB46-289B-AD5C-72BA-DF78AC6A1F06}"/>
               </a:ext>
             </a:extLst>
           </p:cNvPr>
@@ -8086,7 +8448,7 @@
           <p:nvPr/>
         </p:nvPicPr>
         <p:blipFill>
-          <a:blip r:embed="rId3">
+          <a:blip r:embed="rId2">
             <a:extLst>
               <a:ext uri="{28A0092B-C50C-407E-A947-70E740481C1C}">
                 <a14:useLocalDpi xmlns:a14="http://schemas.microsoft.com/office/drawing/2010/main" val="0"/>
@@ -8099,44 +8461,8 @@
         </p:blipFill>
         <p:spPr>
           <a:xfrm>
-            <a:off x="994172" y="4962339"/>
-            <a:ext cx="2618614" cy="1472970"/>
-          </a:xfrm>
-          <a:prstGeom prst="rect">
-            <a:avLst/>
-          </a:prstGeom>
-        </p:spPr>
-      </p:pic>
-      <p:pic>
-        <p:nvPicPr>
-          <p:cNvPr id="14" name="Picture 13" descr="A green text on a black background&#10;&#10;Description automatically generated">
-            <a:extLst>
-              <a:ext uri="{FF2B5EF4-FFF2-40B4-BE49-F238E27FC236}">
-                <a16:creationId xmlns:a16="http://schemas.microsoft.com/office/drawing/2014/main" id="{6AFCBEFD-6265-ECAC-7518-C96A88D41204}"/>
-              </a:ext>
-            </a:extLst>
-          </p:cNvPr>
-          <p:cNvPicPr>
-            <a:picLocks noChangeAspect="1"/>
-          </p:cNvPicPr>
-          <p:nvPr/>
-        </p:nvPicPr>
-        <p:blipFill>
-          <a:blip r:embed="rId4">
-            <a:extLst>
-              <a:ext uri="{28A0092B-C50C-407E-A947-70E740481C1C}">
-                <a14:useLocalDpi xmlns:a14="http://schemas.microsoft.com/office/drawing/2010/main" val="0"/>
-              </a:ext>
-            </a:extLst>
-          </a:blip>
-          <a:stretch>
-            <a:fillRect/>
-          </a:stretch>
-        </p:blipFill>
-        <p:spPr>
-          <a:xfrm>
-            <a:off x="3676554" y="5265590"/>
-            <a:ext cx="3371062" cy="866468"/>
+            <a:off x="1215736" y="1840796"/>
+            <a:ext cx="6368473" cy="5006813"/>
           </a:xfrm>
           <a:prstGeom prst="rect">
             <a:avLst/>
@@ -8146,7 +8472,7 @@
     </p:spTree>
     <p:extLst>
       <p:ext uri="{BB962C8B-B14F-4D97-AF65-F5344CB8AC3E}">
-        <p14:creationId xmlns:p14="http://schemas.microsoft.com/office/powerpoint/2010/main" val="3389772446"/>
+        <p14:creationId xmlns:p14="http://schemas.microsoft.com/office/powerpoint/2010/main" val="3864065005"/>
       </p:ext>
     </p:extLst>
   </p:cSld>
